--- a/tutorials/dop/Data_Oblivious_Programming.pptx
+++ b/tutorials/dop/Data_Oblivious_Programming.pptx
@@ -5,34 +5,38 @@
     <p:sldMasterId id="2147483659" r:id="rId1"/>
   </p:sldMasterIdLst>
   <p:notesMasterIdLst>
-    <p:notesMasterId r:id="rId12"/>
+    <p:notesMasterId r:id="rId16"/>
   </p:notesMasterIdLst>
   <p:sldIdLst>
     <p:sldId id="256" r:id="rId2"/>
     <p:sldId id="257" r:id="rId3"/>
     <p:sldId id="258" r:id="rId4"/>
-    <p:sldId id="259" r:id="rId5"/>
-    <p:sldId id="260" r:id="rId6"/>
-    <p:sldId id="261" r:id="rId7"/>
-    <p:sldId id="262" r:id="rId8"/>
-    <p:sldId id="263" r:id="rId9"/>
-    <p:sldId id="264" r:id="rId10"/>
-    <p:sldId id="265" r:id="rId11"/>
+    <p:sldId id="266" r:id="rId5"/>
+    <p:sldId id="259" r:id="rId6"/>
+    <p:sldId id="267" r:id="rId7"/>
+    <p:sldId id="260" r:id="rId8"/>
+    <p:sldId id="268" r:id="rId9"/>
+    <p:sldId id="261" r:id="rId10"/>
+    <p:sldId id="269" r:id="rId11"/>
+    <p:sldId id="262" r:id="rId12"/>
+    <p:sldId id="263" r:id="rId13"/>
+    <p:sldId id="264" r:id="rId14"/>
+    <p:sldId id="265" r:id="rId15"/>
   </p:sldIdLst>
   <p:sldSz cx="9144000" cy="5143500" type="screen16x9"/>
   <p:notesSz cx="6858000" cy="9144000"/>
   <p:embeddedFontLst>
     <p:embeddedFont>
       <p:font typeface="Maven Pro" panose="020B0604020202020204" charset="0"/>
-      <p:regular r:id="rId13"/>
-      <p:bold r:id="rId14"/>
+      <p:regular r:id="rId17"/>
+      <p:bold r:id="rId18"/>
     </p:embeddedFont>
     <p:embeddedFont>
       <p:font typeface="Nunito" panose="020B0604020202020204" charset="0"/>
-      <p:regular r:id="rId15"/>
-      <p:bold r:id="rId16"/>
-      <p:italic r:id="rId17"/>
-      <p:boldItalic r:id="rId18"/>
+      <p:regular r:id="rId19"/>
+      <p:bold r:id="rId20"/>
+      <p:italic r:id="rId21"/>
+      <p:boldItalic r:id="rId22"/>
     </p:embeddedFont>
   </p:embeddedFontLst>
   <p:defaultTextStyle>
@@ -264,6 +268,11 @@
       </a:defRPr>
     </a:lvl9pPr>
   </p:defaultTextStyle>
+  <p:extLst>
+    <p:ext uri="{EFAFB233-063F-42B5-8137-9DF3F51BA10A}">
+      <p15:sldGuideLst xmlns:p15="http://schemas.microsoft.com/office/powerpoint/2012/main"/>
+    </p:ext>
+  </p:extLst>
 </p:presentation>
 </file>
 
@@ -817,6 +826,427 @@
   <p:cSld>
     <p:spTree>
       <p:nvGrpSpPr>
+        <p:cNvPr id="1" name="Shape 311"/>
+        <p:cNvGrpSpPr/>
+        <p:nvPr/>
+      </p:nvGrpSpPr>
+      <p:grpSpPr>
+        <a:xfrm>
+          <a:off x="0" y="0"/>
+          <a:ext cx="0" cy="0"/>
+          <a:chOff x="0" y="0"/>
+          <a:chExt cx="0" cy="0"/>
+        </a:xfrm>
+      </p:grpSpPr>
+      <p:sp>
+        <p:nvSpPr>
+          <p:cNvPr id="312" name="Google Shape;312;g4c6bbdbf6d_0_5:notes"/>
+          <p:cNvSpPr>
+            <a:spLocks noGrp="1" noRot="1" noChangeAspect="1"/>
+          </p:cNvSpPr>
+          <p:nvPr>
+            <p:ph type="sldImg" idx="2"/>
+          </p:nvPr>
+        </p:nvSpPr>
+        <p:spPr>
+          <a:xfrm>
+            <a:off x="381000" y="685800"/>
+            <a:ext cx="6096000" cy="3429000"/>
+          </a:xfrm>
+          <a:custGeom>
+            <a:avLst/>
+            <a:gdLst/>
+            <a:ahLst/>
+            <a:cxnLst/>
+            <a:rect l="l" t="t" r="r" b="b"/>
+            <a:pathLst>
+              <a:path w="120000" h="120000" extrusionOk="0">
+                <a:moveTo>
+                  <a:pt x="0" y="0"/>
+                </a:moveTo>
+                <a:lnTo>
+                  <a:pt x="120000" y="0"/>
+                </a:lnTo>
+                <a:lnTo>
+                  <a:pt x="120000" y="120000"/>
+                </a:lnTo>
+                <a:lnTo>
+                  <a:pt x="0" y="120000"/>
+                </a:lnTo>
+                <a:close/>
+              </a:path>
+            </a:pathLst>
+          </a:custGeom>
+        </p:spPr>
+      </p:sp>
+      <p:sp>
+        <p:nvSpPr>
+          <p:cNvPr id="313" name="Google Shape;313;g4c6bbdbf6d_0_5:notes"/>
+          <p:cNvSpPr txBox="1">
+            <a:spLocks noGrp="1"/>
+          </p:cNvSpPr>
+          <p:nvPr>
+            <p:ph type="body" idx="1"/>
+          </p:nvPr>
+        </p:nvSpPr>
+        <p:spPr>
+          <a:xfrm>
+            <a:off x="685800" y="4343400"/>
+            <a:ext cx="5486400" cy="4114800"/>
+          </a:xfrm>
+          <a:prstGeom prst="rect">
+            <a:avLst/>
+          </a:prstGeom>
+        </p:spPr>
+        <p:txBody>
+          <a:bodyPr spcFirstLastPara="1" wrap="square" lIns="91425" tIns="91425" rIns="91425" bIns="91425" anchor="t" anchorCtr="0">
+            <a:noAutofit/>
+          </a:bodyPr>
+          <a:lstStyle/>
+          <a:p>
+            <a:pPr marL="0" lvl="0" indent="0" algn="l" rtl="0">
+              <a:spcBef>
+                <a:spcPts val="0"/>
+              </a:spcBef>
+              <a:spcAft>
+                <a:spcPts val="0"/>
+              </a:spcAft>
+              <a:buNone/>
+            </a:pPr>
+            <a:endParaRPr/>
+          </a:p>
+        </p:txBody>
+      </p:sp>
+    </p:spTree>
+    <p:extLst>
+      <p:ext uri="{BB962C8B-B14F-4D97-AF65-F5344CB8AC3E}">
+        <p14:creationId xmlns:p14="http://schemas.microsoft.com/office/powerpoint/2010/main" val="3506413222"/>
+      </p:ext>
+    </p:extLst>
+  </p:cSld>
+  <p:clrMapOvr>
+    <a:masterClrMapping/>
+  </p:clrMapOvr>
+</p:notes>
+</file>
+
+<file path=ppt/notesSlides/notesSlide11.xml><?xml version="1.0" encoding="utf-8"?>
+<p:notes xmlns:a="http://schemas.openxmlformats.org/drawingml/2006/main" xmlns:r="http://schemas.openxmlformats.org/officeDocument/2006/relationships" xmlns:p="http://schemas.openxmlformats.org/presentationml/2006/main" showMasterSp="0" showMasterPhAnim="0">
+  <p:cSld>
+    <p:spTree>
+      <p:nvGrpSpPr>
+        <p:cNvPr id="1" name="Shape 319"/>
+        <p:cNvGrpSpPr/>
+        <p:nvPr/>
+      </p:nvGrpSpPr>
+      <p:grpSpPr>
+        <a:xfrm>
+          <a:off x="0" y="0"/>
+          <a:ext cx="0" cy="0"/>
+          <a:chOff x="0" y="0"/>
+          <a:chExt cx="0" cy="0"/>
+        </a:xfrm>
+      </p:grpSpPr>
+      <p:sp>
+        <p:nvSpPr>
+          <p:cNvPr id="320" name="Google Shape;320;g4c6bbdbf6d_0_11:notes"/>
+          <p:cNvSpPr>
+            <a:spLocks noGrp="1" noRot="1" noChangeAspect="1"/>
+          </p:cNvSpPr>
+          <p:nvPr>
+            <p:ph type="sldImg" idx="2"/>
+          </p:nvPr>
+        </p:nvSpPr>
+        <p:spPr>
+          <a:xfrm>
+            <a:off x="381000" y="685800"/>
+            <a:ext cx="6096000" cy="3429000"/>
+          </a:xfrm>
+          <a:custGeom>
+            <a:avLst/>
+            <a:gdLst/>
+            <a:ahLst/>
+            <a:cxnLst/>
+            <a:rect l="l" t="t" r="r" b="b"/>
+            <a:pathLst>
+              <a:path w="120000" h="120000" extrusionOk="0">
+                <a:moveTo>
+                  <a:pt x="0" y="0"/>
+                </a:moveTo>
+                <a:lnTo>
+                  <a:pt x="120000" y="0"/>
+                </a:lnTo>
+                <a:lnTo>
+                  <a:pt x="120000" y="120000"/>
+                </a:lnTo>
+                <a:lnTo>
+                  <a:pt x="0" y="120000"/>
+                </a:lnTo>
+                <a:close/>
+              </a:path>
+            </a:pathLst>
+          </a:custGeom>
+        </p:spPr>
+      </p:sp>
+      <p:sp>
+        <p:nvSpPr>
+          <p:cNvPr id="321" name="Google Shape;321;g4c6bbdbf6d_0_11:notes"/>
+          <p:cNvSpPr txBox="1">
+            <a:spLocks noGrp="1"/>
+          </p:cNvSpPr>
+          <p:nvPr>
+            <p:ph type="body" idx="1"/>
+          </p:nvPr>
+        </p:nvSpPr>
+        <p:spPr>
+          <a:xfrm>
+            <a:off x="685800" y="4343400"/>
+            <a:ext cx="5486400" cy="4114800"/>
+          </a:xfrm>
+          <a:prstGeom prst="rect">
+            <a:avLst/>
+          </a:prstGeom>
+        </p:spPr>
+        <p:txBody>
+          <a:bodyPr spcFirstLastPara="1" wrap="square" lIns="91425" tIns="91425" rIns="91425" bIns="91425" anchor="t" anchorCtr="0">
+            <a:noAutofit/>
+          </a:bodyPr>
+          <a:lstStyle/>
+          <a:p>
+            <a:pPr marL="0" lvl="0" indent="0" algn="l" rtl="0">
+              <a:spcBef>
+                <a:spcPts val="0"/>
+              </a:spcBef>
+              <a:spcAft>
+                <a:spcPts val="0"/>
+              </a:spcAft>
+              <a:buNone/>
+            </a:pPr>
+            <a:endParaRPr/>
+          </a:p>
+        </p:txBody>
+      </p:sp>
+    </p:spTree>
+  </p:cSld>
+  <p:clrMapOvr>
+    <a:masterClrMapping/>
+  </p:clrMapOvr>
+</p:notes>
+</file>
+
+<file path=ppt/notesSlides/notesSlide12.xml><?xml version="1.0" encoding="utf-8"?>
+<p:notes xmlns:a="http://schemas.openxmlformats.org/drawingml/2006/main" xmlns:r="http://schemas.openxmlformats.org/officeDocument/2006/relationships" xmlns:p="http://schemas.openxmlformats.org/presentationml/2006/main" showMasterSp="0" showMasterPhAnim="0">
+  <p:cSld>
+    <p:spTree>
+      <p:nvGrpSpPr>
+        <p:cNvPr id="1" name="Shape 327"/>
+        <p:cNvGrpSpPr/>
+        <p:nvPr/>
+      </p:nvGrpSpPr>
+      <p:grpSpPr>
+        <a:xfrm>
+          <a:off x="0" y="0"/>
+          <a:ext cx="0" cy="0"/>
+          <a:chOff x="0" y="0"/>
+          <a:chExt cx="0" cy="0"/>
+        </a:xfrm>
+      </p:grpSpPr>
+      <p:sp>
+        <p:nvSpPr>
+          <p:cNvPr id="328" name="Google Shape;328;g4c6bbdbf6d_0_17:notes"/>
+          <p:cNvSpPr>
+            <a:spLocks noGrp="1" noRot="1" noChangeAspect="1"/>
+          </p:cNvSpPr>
+          <p:nvPr>
+            <p:ph type="sldImg" idx="2"/>
+          </p:nvPr>
+        </p:nvSpPr>
+        <p:spPr>
+          <a:xfrm>
+            <a:off x="381000" y="685800"/>
+            <a:ext cx="6096000" cy="3429000"/>
+          </a:xfrm>
+          <a:custGeom>
+            <a:avLst/>
+            <a:gdLst/>
+            <a:ahLst/>
+            <a:cxnLst/>
+            <a:rect l="l" t="t" r="r" b="b"/>
+            <a:pathLst>
+              <a:path w="120000" h="120000" extrusionOk="0">
+                <a:moveTo>
+                  <a:pt x="0" y="0"/>
+                </a:moveTo>
+                <a:lnTo>
+                  <a:pt x="120000" y="0"/>
+                </a:lnTo>
+                <a:lnTo>
+                  <a:pt x="120000" y="120000"/>
+                </a:lnTo>
+                <a:lnTo>
+                  <a:pt x="0" y="120000"/>
+                </a:lnTo>
+                <a:close/>
+              </a:path>
+            </a:pathLst>
+          </a:custGeom>
+        </p:spPr>
+      </p:sp>
+      <p:sp>
+        <p:nvSpPr>
+          <p:cNvPr id="329" name="Google Shape;329;g4c6bbdbf6d_0_17:notes"/>
+          <p:cNvSpPr txBox="1">
+            <a:spLocks noGrp="1"/>
+          </p:cNvSpPr>
+          <p:nvPr>
+            <p:ph type="body" idx="1"/>
+          </p:nvPr>
+        </p:nvSpPr>
+        <p:spPr>
+          <a:xfrm>
+            <a:off x="685800" y="4343400"/>
+            <a:ext cx="5486400" cy="4114800"/>
+          </a:xfrm>
+          <a:prstGeom prst="rect">
+            <a:avLst/>
+          </a:prstGeom>
+        </p:spPr>
+        <p:txBody>
+          <a:bodyPr spcFirstLastPara="1" wrap="square" lIns="91425" tIns="91425" rIns="91425" bIns="91425" anchor="t" anchorCtr="0">
+            <a:noAutofit/>
+          </a:bodyPr>
+          <a:lstStyle/>
+          <a:p>
+            <a:pPr marL="0" lvl="0" indent="0" algn="l" rtl="0">
+              <a:spcBef>
+                <a:spcPts val="0"/>
+              </a:spcBef>
+              <a:spcAft>
+                <a:spcPts val="0"/>
+              </a:spcAft>
+              <a:buNone/>
+            </a:pPr>
+            <a:endParaRPr/>
+          </a:p>
+        </p:txBody>
+      </p:sp>
+    </p:spTree>
+  </p:cSld>
+  <p:clrMapOvr>
+    <a:masterClrMapping/>
+  </p:clrMapOvr>
+</p:notes>
+</file>
+
+<file path=ppt/notesSlides/notesSlide13.xml><?xml version="1.0" encoding="utf-8"?>
+<p:notes xmlns:a="http://schemas.openxmlformats.org/drawingml/2006/main" xmlns:r="http://schemas.openxmlformats.org/officeDocument/2006/relationships" xmlns:p="http://schemas.openxmlformats.org/presentationml/2006/main" showMasterSp="0" showMasterPhAnim="0">
+  <p:cSld>
+    <p:spTree>
+      <p:nvGrpSpPr>
+        <p:cNvPr id="1" name="Shape 335"/>
+        <p:cNvGrpSpPr/>
+        <p:nvPr/>
+      </p:nvGrpSpPr>
+      <p:grpSpPr>
+        <a:xfrm>
+          <a:off x="0" y="0"/>
+          <a:ext cx="0" cy="0"/>
+          <a:chOff x="0" y="0"/>
+          <a:chExt cx="0" cy="0"/>
+        </a:xfrm>
+      </p:grpSpPr>
+      <p:sp>
+        <p:nvSpPr>
+          <p:cNvPr id="336" name="Google Shape;336;g4c6bbdbf6d_0_32:notes"/>
+          <p:cNvSpPr>
+            <a:spLocks noGrp="1" noRot="1" noChangeAspect="1"/>
+          </p:cNvSpPr>
+          <p:nvPr>
+            <p:ph type="sldImg" idx="2"/>
+          </p:nvPr>
+        </p:nvSpPr>
+        <p:spPr>
+          <a:xfrm>
+            <a:off x="381000" y="685800"/>
+            <a:ext cx="6096000" cy="3429000"/>
+          </a:xfrm>
+          <a:custGeom>
+            <a:avLst/>
+            <a:gdLst/>
+            <a:ahLst/>
+            <a:cxnLst/>
+            <a:rect l="l" t="t" r="r" b="b"/>
+            <a:pathLst>
+              <a:path w="120000" h="120000" extrusionOk="0">
+                <a:moveTo>
+                  <a:pt x="0" y="0"/>
+                </a:moveTo>
+                <a:lnTo>
+                  <a:pt x="120000" y="0"/>
+                </a:lnTo>
+                <a:lnTo>
+                  <a:pt x="120000" y="120000"/>
+                </a:lnTo>
+                <a:lnTo>
+                  <a:pt x="0" y="120000"/>
+                </a:lnTo>
+                <a:close/>
+              </a:path>
+            </a:pathLst>
+          </a:custGeom>
+        </p:spPr>
+      </p:sp>
+      <p:sp>
+        <p:nvSpPr>
+          <p:cNvPr id="337" name="Google Shape;337;g4c6bbdbf6d_0_32:notes"/>
+          <p:cNvSpPr txBox="1">
+            <a:spLocks noGrp="1"/>
+          </p:cNvSpPr>
+          <p:nvPr>
+            <p:ph type="body" idx="1"/>
+          </p:nvPr>
+        </p:nvSpPr>
+        <p:spPr>
+          <a:xfrm>
+            <a:off x="685800" y="4343400"/>
+            <a:ext cx="5486400" cy="4114800"/>
+          </a:xfrm>
+          <a:prstGeom prst="rect">
+            <a:avLst/>
+          </a:prstGeom>
+        </p:spPr>
+        <p:txBody>
+          <a:bodyPr spcFirstLastPara="1" wrap="square" lIns="91425" tIns="91425" rIns="91425" bIns="91425" anchor="t" anchorCtr="0">
+            <a:noAutofit/>
+          </a:bodyPr>
+          <a:lstStyle/>
+          <a:p>
+            <a:pPr marL="0" lvl="0" indent="0" algn="l" rtl="0">
+              <a:spcBef>
+                <a:spcPts val="0"/>
+              </a:spcBef>
+              <a:spcAft>
+                <a:spcPts val="0"/>
+              </a:spcAft>
+              <a:buNone/>
+            </a:pPr>
+            <a:endParaRPr/>
+          </a:p>
+        </p:txBody>
+      </p:sp>
+    </p:spTree>
+  </p:cSld>
+  <p:clrMapOvr>
+    <a:masterClrMapping/>
+  </p:clrMapOvr>
+</p:notes>
+</file>
+
+<file path=ppt/notesSlides/notesSlide14.xml><?xml version="1.0" encoding="utf-8"?>
+<p:notes xmlns:a="http://schemas.openxmlformats.org/drawingml/2006/main" xmlns:r="http://schemas.openxmlformats.org/officeDocument/2006/relationships" xmlns:p="http://schemas.openxmlformats.org/presentationml/2006/main" showMasterSp="0" showMasterPhAnim="0">
+  <p:cSld>
+    <p:spTree>
+      <p:nvGrpSpPr>
         <p:cNvPr id="1" name="Shape 343"/>
         <p:cNvGrpSpPr/>
         <p:nvPr/>
@@ -841,7 +1271,7 @@
         </p:nvSpPr>
         <p:spPr>
           <a:xfrm>
-            <a:off x="381300" y="685800"/>
+            <a:off x="381000" y="685800"/>
             <a:ext cx="6096000" cy="3429000"/>
           </a:xfrm>
           <a:custGeom>
@@ -945,7 +1375,7 @@
         </p:nvSpPr>
         <p:spPr>
           <a:xfrm>
-            <a:off x="381300" y="685800"/>
+            <a:off x="381000" y="685800"/>
             <a:ext cx="6096000" cy="3429000"/>
           </a:xfrm>
           <a:custGeom>
@@ -1049,7 +1479,7 @@
         </p:nvSpPr>
         <p:spPr>
           <a:xfrm>
-            <a:off x="381300" y="685800"/>
+            <a:off x="381000" y="685800"/>
             <a:ext cx="6096000" cy="3429000"/>
           </a:xfrm>
           <a:custGeom>
@@ -1129,6 +1559,115 @@
   <p:cSld>
     <p:spTree>
       <p:nvGrpSpPr>
+        <p:cNvPr id="1" name="Shape 287"/>
+        <p:cNvGrpSpPr/>
+        <p:nvPr/>
+      </p:nvGrpSpPr>
+      <p:grpSpPr>
+        <a:xfrm>
+          <a:off x="0" y="0"/>
+          <a:ext cx="0" cy="0"/>
+          <a:chOff x="0" y="0"/>
+          <a:chExt cx="0" cy="0"/>
+        </a:xfrm>
+      </p:grpSpPr>
+      <p:sp>
+        <p:nvSpPr>
+          <p:cNvPr id="288" name="Google Shape;288;g4c662d0247_0_273:notes"/>
+          <p:cNvSpPr>
+            <a:spLocks noGrp="1" noRot="1" noChangeAspect="1"/>
+          </p:cNvSpPr>
+          <p:nvPr>
+            <p:ph type="sldImg" idx="2"/>
+          </p:nvPr>
+        </p:nvSpPr>
+        <p:spPr>
+          <a:xfrm>
+            <a:off x="381000" y="685800"/>
+            <a:ext cx="6096000" cy="3429000"/>
+          </a:xfrm>
+          <a:custGeom>
+            <a:avLst/>
+            <a:gdLst/>
+            <a:ahLst/>
+            <a:cxnLst/>
+            <a:rect l="l" t="t" r="r" b="b"/>
+            <a:pathLst>
+              <a:path w="120000" h="120000" extrusionOk="0">
+                <a:moveTo>
+                  <a:pt x="0" y="0"/>
+                </a:moveTo>
+                <a:lnTo>
+                  <a:pt x="120000" y="0"/>
+                </a:lnTo>
+                <a:lnTo>
+                  <a:pt x="120000" y="120000"/>
+                </a:lnTo>
+                <a:lnTo>
+                  <a:pt x="0" y="120000"/>
+                </a:lnTo>
+                <a:close/>
+              </a:path>
+            </a:pathLst>
+          </a:custGeom>
+        </p:spPr>
+      </p:sp>
+      <p:sp>
+        <p:nvSpPr>
+          <p:cNvPr id="289" name="Google Shape;289;g4c662d0247_0_273:notes"/>
+          <p:cNvSpPr txBox="1">
+            <a:spLocks noGrp="1"/>
+          </p:cNvSpPr>
+          <p:nvPr>
+            <p:ph type="body" idx="1"/>
+          </p:nvPr>
+        </p:nvSpPr>
+        <p:spPr>
+          <a:xfrm>
+            <a:off x="685800" y="4343400"/>
+            <a:ext cx="5486400" cy="4114800"/>
+          </a:xfrm>
+          <a:prstGeom prst="rect">
+            <a:avLst/>
+          </a:prstGeom>
+        </p:spPr>
+        <p:txBody>
+          <a:bodyPr spcFirstLastPara="1" wrap="square" lIns="91425" tIns="91425" rIns="91425" bIns="91425" anchor="t" anchorCtr="0">
+            <a:noAutofit/>
+          </a:bodyPr>
+          <a:lstStyle/>
+          <a:p>
+            <a:pPr marL="0" lvl="0" indent="0" algn="l" rtl="0">
+              <a:spcBef>
+                <a:spcPts val="0"/>
+              </a:spcBef>
+              <a:spcAft>
+                <a:spcPts val="0"/>
+              </a:spcAft>
+              <a:buNone/>
+            </a:pPr>
+            <a:endParaRPr/>
+          </a:p>
+        </p:txBody>
+      </p:sp>
+    </p:spTree>
+    <p:extLst>
+      <p:ext uri="{BB962C8B-B14F-4D97-AF65-F5344CB8AC3E}">
+        <p14:creationId xmlns:p14="http://schemas.microsoft.com/office/powerpoint/2010/main" val="1056199520"/>
+      </p:ext>
+    </p:extLst>
+  </p:cSld>
+  <p:clrMapOvr>
+    <a:masterClrMapping/>
+  </p:clrMapOvr>
+</p:notes>
+</file>
+
+<file path=ppt/notesSlides/notesSlide5.xml><?xml version="1.0" encoding="utf-8"?>
+<p:notes xmlns:a="http://schemas.openxmlformats.org/drawingml/2006/main" xmlns:r="http://schemas.openxmlformats.org/officeDocument/2006/relationships" xmlns:p="http://schemas.openxmlformats.org/presentationml/2006/main" showMasterSp="0" showMasterPhAnim="0">
+  <p:cSld>
+    <p:spTree>
+      <p:nvGrpSpPr>
         <p:cNvPr id="1" name="Shape 295"/>
         <p:cNvGrpSpPr/>
         <p:nvPr/>
@@ -1153,7 +1692,7 @@
         </p:nvSpPr>
         <p:spPr>
           <a:xfrm>
-            <a:off x="381300" y="685800"/>
+            <a:off x="381000" y="685800"/>
             <a:ext cx="6096000" cy="3429000"/>
           </a:xfrm>
           <a:custGeom>
@@ -1228,7 +1767,116 @@
 </p:notes>
 </file>
 
-<file path=ppt/notesSlides/notesSlide5.xml><?xml version="1.0" encoding="utf-8"?>
+<file path=ppt/notesSlides/notesSlide6.xml><?xml version="1.0" encoding="utf-8"?>
+<p:notes xmlns:a="http://schemas.openxmlformats.org/drawingml/2006/main" xmlns:r="http://schemas.openxmlformats.org/officeDocument/2006/relationships" xmlns:p="http://schemas.openxmlformats.org/presentationml/2006/main" showMasterSp="0" showMasterPhAnim="0">
+  <p:cSld>
+    <p:spTree>
+      <p:nvGrpSpPr>
+        <p:cNvPr id="1" name="Shape 295"/>
+        <p:cNvGrpSpPr/>
+        <p:nvPr/>
+      </p:nvGrpSpPr>
+      <p:grpSpPr>
+        <a:xfrm>
+          <a:off x="0" y="0"/>
+          <a:ext cx="0" cy="0"/>
+          <a:chOff x="0" y="0"/>
+          <a:chExt cx="0" cy="0"/>
+        </a:xfrm>
+      </p:grpSpPr>
+      <p:sp>
+        <p:nvSpPr>
+          <p:cNvPr id="296" name="Google Shape;296;g4c662d0247_0_547:notes"/>
+          <p:cNvSpPr>
+            <a:spLocks noGrp="1" noRot="1" noChangeAspect="1"/>
+          </p:cNvSpPr>
+          <p:nvPr>
+            <p:ph type="sldImg" idx="2"/>
+          </p:nvPr>
+        </p:nvSpPr>
+        <p:spPr>
+          <a:xfrm>
+            <a:off x="381000" y="685800"/>
+            <a:ext cx="6096000" cy="3429000"/>
+          </a:xfrm>
+          <a:custGeom>
+            <a:avLst/>
+            <a:gdLst/>
+            <a:ahLst/>
+            <a:cxnLst/>
+            <a:rect l="l" t="t" r="r" b="b"/>
+            <a:pathLst>
+              <a:path w="120000" h="120000" extrusionOk="0">
+                <a:moveTo>
+                  <a:pt x="0" y="0"/>
+                </a:moveTo>
+                <a:lnTo>
+                  <a:pt x="120000" y="0"/>
+                </a:lnTo>
+                <a:lnTo>
+                  <a:pt x="120000" y="120000"/>
+                </a:lnTo>
+                <a:lnTo>
+                  <a:pt x="0" y="120000"/>
+                </a:lnTo>
+                <a:close/>
+              </a:path>
+            </a:pathLst>
+          </a:custGeom>
+        </p:spPr>
+      </p:sp>
+      <p:sp>
+        <p:nvSpPr>
+          <p:cNvPr id="297" name="Google Shape;297;g4c662d0247_0_547:notes"/>
+          <p:cNvSpPr txBox="1">
+            <a:spLocks noGrp="1"/>
+          </p:cNvSpPr>
+          <p:nvPr>
+            <p:ph type="body" idx="1"/>
+          </p:nvPr>
+        </p:nvSpPr>
+        <p:spPr>
+          <a:xfrm>
+            <a:off x="685800" y="4343400"/>
+            <a:ext cx="5486400" cy="4114800"/>
+          </a:xfrm>
+          <a:prstGeom prst="rect">
+            <a:avLst/>
+          </a:prstGeom>
+        </p:spPr>
+        <p:txBody>
+          <a:bodyPr spcFirstLastPara="1" wrap="square" lIns="91425" tIns="91425" rIns="91425" bIns="91425" anchor="t" anchorCtr="0">
+            <a:noAutofit/>
+          </a:bodyPr>
+          <a:lstStyle/>
+          <a:p>
+            <a:pPr marL="0" lvl="0" indent="0" algn="l" rtl="0">
+              <a:spcBef>
+                <a:spcPts val="0"/>
+              </a:spcBef>
+              <a:spcAft>
+                <a:spcPts val="0"/>
+              </a:spcAft>
+              <a:buNone/>
+            </a:pPr>
+            <a:endParaRPr/>
+          </a:p>
+        </p:txBody>
+      </p:sp>
+    </p:spTree>
+    <p:extLst>
+      <p:ext uri="{BB962C8B-B14F-4D97-AF65-F5344CB8AC3E}">
+        <p14:creationId xmlns:p14="http://schemas.microsoft.com/office/powerpoint/2010/main" val="4003224900"/>
+      </p:ext>
+    </p:extLst>
+  </p:cSld>
+  <p:clrMapOvr>
+    <a:masterClrMapping/>
+  </p:clrMapOvr>
+</p:notes>
+</file>
+
+<file path=ppt/notesSlides/notesSlide7.xml><?xml version="1.0" encoding="utf-8"?>
 <p:notes xmlns:a="http://schemas.openxmlformats.org/drawingml/2006/main" xmlns:r="http://schemas.openxmlformats.org/officeDocument/2006/relationships" xmlns:p="http://schemas.openxmlformats.org/presentationml/2006/main" showMasterSp="0" showMasterPhAnim="0">
   <p:cSld>
     <p:spTree>
@@ -1257,7 +1905,7 @@
         </p:nvSpPr>
         <p:spPr>
           <a:xfrm>
-            <a:off x="381300" y="685800"/>
+            <a:off x="381000" y="685800"/>
             <a:ext cx="6096000" cy="3429000"/>
           </a:xfrm>
           <a:custGeom>
@@ -1332,7 +1980,116 @@
 </p:notes>
 </file>
 
-<file path=ppt/notesSlides/notesSlide6.xml><?xml version="1.0" encoding="utf-8"?>
+<file path=ppt/notesSlides/notesSlide8.xml><?xml version="1.0" encoding="utf-8"?>
+<p:notes xmlns:a="http://schemas.openxmlformats.org/drawingml/2006/main" xmlns:r="http://schemas.openxmlformats.org/officeDocument/2006/relationships" xmlns:p="http://schemas.openxmlformats.org/presentationml/2006/main" showMasterSp="0" showMasterPhAnim="0">
+  <p:cSld>
+    <p:spTree>
+      <p:nvGrpSpPr>
+        <p:cNvPr id="1" name="Shape 303"/>
+        <p:cNvGrpSpPr/>
+        <p:nvPr/>
+      </p:nvGrpSpPr>
+      <p:grpSpPr>
+        <a:xfrm>
+          <a:off x="0" y="0"/>
+          <a:ext cx="0" cy="0"/>
+          <a:chOff x="0" y="0"/>
+          <a:chExt cx="0" cy="0"/>
+        </a:xfrm>
+      </p:grpSpPr>
+      <p:sp>
+        <p:nvSpPr>
+          <p:cNvPr id="304" name="Google Shape;304;g4c662d0247_0_553:notes"/>
+          <p:cNvSpPr>
+            <a:spLocks noGrp="1" noRot="1" noChangeAspect="1"/>
+          </p:cNvSpPr>
+          <p:nvPr>
+            <p:ph type="sldImg" idx="2"/>
+          </p:nvPr>
+        </p:nvSpPr>
+        <p:spPr>
+          <a:xfrm>
+            <a:off x="381000" y="685800"/>
+            <a:ext cx="6096000" cy="3429000"/>
+          </a:xfrm>
+          <a:custGeom>
+            <a:avLst/>
+            <a:gdLst/>
+            <a:ahLst/>
+            <a:cxnLst/>
+            <a:rect l="l" t="t" r="r" b="b"/>
+            <a:pathLst>
+              <a:path w="120000" h="120000" extrusionOk="0">
+                <a:moveTo>
+                  <a:pt x="0" y="0"/>
+                </a:moveTo>
+                <a:lnTo>
+                  <a:pt x="120000" y="0"/>
+                </a:lnTo>
+                <a:lnTo>
+                  <a:pt x="120000" y="120000"/>
+                </a:lnTo>
+                <a:lnTo>
+                  <a:pt x="0" y="120000"/>
+                </a:lnTo>
+                <a:close/>
+              </a:path>
+            </a:pathLst>
+          </a:custGeom>
+        </p:spPr>
+      </p:sp>
+      <p:sp>
+        <p:nvSpPr>
+          <p:cNvPr id="305" name="Google Shape;305;g4c662d0247_0_553:notes"/>
+          <p:cNvSpPr txBox="1">
+            <a:spLocks noGrp="1"/>
+          </p:cNvSpPr>
+          <p:nvPr>
+            <p:ph type="body" idx="1"/>
+          </p:nvPr>
+        </p:nvSpPr>
+        <p:spPr>
+          <a:xfrm>
+            <a:off x="685800" y="4343400"/>
+            <a:ext cx="5486400" cy="4114800"/>
+          </a:xfrm>
+          <a:prstGeom prst="rect">
+            <a:avLst/>
+          </a:prstGeom>
+        </p:spPr>
+        <p:txBody>
+          <a:bodyPr spcFirstLastPara="1" wrap="square" lIns="91425" tIns="91425" rIns="91425" bIns="91425" anchor="t" anchorCtr="0">
+            <a:noAutofit/>
+          </a:bodyPr>
+          <a:lstStyle/>
+          <a:p>
+            <a:pPr marL="0" lvl="0" indent="0" algn="l" rtl="0">
+              <a:spcBef>
+                <a:spcPts val="0"/>
+              </a:spcBef>
+              <a:spcAft>
+                <a:spcPts val="0"/>
+              </a:spcAft>
+              <a:buNone/>
+            </a:pPr>
+            <a:endParaRPr/>
+          </a:p>
+        </p:txBody>
+      </p:sp>
+    </p:spTree>
+    <p:extLst>
+      <p:ext uri="{BB962C8B-B14F-4D97-AF65-F5344CB8AC3E}">
+        <p14:creationId xmlns:p14="http://schemas.microsoft.com/office/powerpoint/2010/main" val="411749174"/>
+      </p:ext>
+    </p:extLst>
+  </p:cSld>
+  <p:clrMapOvr>
+    <a:masterClrMapping/>
+  </p:clrMapOvr>
+</p:notes>
+</file>
+
+<file path=ppt/notesSlides/notesSlide9.xml><?xml version="1.0" encoding="utf-8"?>
 <p:notes xmlns:a="http://schemas.openxmlformats.org/drawingml/2006/main" xmlns:r="http://schemas.openxmlformats.org/officeDocument/2006/relationships" xmlns:p="http://schemas.openxmlformats.org/presentationml/2006/main" showMasterSp="0" showMasterPhAnim="0">
   <p:cSld>
     <p:spTree>
@@ -1361,7 +2118,7 @@
         </p:nvSpPr>
         <p:spPr>
           <a:xfrm>
-            <a:off x="381300" y="685800"/>
+            <a:off x="381000" y="685800"/>
             <a:ext cx="6096000" cy="3429000"/>
           </a:xfrm>
           <a:custGeom>
@@ -1393,318 +2150,6 @@
       <p:sp>
         <p:nvSpPr>
           <p:cNvPr id="313" name="Google Shape;313;g4c6bbdbf6d_0_5:notes"/>
-          <p:cNvSpPr txBox="1">
-            <a:spLocks noGrp="1"/>
-          </p:cNvSpPr>
-          <p:nvPr>
-            <p:ph type="body" idx="1"/>
-          </p:nvPr>
-        </p:nvSpPr>
-        <p:spPr>
-          <a:xfrm>
-            <a:off x="685800" y="4343400"/>
-            <a:ext cx="5486400" cy="4114800"/>
-          </a:xfrm>
-          <a:prstGeom prst="rect">
-            <a:avLst/>
-          </a:prstGeom>
-        </p:spPr>
-        <p:txBody>
-          <a:bodyPr spcFirstLastPara="1" wrap="square" lIns="91425" tIns="91425" rIns="91425" bIns="91425" anchor="t" anchorCtr="0">
-            <a:noAutofit/>
-          </a:bodyPr>
-          <a:lstStyle/>
-          <a:p>
-            <a:pPr marL="0" lvl="0" indent="0" algn="l" rtl="0">
-              <a:spcBef>
-                <a:spcPts val="0"/>
-              </a:spcBef>
-              <a:spcAft>
-                <a:spcPts val="0"/>
-              </a:spcAft>
-              <a:buNone/>
-            </a:pPr>
-            <a:endParaRPr/>
-          </a:p>
-        </p:txBody>
-      </p:sp>
-    </p:spTree>
-  </p:cSld>
-  <p:clrMapOvr>
-    <a:masterClrMapping/>
-  </p:clrMapOvr>
-</p:notes>
-</file>
-
-<file path=ppt/notesSlides/notesSlide7.xml><?xml version="1.0" encoding="utf-8"?>
-<p:notes xmlns:a="http://schemas.openxmlformats.org/drawingml/2006/main" xmlns:r="http://schemas.openxmlformats.org/officeDocument/2006/relationships" xmlns:p="http://schemas.openxmlformats.org/presentationml/2006/main" showMasterSp="0" showMasterPhAnim="0">
-  <p:cSld>
-    <p:spTree>
-      <p:nvGrpSpPr>
-        <p:cNvPr id="1" name="Shape 319"/>
-        <p:cNvGrpSpPr/>
-        <p:nvPr/>
-      </p:nvGrpSpPr>
-      <p:grpSpPr>
-        <a:xfrm>
-          <a:off x="0" y="0"/>
-          <a:ext cx="0" cy="0"/>
-          <a:chOff x="0" y="0"/>
-          <a:chExt cx="0" cy="0"/>
-        </a:xfrm>
-      </p:grpSpPr>
-      <p:sp>
-        <p:nvSpPr>
-          <p:cNvPr id="320" name="Google Shape;320;g4c6bbdbf6d_0_11:notes"/>
-          <p:cNvSpPr>
-            <a:spLocks noGrp="1" noRot="1" noChangeAspect="1"/>
-          </p:cNvSpPr>
-          <p:nvPr>
-            <p:ph type="sldImg" idx="2"/>
-          </p:nvPr>
-        </p:nvSpPr>
-        <p:spPr>
-          <a:xfrm>
-            <a:off x="381300" y="685800"/>
-            <a:ext cx="6096000" cy="3429000"/>
-          </a:xfrm>
-          <a:custGeom>
-            <a:avLst/>
-            <a:gdLst/>
-            <a:ahLst/>
-            <a:cxnLst/>
-            <a:rect l="l" t="t" r="r" b="b"/>
-            <a:pathLst>
-              <a:path w="120000" h="120000" extrusionOk="0">
-                <a:moveTo>
-                  <a:pt x="0" y="0"/>
-                </a:moveTo>
-                <a:lnTo>
-                  <a:pt x="120000" y="0"/>
-                </a:lnTo>
-                <a:lnTo>
-                  <a:pt x="120000" y="120000"/>
-                </a:lnTo>
-                <a:lnTo>
-                  <a:pt x="0" y="120000"/>
-                </a:lnTo>
-                <a:close/>
-              </a:path>
-            </a:pathLst>
-          </a:custGeom>
-        </p:spPr>
-      </p:sp>
-      <p:sp>
-        <p:nvSpPr>
-          <p:cNvPr id="321" name="Google Shape;321;g4c6bbdbf6d_0_11:notes"/>
-          <p:cNvSpPr txBox="1">
-            <a:spLocks noGrp="1"/>
-          </p:cNvSpPr>
-          <p:nvPr>
-            <p:ph type="body" idx="1"/>
-          </p:nvPr>
-        </p:nvSpPr>
-        <p:spPr>
-          <a:xfrm>
-            <a:off x="685800" y="4343400"/>
-            <a:ext cx="5486400" cy="4114800"/>
-          </a:xfrm>
-          <a:prstGeom prst="rect">
-            <a:avLst/>
-          </a:prstGeom>
-        </p:spPr>
-        <p:txBody>
-          <a:bodyPr spcFirstLastPara="1" wrap="square" lIns="91425" tIns="91425" rIns="91425" bIns="91425" anchor="t" anchorCtr="0">
-            <a:noAutofit/>
-          </a:bodyPr>
-          <a:lstStyle/>
-          <a:p>
-            <a:pPr marL="0" lvl="0" indent="0" algn="l" rtl="0">
-              <a:spcBef>
-                <a:spcPts val="0"/>
-              </a:spcBef>
-              <a:spcAft>
-                <a:spcPts val="0"/>
-              </a:spcAft>
-              <a:buNone/>
-            </a:pPr>
-            <a:endParaRPr/>
-          </a:p>
-        </p:txBody>
-      </p:sp>
-    </p:spTree>
-  </p:cSld>
-  <p:clrMapOvr>
-    <a:masterClrMapping/>
-  </p:clrMapOvr>
-</p:notes>
-</file>
-
-<file path=ppt/notesSlides/notesSlide8.xml><?xml version="1.0" encoding="utf-8"?>
-<p:notes xmlns:a="http://schemas.openxmlformats.org/drawingml/2006/main" xmlns:r="http://schemas.openxmlformats.org/officeDocument/2006/relationships" xmlns:p="http://schemas.openxmlformats.org/presentationml/2006/main" showMasterSp="0" showMasterPhAnim="0">
-  <p:cSld>
-    <p:spTree>
-      <p:nvGrpSpPr>
-        <p:cNvPr id="1" name="Shape 327"/>
-        <p:cNvGrpSpPr/>
-        <p:nvPr/>
-      </p:nvGrpSpPr>
-      <p:grpSpPr>
-        <a:xfrm>
-          <a:off x="0" y="0"/>
-          <a:ext cx="0" cy="0"/>
-          <a:chOff x="0" y="0"/>
-          <a:chExt cx="0" cy="0"/>
-        </a:xfrm>
-      </p:grpSpPr>
-      <p:sp>
-        <p:nvSpPr>
-          <p:cNvPr id="328" name="Google Shape;328;g4c6bbdbf6d_0_17:notes"/>
-          <p:cNvSpPr>
-            <a:spLocks noGrp="1" noRot="1" noChangeAspect="1"/>
-          </p:cNvSpPr>
-          <p:nvPr>
-            <p:ph type="sldImg" idx="2"/>
-          </p:nvPr>
-        </p:nvSpPr>
-        <p:spPr>
-          <a:xfrm>
-            <a:off x="381300" y="685800"/>
-            <a:ext cx="6096000" cy="3429000"/>
-          </a:xfrm>
-          <a:custGeom>
-            <a:avLst/>
-            <a:gdLst/>
-            <a:ahLst/>
-            <a:cxnLst/>
-            <a:rect l="l" t="t" r="r" b="b"/>
-            <a:pathLst>
-              <a:path w="120000" h="120000" extrusionOk="0">
-                <a:moveTo>
-                  <a:pt x="0" y="0"/>
-                </a:moveTo>
-                <a:lnTo>
-                  <a:pt x="120000" y="0"/>
-                </a:lnTo>
-                <a:lnTo>
-                  <a:pt x="120000" y="120000"/>
-                </a:lnTo>
-                <a:lnTo>
-                  <a:pt x="0" y="120000"/>
-                </a:lnTo>
-                <a:close/>
-              </a:path>
-            </a:pathLst>
-          </a:custGeom>
-        </p:spPr>
-      </p:sp>
-      <p:sp>
-        <p:nvSpPr>
-          <p:cNvPr id="329" name="Google Shape;329;g4c6bbdbf6d_0_17:notes"/>
-          <p:cNvSpPr txBox="1">
-            <a:spLocks noGrp="1"/>
-          </p:cNvSpPr>
-          <p:nvPr>
-            <p:ph type="body" idx="1"/>
-          </p:nvPr>
-        </p:nvSpPr>
-        <p:spPr>
-          <a:xfrm>
-            <a:off x="685800" y="4343400"/>
-            <a:ext cx="5486400" cy="4114800"/>
-          </a:xfrm>
-          <a:prstGeom prst="rect">
-            <a:avLst/>
-          </a:prstGeom>
-        </p:spPr>
-        <p:txBody>
-          <a:bodyPr spcFirstLastPara="1" wrap="square" lIns="91425" tIns="91425" rIns="91425" bIns="91425" anchor="t" anchorCtr="0">
-            <a:noAutofit/>
-          </a:bodyPr>
-          <a:lstStyle/>
-          <a:p>
-            <a:pPr marL="0" lvl="0" indent="0" algn="l" rtl="0">
-              <a:spcBef>
-                <a:spcPts val="0"/>
-              </a:spcBef>
-              <a:spcAft>
-                <a:spcPts val="0"/>
-              </a:spcAft>
-              <a:buNone/>
-            </a:pPr>
-            <a:endParaRPr/>
-          </a:p>
-        </p:txBody>
-      </p:sp>
-    </p:spTree>
-  </p:cSld>
-  <p:clrMapOvr>
-    <a:masterClrMapping/>
-  </p:clrMapOvr>
-</p:notes>
-</file>
-
-<file path=ppt/notesSlides/notesSlide9.xml><?xml version="1.0" encoding="utf-8"?>
-<p:notes xmlns:a="http://schemas.openxmlformats.org/drawingml/2006/main" xmlns:r="http://schemas.openxmlformats.org/officeDocument/2006/relationships" xmlns:p="http://schemas.openxmlformats.org/presentationml/2006/main" showMasterSp="0" showMasterPhAnim="0">
-  <p:cSld>
-    <p:spTree>
-      <p:nvGrpSpPr>
-        <p:cNvPr id="1" name="Shape 335"/>
-        <p:cNvGrpSpPr/>
-        <p:nvPr/>
-      </p:nvGrpSpPr>
-      <p:grpSpPr>
-        <a:xfrm>
-          <a:off x="0" y="0"/>
-          <a:ext cx="0" cy="0"/>
-          <a:chOff x="0" y="0"/>
-          <a:chExt cx="0" cy="0"/>
-        </a:xfrm>
-      </p:grpSpPr>
-      <p:sp>
-        <p:nvSpPr>
-          <p:cNvPr id="336" name="Google Shape;336;g4c6bbdbf6d_0_32:notes"/>
-          <p:cNvSpPr>
-            <a:spLocks noGrp="1" noRot="1" noChangeAspect="1"/>
-          </p:cNvSpPr>
-          <p:nvPr>
-            <p:ph type="sldImg" idx="2"/>
-          </p:nvPr>
-        </p:nvSpPr>
-        <p:spPr>
-          <a:xfrm>
-            <a:off x="381300" y="685800"/>
-            <a:ext cx="6096000" cy="3429000"/>
-          </a:xfrm>
-          <a:custGeom>
-            <a:avLst/>
-            <a:gdLst/>
-            <a:ahLst/>
-            <a:cxnLst/>
-            <a:rect l="l" t="t" r="r" b="b"/>
-            <a:pathLst>
-              <a:path w="120000" h="120000" extrusionOk="0">
-                <a:moveTo>
-                  <a:pt x="0" y="0"/>
-                </a:moveTo>
-                <a:lnTo>
-                  <a:pt x="120000" y="0"/>
-                </a:lnTo>
-                <a:lnTo>
-                  <a:pt x="120000" y="120000"/>
-                </a:lnTo>
-                <a:lnTo>
-                  <a:pt x="0" y="120000"/>
-                </a:lnTo>
-                <a:close/>
-              </a:path>
-            </a:pathLst>
-          </a:custGeom>
-        </p:spPr>
-      </p:sp>
-      <p:sp>
-        <p:nvSpPr>
-          <p:cNvPr id="337" name="Google Shape;337;g4c6bbdbf6d_0_32:notes"/>
           <p:cNvSpPr txBox="1">
             <a:spLocks noGrp="1"/>
           </p:cNvSpPr>
@@ -15685,6 +16130,1127 @@
   <p:cSld>
     <p:spTree>
       <p:nvGrpSpPr>
+        <p:cNvPr id="1" name="Shape 314"/>
+        <p:cNvGrpSpPr/>
+        <p:nvPr/>
+      </p:nvGrpSpPr>
+      <p:grpSpPr>
+        <a:xfrm>
+          <a:off x="0" y="0"/>
+          <a:ext cx="0" cy="0"/>
+          <a:chOff x="0" y="0"/>
+          <a:chExt cx="0" cy="0"/>
+        </a:xfrm>
+      </p:grpSpPr>
+      <p:sp>
+        <p:nvSpPr>
+          <p:cNvPr id="315" name="Google Shape;315;p18"/>
+          <p:cNvSpPr txBox="1">
+            <a:spLocks noGrp="1"/>
+          </p:cNvSpPr>
+          <p:nvPr>
+            <p:ph type="title"/>
+          </p:nvPr>
+        </p:nvSpPr>
+        <p:spPr>
+          <a:xfrm>
+            <a:off x="1303800" y="598575"/>
+            <a:ext cx="7030500" cy="999300"/>
+          </a:xfrm>
+          <a:prstGeom prst="rect">
+            <a:avLst/>
+          </a:prstGeom>
+        </p:spPr>
+        <p:txBody>
+          <a:bodyPr spcFirstLastPara="1" wrap="square" lIns="91425" tIns="91425" rIns="91425" bIns="91425" anchor="t" anchorCtr="0">
+            <a:noAutofit/>
+          </a:bodyPr>
+          <a:lstStyle/>
+          <a:p>
+            <a:pPr marL="0" lvl="0" indent="0" algn="l" rtl="0">
+              <a:spcBef>
+                <a:spcPts val="0"/>
+              </a:spcBef>
+              <a:spcAft>
+                <a:spcPts val="0"/>
+              </a:spcAft>
+              <a:buNone/>
+            </a:pPr>
+            <a:r>
+              <a:rPr lang="en"/>
+              <a:t>Example []</a:t>
+            </a:r>
+            <a:endParaRPr/>
+          </a:p>
+        </p:txBody>
+      </p:sp>
+      <p:sp>
+        <p:nvSpPr>
+          <p:cNvPr id="316" name="Google Shape;316;p18"/>
+          <p:cNvSpPr txBox="1">
+            <a:spLocks noGrp="1"/>
+          </p:cNvSpPr>
+          <p:nvPr>
+            <p:ph type="body" idx="1"/>
+          </p:nvPr>
+        </p:nvSpPr>
+        <p:spPr>
+          <a:xfrm>
+            <a:off x="1303800" y="1990050"/>
+            <a:ext cx="3430500" cy="2541600"/>
+          </a:xfrm>
+          <a:prstGeom prst="rect">
+            <a:avLst/>
+          </a:prstGeom>
+        </p:spPr>
+        <p:txBody>
+          <a:bodyPr spcFirstLastPara="1" wrap="square" lIns="91425" tIns="91425" rIns="91425" bIns="91425" anchor="t" anchorCtr="0">
+            <a:noAutofit/>
+          </a:bodyPr>
+          <a:lstStyle/>
+          <a:p>
+            <a:pPr marL="0" lvl="0" indent="0" algn="l" rtl="0">
+              <a:spcBef>
+                <a:spcPts val="0"/>
+              </a:spcBef>
+              <a:spcAft>
+                <a:spcPts val="0"/>
+              </a:spcAft>
+              <a:buNone/>
+            </a:pPr>
+            <a:r>
+              <a:rPr lang="en" dirty="0">
+                <a:latin typeface="Courier New" panose="02070309020205020404" pitchFamily="49" charset="0"/>
+              </a:rPr>
+              <a:t>int a[10];</a:t>
+            </a:r>
+            <a:endParaRPr dirty="0">
+              <a:latin typeface="Courier New" panose="02070309020205020404" pitchFamily="49" charset="0"/>
+            </a:endParaRPr>
+          </a:p>
+          <a:p>
+            <a:pPr marL="0" lvl="0" indent="0" algn="l" rtl="0">
+              <a:spcBef>
+                <a:spcPts val="1600"/>
+              </a:spcBef>
+              <a:spcAft>
+                <a:spcPts val="0"/>
+              </a:spcAft>
+              <a:buNone/>
+            </a:pPr>
+            <a:r>
+              <a:rPr lang="en" dirty="0">
+                <a:latin typeface="Courier New" panose="02070309020205020404" pitchFamily="49" charset="0"/>
+              </a:rPr>
+              <a:t>int i=3;</a:t>
+            </a:r>
+            <a:endParaRPr dirty="0">
+              <a:latin typeface="Courier New" panose="02070309020205020404" pitchFamily="49" charset="0"/>
+            </a:endParaRPr>
+          </a:p>
+          <a:p>
+            <a:pPr marL="0" lvl="0" indent="0" algn="l" rtl="0">
+              <a:spcBef>
+                <a:spcPts val="1600"/>
+              </a:spcBef>
+              <a:spcAft>
+                <a:spcPts val="1600"/>
+              </a:spcAft>
+              <a:buNone/>
+            </a:pPr>
+            <a:r>
+              <a:rPr lang="en" dirty="0">
+                <a:latin typeface="Courier New" panose="02070309020205020404" pitchFamily="49" charset="0"/>
+              </a:rPr>
+              <a:t>int b = a[i];</a:t>
+            </a:r>
+            <a:endParaRPr dirty="0">
+              <a:latin typeface="Courier New" panose="02070309020205020404" pitchFamily="49" charset="0"/>
+            </a:endParaRPr>
+          </a:p>
+        </p:txBody>
+      </p:sp>
+      <p:sp>
+        <p:nvSpPr>
+          <p:cNvPr id="317" name="Google Shape;317;p18"/>
+          <p:cNvSpPr txBox="1">
+            <a:spLocks noGrp="1"/>
+          </p:cNvSpPr>
+          <p:nvPr>
+            <p:ph type="body" idx="2"/>
+          </p:nvPr>
+        </p:nvSpPr>
+        <p:spPr>
+          <a:xfrm>
+            <a:off x="3758453" y="1990050"/>
+            <a:ext cx="4575697" cy="2541600"/>
+          </a:xfrm>
+          <a:prstGeom prst="rect">
+            <a:avLst/>
+          </a:prstGeom>
+        </p:spPr>
+        <p:txBody>
+          <a:bodyPr spcFirstLastPara="1" wrap="square" lIns="91425" tIns="91425" rIns="91425" bIns="91425" anchor="t" anchorCtr="0">
+            <a:noAutofit/>
+          </a:bodyPr>
+          <a:lstStyle/>
+          <a:p>
+            <a:pPr marL="0" lvl="0" indent="0" algn="l" rtl="0">
+              <a:spcBef>
+                <a:spcPts val="0"/>
+              </a:spcBef>
+              <a:spcAft>
+                <a:spcPts val="0"/>
+              </a:spcAft>
+              <a:buNone/>
+            </a:pPr>
+            <a:r>
+              <a:rPr lang="en" dirty="0">
+                <a:latin typeface="Courier New" panose="02070309020205020404" pitchFamily="49" charset="0"/>
+              </a:rPr>
+              <a:t>Secure b = 0;</a:t>
+            </a:r>
+            <a:endParaRPr dirty="0">
+              <a:latin typeface="Courier New" panose="02070309020205020404" pitchFamily="49" charset="0"/>
+            </a:endParaRPr>
+          </a:p>
+          <a:p>
+            <a:pPr marL="0" lvl="0" indent="0" algn="l" rtl="0">
+              <a:spcBef>
+                <a:spcPts val="1600"/>
+              </a:spcBef>
+              <a:spcAft>
+                <a:spcPts val="0"/>
+              </a:spcAft>
+              <a:buNone/>
+            </a:pPr>
+            <a:r>
+              <a:rPr lang="en" dirty="0">
+                <a:latin typeface="Courier New" panose="02070309020205020404" pitchFamily="49" charset="0"/>
+              </a:rPr>
+              <a:t>Secure i = 3;</a:t>
+            </a:r>
+            <a:endParaRPr dirty="0">
+              <a:latin typeface="Courier New" panose="02070309020205020404" pitchFamily="49" charset="0"/>
+            </a:endParaRPr>
+          </a:p>
+          <a:p>
+            <a:pPr marL="0" lvl="0" indent="0" algn="l" rtl="0">
+              <a:spcBef>
+                <a:spcPts val="1600"/>
+              </a:spcBef>
+              <a:spcAft>
+                <a:spcPts val="1600"/>
+              </a:spcAft>
+              <a:buNone/>
+            </a:pPr>
+            <a:r>
+              <a:rPr lang="en" dirty="0">
+                <a:latin typeface="Courier New" panose="02070309020205020404" pitchFamily="49" charset="0"/>
+              </a:rPr>
+              <a:t>for( int j=0; j&lt;10; j++ ) b += a[j]*(i==j);</a:t>
+            </a:r>
+            <a:br>
+              <a:rPr lang="en" dirty="0">
+                <a:latin typeface="Courier New" panose="02070309020205020404" pitchFamily="49" charset="0"/>
+              </a:rPr>
+            </a:br>
+            <a:endParaRPr dirty="0">
+              <a:latin typeface="Courier New" panose="02070309020205020404" pitchFamily="49" charset="0"/>
+            </a:endParaRPr>
+          </a:p>
+        </p:txBody>
+      </p:sp>
+      <p:sp>
+        <p:nvSpPr>
+          <p:cNvPr id="318" name="Google Shape;318;p18"/>
+          <p:cNvSpPr txBox="1">
+            <a:spLocks noGrp="1"/>
+          </p:cNvSpPr>
+          <p:nvPr>
+            <p:ph type="sldNum" idx="12"/>
+          </p:nvPr>
+        </p:nvSpPr>
+        <p:spPr>
+          <a:xfrm>
+            <a:off x="8451046" y="4736976"/>
+            <a:ext cx="548700" cy="393600"/>
+          </a:xfrm>
+          <a:prstGeom prst="rect">
+            <a:avLst/>
+          </a:prstGeom>
+        </p:spPr>
+        <p:txBody>
+          <a:bodyPr spcFirstLastPara="1" wrap="square" lIns="91425" tIns="91425" rIns="91425" bIns="91425" anchor="ctr" anchorCtr="0">
+            <a:noAutofit/>
+          </a:bodyPr>
+          <a:lstStyle/>
+          <a:p>
+            <a:pPr marL="0" lvl="0" indent="0" algn="r" rtl="0">
+              <a:spcBef>
+                <a:spcPts val="0"/>
+              </a:spcBef>
+              <a:spcAft>
+                <a:spcPts val="0"/>
+              </a:spcAft>
+              <a:buClr>
+                <a:srgbClr val="000000"/>
+              </a:buClr>
+              <a:buSzPts val="1100"/>
+              <a:buFont typeface="Arial"/>
+              <a:buNone/>
+            </a:pPr>
+            <a:fld id="{00000000-1234-1234-1234-123412341234}" type="slidenum">
+              <a:rPr lang="en"/>
+              <a:t>10</a:t>
+            </a:fld>
+            <a:endParaRPr/>
+          </a:p>
+        </p:txBody>
+      </p:sp>
+    </p:spTree>
+    <p:extLst>
+      <p:ext uri="{BB962C8B-B14F-4D97-AF65-F5344CB8AC3E}">
+        <p14:creationId xmlns:p14="http://schemas.microsoft.com/office/powerpoint/2010/main" val="1218312948"/>
+      </p:ext>
+    </p:extLst>
+  </p:cSld>
+  <p:clrMapOvr>
+    <a:masterClrMapping/>
+  </p:clrMapOvr>
+</p:sld>
+</file>
+
+<file path=ppt/slides/slide11.xml><?xml version="1.0" encoding="utf-8"?>
+<p:sld xmlns:a="http://schemas.openxmlformats.org/drawingml/2006/main" xmlns:r="http://schemas.openxmlformats.org/officeDocument/2006/relationships" xmlns:p="http://schemas.openxmlformats.org/presentationml/2006/main">
+  <p:cSld>
+    <p:spTree>
+      <p:nvGrpSpPr>
+        <p:cNvPr id="1" name="Shape 322"/>
+        <p:cNvGrpSpPr/>
+        <p:nvPr/>
+      </p:nvGrpSpPr>
+      <p:grpSpPr>
+        <a:xfrm>
+          <a:off x="0" y="0"/>
+          <a:ext cx="0" cy="0"/>
+          <a:chOff x="0" y="0"/>
+          <a:chExt cx="0" cy="0"/>
+        </a:xfrm>
+      </p:grpSpPr>
+      <p:sp>
+        <p:nvSpPr>
+          <p:cNvPr id="323" name="Google Shape;323;p19"/>
+          <p:cNvSpPr txBox="1">
+            <a:spLocks noGrp="1"/>
+          </p:cNvSpPr>
+          <p:nvPr>
+            <p:ph type="title"/>
+          </p:nvPr>
+        </p:nvSpPr>
+        <p:spPr>
+          <a:xfrm>
+            <a:off x="1303800" y="598575"/>
+            <a:ext cx="7030500" cy="999300"/>
+          </a:xfrm>
+          <a:prstGeom prst="rect">
+            <a:avLst/>
+          </a:prstGeom>
+        </p:spPr>
+        <p:txBody>
+          <a:bodyPr spcFirstLastPara="1" wrap="square" lIns="91425" tIns="91425" rIns="91425" bIns="91425" anchor="t" anchorCtr="0">
+            <a:noAutofit/>
+          </a:bodyPr>
+          <a:lstStyle/>
+          <a:p>
+            <a:pPr marL="0" lvl="0" indent="0" algn="l" rtl="0">
+              <a:spcBef>
+                <a:spcPts val="0"/>
+              </a:spcBef>
+              <a:spcAft>
+                <a:spcPts val="0"/>
+              </a:spcAft>
+              <a:buNone/>
+            </a:pPr>
+            <a:r>
+              <a:rPr lang="en"/>
+              <a:t>Problem 1</a:t>
+            </a:r>
+            <a:endParaRPr/>
+          </a:p>
+        </p:txBody>
+      </p:sp>
+      <p:sp>
+        <p:nvSpPr>
+          <p:cNvPr id="324" name="Google Shape;324;p19"/>
+          <p:cNvSpPr txBox="1">
+            <a:spLocks noGrp="1"/>
+          </p:cNvSpPr>
+          <p:nvPr>
+            <p:ph type="body" idx="1"/>
+          </p:nvPr>
+        </p:nvSpPr>
+        <p:spPr>
+          <a:xfrm>
+            <a:off x="1303800" y="1990050"/>
+            <a:ext cx="3430500" cy="2541600"/>
+          </a:xfrm>
+          <a:prstGeom prst="rect">
+            <a:avLst/>
+          </a:prstGeom>
+        </p:spPr>
+        <p:txBody>
+          <a:bodyPr spcFirstLastPara="1" wrap="square" lIns="91425" tIns="91425" rIns="91425" bIns="91425" anchor="t" anchorCtr="0">
+            <a:noAutofit/>
+          </a:bodyPr>
+          <a:lstStyle/>
+          <a:p>
+            <a:pPr marL="0" lvl="0" indent="0" algn="l" rtl="0">
+              <a:spcBef>
+                <a:spcPts val="0"/>
+              </a:spcBef>
+              <a:spcAft>
+                <a:spcPts val="0"/>
+              </a:spcAft>
+              <a:buNone/>
+            </a:pPr>
+            <a:r>
+              <a:rPr lang="en" dirty="0">
+                <a:latin typeface="Courier New" panose="02070309020205020404" pitchFamily="49" charset="0"/>
+              </a:rPr>
+              <a:t>int a[10] = {...};</a:t>
+            </a:r>
+            <a:endParaRPr dirty="0">
+              <a:latin typeface="Courier New" panose="02070309020205020404" pitchFamily="49" charset="0"/>
+            </a:endParaRPr>
+          </a:p>
+          <a:p>
+            <a:pPr marL="0" lvl="0" indent="0" algn="l" rtl="0">
+              <a:spcBef>
+                <a:spcPts val="1600"/>
+              </a:spcBef>
+              <a:spcAft>
+                <a:spcPts val="0"/>
+              </a:spcAft>
+              <a:buNone/>
+            </a:pPr>
+            <a:r>
+              <a:rPr lang="en" dirty="0">
+                <a:latin typeface="Courier New" panose="02070309020205020404" pitchFamily="49" charset="0"/>
+              </a:rPr>
+              <a:t>int b = MIN;</a:t>
+            </a:r>
+            <a:endParaRPr dirty="0">
+              <a:latin typeface="Courier New" panose="02070309020205020404" pitchFamily="49" charset="0"/>
+            </a:endParaRPr>
+          </a:p>
+          <a:p>
+            <a:pPr marL="0" lvl="0" indent="0" algn="l" rtl="0">
+              <a:spcBef>
+                <a:spcPts val="1600"/>
+              </a:spcBef>
+              <a:spcAft>
+                <a:spcPts val="1600"/>
+              </a:spcAft>
+              <a:buNone/>
+            </a:pPr>
+            <a:r>
+              <a:rPr lang="en" dirty="0">
+                <a:latin typeface="Courier New" panose="02070309020205020404" pitchFamily="49" charset="0"/>
+              </a:rPr>
+              <a:t>for( int x : a ) if( x&gt;b ) b=x;</a:t>
+            </a:r>
+            <a:endParaRPr dirty="0">
+              <a:latin typeface="Courier New" panose="02070309020205020404" pitchFamily="49" charset="0"/>
+            </a:endParaRPr>
+          </a:p>
+        </p:txBody>
+      </p:sp>
+      <p:sp>
+        <p:nvSpPr>
+          <p:cNvPr id="325" name="Google Shape;325;p19"/>
+          <p:cNvSpPr txBox="1">
+            <a:spLocks noGrp="1"/>
+          </p:cNvSpPr>
+          <p:nvPr>
+            <p:ph type="body" idx="2"/>
+          </p:nvPr>
+        </p:nvSpPr>
+        <p:spPr>
+          <a:xfrm>
+            <a:off x="4903650" y="1990050"/>
+            <a:ext cx="3430500" cy="2541600"/>
+          </a:xfrm>
+          <a:prstGeom prst="rect">
+            <a:avLst/>
+          </a:prstGeom>
+        </p:spPr>
+        <p:txBody>
+          <a:bodyPr spcFirstLastPara="1" wrap="square" lIns="91425" tIns="91425" rIns="91425" bIns="91425" anchor="t" anchorCtr="0">
+            <a:noAutofit/>
+          </a:bodyPr>
+          <a:lstStyle/>
+          <a:p>
+            <a:pPr marL="0" lvl="0" indent="0" algn="l" rtl="0">
+              <a:spcBef>
+                <a:spcPts val="0"/>
+              </a:spcBef>
+              <a:spcAft>
+                <a:spcPts val="1600"/>
+              </a:spcAft>
+              <a:buNone/>
+            </a:pPr>
+            <a:r>
+              <a:rPr lang="en" dirty="0"/>
+              <a:t>?</a:t>
+            </a:r>
+            <a:endParaRPr dirty="0"/>
+          </a:p>
+        </p:txBody>
+      </p:sp>
+      <p:sp>
+        <p:nvSpPr>
+          <p:cNvPr id="326" name="Google Shape;326;p19"/>
+          <p:cNvSpPr txBox="1">
+            <a:spLocks noGrp="1"/>
+          </p:cNvSpPr>
+          <p:nvPr>
+            <p:ph type="sldNum" idx="12"/>
+          </p:nvPr>
+        </p:nvSpPr>
+        <p:spPr>
+          <a:xfrm>
+            <a:off x="8451046" y="4736976"/>
+            <a:ext cx="548700" cy="393600"/>
+          </a:xfrm>
+          <a:prstGeom prst="rect">
+            <a:avLst/>
+          </a:prstGeom>
+        </p:spPr>
+        <p:txBody>
+          <a:bodyPr spcFirstLastPara="1" wrap="square" lIns="91425" tIns="91425" rIns="91425" bIns="91425" anchor="ctr" anchorCtr="0">
+            <a:noAutofit/>
+          </a:bodyPr>
+          <a:lstStyle/>
+          <a:p>
+            <a:pPr marL="0" lvl="0" indent="0" algn="r" rtl="0">
+              <a:spcBef>
+                <a:spcPts val="0"/>
+              </a:spcBef>
+              <a:spcAft>
+                <a:spcPts val="0"/>
+              </a:spcAft>
+              <a:buClr>
+                <a:srgbClr val="000000"/>
+              </a:buClr>
+              <a:buSzPts val="1100"/>
+              <a:buFont typeface="Arial"/>
+              <a:buNone/>
+            </a:pPr>
+            <a:fld id="{00000000-1234-1234-1234-123412341234}" type="slidenum">
+              <a:rPr lang="en"/>
+              <a:t>11</a:t>
+            </a:fld>
+            <a:endParaRPr/>
+          </a:p>
+        </p:txBody>
+      </p:sp>
+    </p:spTree>
+  </p:cSld>
+  <p:clrMapOvr>
+    <a:masterClrMapping/>
+  </p:clrMapOvr>
+</p:sld>
+</file>
+
+<file path=ppt/slides/slide12.xml><?xml version="1.0" encoding="utf-8"?>
+<p:sld xmlns:a="http://schemas.openxmlformats.org/drawingml/2006/main" xmlns:r="http://schemas.openxmlformats.org/officeDocument/2006/relationships" xmlns:p="http://schemas.openxmlformats.org/presentationml/2006/main">
+  <p:cSld>
+    <p:spTree>
+      <p:nvGrpSpPr>
+        <p:cNvPr id="1" name="Shape 330"/>
+        <p:cNvGrpSpPr/>
+        <p:nvPr/>
+      </p:nvGrpSpPr>
+      <p:grpSpPr>
+        <a:xfrm>
+          <a:off x="0" y="0"/>
+          <a:ext cx="0" cy="0"/>
+          <a:chOff x="0" y="0"/>
+          <a:chExt cx="0" cy="0"/>
+        </a:xfrm>
+      </p:grpSpPr>
+      <p:sp>
+        <p:nvSpPr>
+          <p:cNvPr id="331" name="Google Shape;331;p20"/>
+          <p:cNvSpPr txBox="1">
+            <a:spLocks noGrp="1"/>
+          </p:cNvSpPr>
+          <p:nvPr>
+            <p:ph type="title"/>
+          </p:nvPr>
+        </p:nvSpPr>
+        <p:spPr>
+          <a:xfrm>
+            <a:off x="1303800" y="598575"/>
+            <a:ext cx="7030500" cy="999300"/>
+          </a:xfrm>
+          <a:prstGeom prst="rect">
+            <a:avLst/>
+          </a:prstGeom>
+        </p:spPr>
+        <p:txBody>
+          <a:bodyPr spcFirstLastPara="1" wrap="square" lIns="91425" tIns="91425" rIns="91425" bIns="91425" anchor="t" anchorCtr="0">
+            <a:noAutofit/>
+          </a:bodyPr>
+          <a:lstStyle/>
+          <a:p>
+            <a:pPr marL="0" lvl="0" indent="0" algn="l" rtl="0">
+              <a:spcBef>
+                <a:spcPts val="0"/>
+              </a:spcBef>
+              <a:spcAft>
+                <a:spcPts val="0"/>
+              </a:spcAft>
+              <a:buNone/>
+            </a:pPr>
+            <a:r>
+              <a:rPr lang="en" dirty="0"/>
+              <a:t>Problem 1 solution</a:t>
+            </a:r>
+            <a:endParaRPr dirty="0"/>
+          </a:p>
+        </p:txBody>
+      </p:sp>
+      <p:sp>
+        <p:nvSpPr>
+          <p:cNvPr id="332" name="Google Shape;332;p20"/>
+          <p:cNvSpPr txBox="1">
+            <a:spLocks noGrp="1"/>
+          </p:cNvSpPr>
+          <p:nvPr>
+            <p:ph type="body" idx="1"/>
+          </p:nvPr>
+        </p:nvSpPr>
+        <p:spPr>
+          <a:xfrm>
+            <a:off x="1303800" y="1990050"/>
+            <a:ext cx="3430500" cy="2541600"/>
+          </a:xfrm>
+          <a:prstGeom prst="rect">
+            <a:avLst/>
+          </a:prstGeom>
+        </p:spPr>
+        <p:txBody>
+          <a:bodyPr spcFirstLastPara="1" wrap="square" lIns="91425" tIns="91425" rIns="91425" bIns="91425" anchor="t" anchorCtr="0">
+            <a:noAutofit/>
+          </a:bodyPr>
+          <a:lstStyle/>
+          <a:p>
+            <a:pPr marL="0" lvl="0" indent="0" algn="l" rtl="0">
+              <a:spcBef>
+                <a:spcPts val="0"/>
+              </a:spcBef>
+              <a:spcAft>
+                <a:spcPts val="0"/>
+              </a:spcAft>
+              <a:buNone/>
+            </a:pPr>
+            <a:r>
+              <a:rPr lang="en" dirty="0">
+                <a:latin typeface="Courier New" panose="02070309020205020404" pitchFamily="49" charset="0"/>
+              </a:rPr>
+              <a:t>int a[10] = {...};</a:t>
+            </a:r>
+            <a:endParaRPr dirty="0">
+              <a:latin typeface="Courier New" panose="02070309020205020404" pitchFamily="49" charset="0"/>
+            </a:endParaRPr>
+          </a:p>
+          <a:p>
+            <a:pPr marL="0" lvl="0" indent="0" algn="l" rtl="0">
+              <a:spcBef>
+                <a:spcPts val="1600"/>
+              </a:spcBef>
+              <a:spcAft>
+                <a:spcPts val="0"/>
+              </a:spcAft>
+              <a:buNone/>
+            </a:pPr>
+            <a:r>
+              <a:rPr lang="en" dirty="0">
+                <a:latin typeface="Courier New" panose="02070309020205020404" pitchFamily="49" charset="0"/>
+              </a:rPr>
+              <a:t>int b = MIN;</a:t>
+            </a:r>
+            <a:endParaRPr dirty="0">
+              <a:latin typeface="Courier New" panose="02070309020205020404" pitchFamily="49" charset="0"/>
+            </a:endParaRPr>
+          </a:p>
+          <a:p>
+            <a:pPr marL="0" lvl="0" indent="0" algn="l" rtl="0">
+              <a:spcBef>
+                <a:spcPts val="1600"/>
+              </a:spcBef>
+              <a:spcAft>
+                <a:spcPts val="1600"/>
+              </a:spcAft>
+              <a:buNone/>
+            </a:pPr>
+            <a:r>
+              <a:rPr lang="en" dirty="0">
+                <a:latin typeface="Courier New" panose="02070309020205020404" pitchFamily="49" charset="0"/>
+              </a:rPr>
+              <a:t>for( int x : a ) if( x&gt;b ) b=x;</a:t>
+            </a:r>
+            <a:endParaRPr dirty="0">
+              <a:latin typeface="Courier New" panose="02070309020205020404" pitchFamily="49" charset="0"/>
+            </a:endParaRPr>
+          </a:p>
+        </p:txBody>
+      </p:sp>
+      <p:sp>
+        <p:nvSpPr>
+          <p:cNvPr id="333" name="Google Shape;333;p20"/>
+          <p:cNvSpPr txBox="1">
+            <a:spLocks noGrp="1"/>
+          </p:cNvSpPr>
+          <p:nvPr>
+            <p:ph type="body" idx="2"/>
+          </p:nvPr>
+        </p:nvSpPr>
+        <p:spPr>
+          <a:xfrm>
+            <a:off x="4903650" y="1990050"/>
+            <a:ext cx="3430500" cy="2541600"/>
+          </a:xfrm>
+          <a:prstGeom prst="rect">
+            <a:avLst/>
+          </a:prstGeom>
+        </p:spPr>
+        <p:txBody>
+          <a:bodyPr spcFirstLastPara="1" wrap="square" lIns="91425" tIns="91425" rIns="91425" bIns="91425" anchor="t" anchorCtr="0">
+            <a:noAutofit/>
+          </a:bodyPr>
+          <a:lstStyle/>
+          <a:p>
+            <a:pPr marL="0" lvl="0" indent="0" algn="l" rtl="0">
+              <a:spcBef>
+                <a:spcPts val="0"/>
+              </a:spcBef>
+              <a:spcAft>
+                <a:spcPts val="0"/>
+              </a:spcAft>
+              <a:buNone/>
+            </a:pPr>
+            <a:r>
+              <a:rPr lang="en" dirty="0">
+                <a:latin typeface="Courier New" panose="02070309020205020404" pitchFamily="49" charset="0"/>
+              </a:rPr>
+              <a:t>for( sec x : a )</a:t>
+            </a:r>
+            <a:endParaRPr dirty="0">
+              <a:latin typeface="Courier New" panose="02070309020205020404" pitchFamily="49" charset="0"/>
+            </a:endParaRPr>
+          </a:p>
+          <a:p>
+            <a:pPr marL="0" lvl="0" indent="0" algn="l" rtl="0">
+              <a:spcBef>
+                <a:spcPts val="1600"/>
+              </a:spcBef>
+              <a:spcAft>
+                <a:spcPts val="0"/>
+              </a:spcAft>
+              <a:buNone/>
+            </a:pPr>
+            <a:r>
+              <a:rPr lang="en" dirty="0">
+                <a:latin typeface="Courier New" panose="02070309020205020404" pitchFamily="49" charset="0"/>
+              </a:rPr>
+              <a:t>{</a:t>
+            </a:r>
+            <a:endParaRPr dirty="0">
+              <a:latin typeface="Courier New" panose="02070309020205020404" pitchFamily="49" charset="0"/>
+            </a:endParaRPr>
+          </a:p>
+          <a:p>
+            <a:pPr marL="0" lvl="0" indent="0" algn="l" rtl="0">
+              <a:spcBef>
+                <a:spcPts val="1600"/>
+              </a:spcBef>
+              <a:spcAft>
+                <a:spcPts val="0"/>
+              </a:spcAft>
+              <a:buNone/>
+            </a:pPr>
+            <a:r>
+              <a:rPr lang="en" dirty="0">
+                <a:latin typeface="Courier New" panose="02070309020205020404" pitchFamily="49" charset="0"/>
+              </a:rPr>
+              <a:t>	k=x&gt;b;</a:t>
+            </a:r>
+            <a:endParaRPr dirty="0">
+              <a:latin typeface="Courier New" panose="02070309020205020404" pitchFamily="49" charset="0"/>
+            </a:endParaRPr>
+          </a:p>
+          <a:p>
+            <a:pPr marL="0" lvl="0" indent="0" algn="l" rtl="0">
+              <a:spcBef>
+                <a:spcPts val="1600"/>
+              </a:spcBef>
+              <a:spcAft>
+                <a:spcPts val="0"/>
+              </a:spcAft>
+              <a:buNone/>
+            </a:pPr>
+            <a:r>
+              <a:rPr lang="en" dirty="0">
+                <a:latin typeface="Courier New" panose="02070309020205020404" pitchFamily="49" charset="0"/>
+              </a:rPr>
+              <a:t>	b=k*x+(1-k)*b</a:t>
+            </a:r>
+            <a:endParaRPr dirty="0">
+              <a:latin typeface="Courier New" panose="02070309020205020404" pitchFamily="49" charset="0"/>
+            </a:endParaRPr>
+          </a:p>
+          <a:p>
+            <a:pPr marL="0" lvl="0" indent="0" algn="l" rtl="0">
+              <a:spcBef>
+                <a:spcPts val="1600"/>
+              </a:spcBef>
+              <a:spcAft>
+                <a:spcPts val="1600"/>
+              </a:spcAft>
+              <a:buNone/>
+            </a:pPr>
+            <a:r>
+              <a:rPr lang="en" dirty="0">
+                <a:latin typeface="Courier New" panose="02070309020205020404" pitchFamily="49" charset="0"/>
+              </a:rPr>
+              <a:t>}</a:t>
+            </a:r>
+            <a:endParaRPr dirty="0">
+              <a:latin typeface="Courier New" panose="02070309020205020404" pitchFamily="49" charset="0"/>
+            </a:endParaRPr>
+          </a:p>
+        </p:txBody>
+      </p:sp>
+      <p:sp>
+        <p:nvSpPr>
+          <p:cNvPr id="334" name="Google Shape;334;p20"/>
+          <p:cNvSpPr txBox="1">
+            <a:spLocks noGrp="1"/>
+          </p:cNvSpPr>
+          <p:nvPr>
+            <p:ph type="sldNum" idx="12"/>
+          </p:nvPr>
+        </p:nvSpPr>
+        <p:spPr>
+          <a:xfrm>
+            <a:off x="8451046" y="4736976"/>
+            <a:ext cx="548700" cy="393600"/>
+          </a:xfrm>
+          <a:prstGeom prst="rect">
+            <a:avLst/>
+          </a:prstGeom>
+        </p:spPr>
+        <p:txBody>
+          <a:bodyPr spcFirstLastPara="1" wrap="square" lIns="91425" tIns="91425" rIns="91425" bIns="91425" anchor="ctr" anchorCtr="0">
+            <a:noAutofit/>
+          </a:bodyPr>
+          <a:lstStyle/>
+          <a:p>
+            <a:pPr marL="0" lvl="0" indent="0" algn="r" rtl="0">
+              <a:spcBef>
+                <a:spcPts val="0"/>
+              </a:spcBef>
+              <a:spcAft>
+                <a:spcPts val="0"/>
+              </a:spcAft>
+              <a:buClr>
+                <a:srgbClr val="000000"/>
+              </a:buClr>
+              <a:buSzPts val="1100"/>
+              <a:buFont typeface="Arial"/>
+              <a:buNone/>
+            </a:pPr>
+            <a:fld id="{00000000-1234-1234-1234-123412341234}" type="slidenum">
+              <a:rPr lang="en"/>
+              <a:t>12</a:t>
+            </a:fld>
+            <a:endParaRPr/>
+          </a:p>
+        </p:txBody>
+      </p:sp>
+    </p:spTree>
+  </p:cSld>
+  <p:clrMapOvr>
+    <a:masterClrMapping/>
+  </p:clrMapOvr>
+</p:sld>
+</file>
+
+<file path=ppt/slides/slide13.xml><?xml version="1.0" encoding="utf-8"?>
+<p:sld xmlns:a="http://schemas.openxmlformats.org/drawingml/2006/main" xmlns:r="http://schemas.openxmlformats.org/officeDocument/2006/relationships" xmlns:p="http://schemas.openxmlformats.org/presentationml/2006/main">
+  <p:cSld>
+    <p:spTree>
+      <p:nvGrpSpPr>
+        <p:cNvPr id="1" name="Shape 338"/>
+        <p:cNvGrpSpPr/>
+        <p:nvPr/>
+      </p:nvGrpSpPr>
+      <p:grpSpPr>
+        <a:xfrm>
+          <a:off x="0" y="0"/>
+          <a:ext cx="0" cy="0"/>
+          <a:chOff x="0" y="0"/>
+          <a:chExt cx="0" cy="0"/>
+        </a:xfrm>
+      </p:grpSpPr>
+      <p:sp>
+        <p:nvSpPr>
+          <p:cNvPr id="339" name="Google Shape;339;p21"/>
+          <p:cNvSpPr txBox="1">
+            <a:spLocks noGrp="1"/>
+          </p:cNvSpPr>
+          <p:nvPr>
+            <p:ph type="title"/>
+          </p:nvPr>
+        </p:nvSpPr>
+        <p:spPr>
+          <a:xfrm>
+            <a:off x="1303800" y="598575"/>
+            <a:ext cx="7030500" cy="999300"/>
+          </a:xfrm>
+          <a:prstGeom prst="rect">
+            <a:avLst/>
+          </a:prstGeom>
+        </p:spPr>
+        <p:txBody>
+          <a:bodyPr spcFirstLastPara="1" wrap="square" lIns="91425" tIns="91425" rIns="91425" bIns="91425" anchor="t" anchorCtr="0">
+            <a:noAutofit/>
+          </a:bodyPr>
+          <a:lstStyle/>
+          <a:p>
+            <a:pPr marL="0" lvl="0" indent="0" algn="l" rtl="0">
+              <a:spcBef>
+                <a:spcPts val="0"/>
+              </a:spcBef>
+              <a:spcAft>
+                <a:spcPts val="0"/>
+              </a:spcAft>
+              <a:buNone/>
+            </a:pPr>
+            <a:r>
+              <a:rPr lang="en"/>
+              <a:t>Problem 2</a:t>
+            </a:r>
+            <a:endParaRPr/>
+          </a:p>
+        </p:txBody>
+      </p:sp>
+      <p:sp>
+        <p:nvSpPr>
+          <p:cNvPr id="340" name="Google Shape;340;p21"/>
+          <p:cNvSpPr txBox="1">
+            <a:spLocks noGrp="1"/>
+          </p:cNvSpPr>
+          <p:nvPr>
+            <p:ph type="body" idx="1"/>
+          </p:nvPr>
+        </p:nvSpPr>
+        <p:spPr>
+          <a:xfrm>
+            <a:off x="1297075" y="1990050"/>
+            <a:ext cx="5312153" cy="2541600"/>
+          </a:xfrm>
+          <a:prstGeom prst="rect">
+            <a:avLst/>
+          </a:prstGeom>
+        </p:spPr>
+        <p:txBody>
+          <a:bodyPr spcFirstLastPara="1" wrap="square" lIns="91425" tIns="91425" rIns="91425" bIns="91425" anchor="t" anchorCtr="0">
+            <a:noAutofit/>
+          </a:bodyPr>
+          <a:lstStyle/>
+          <a:p>
+            <a:pPr marL="0" lvl="0" indent="0" algn="l" rtl="0">
+              <a:spcBef>
+                <a:spcPts val="0"/>
+              </a:spcBef>
+              <a:spcAft>
+                <a:spcPts val="0"/>
+              </a:spcAft>
+              <a:buNone/>
+            </a:pPr>
+            <a:r>
+              <a:rPr lang="en" dirty="0">
+                <a:latin typeface="Courier New" panose="02070309020205020404" pitchFamily="49" charset="0"/>
+              </a:rPr>
+              <a:t>int a[10] = {...};</a:t>
+            </a:r>
+            <a:endParaRPr dirty="0">
+              <a:latin typeface="Courier New" panose="02070309020205020404" pitchFamily="49" charset="0"/>
+            </a:endParaRPr>
+          </a:p>
+          <a:p>
+            <a:pPr marL="0" lvl="0" indent="0" algn="l" rtl="0">
+              <a:spcBef>
+                <a:spcPts val="1600"/>
+              </a:spcBef>
+              <a:spcAft>
+                <a:spcPts val="0"/>
+              </a:spcAft>
+              <a:buNone/>
+            </a:pPr>
+            <a:r>
+              <a:rPr lang="en" dirty="0">
+                <a:latin typeface="Courier New" panose="02070309020205020404" pitchFamily="49" charset="0"/>
+              </a:rPr>
+              <a:t>int b1 = MIN, b2 = MIN;</a:t>
+            </a:r>
+            <a:endParaRPr dirty="0">
+              <a:latin typeface="Courier New" panose="02070309020205020404" pitchFamily="49" charset="0"/>
+            </a:endParaRPr>
+          </a:p>
+          <a:p>
+            <a:pPr marL="0" lvl="0" indent="0" algn="l" rtl="0">
+              <a:spcBef>
+                <a:spcPts val="1600"/>
+              </a:spcBef>
+              <a:spcAft>
+                <a:spcPts val="0"/>
+              </a:spcAft>
+              <a:buNone/>
+            </a:pPr>
+            <a:r>
+              <a:rPr lang="en" dirty="0">
+                <a:latin typeface="Courier New" panose="02070309020205020404" pitchFamily="49" charset="0"/>
+              </a:rPr>
+              <a:t>for( int x : a) if( x &gt;= b1 ) { b1 = x; b2 = b1; }</a:t>
+            </a:r>
+            <a:endParaRPr dirty="0">
+              <a:latin typeface="Courier New" panose="02070309020205020404" pitchFamily="49" charset="0"/>
+            </a:endParaRPr>
+          </a:p>
+          <a:p>
+            <a:pPr marL="0" lvl="0" indent="0" algn="l" rtl="0">
+              <a:spcBef>
+                <a:spcPts val="1600"/>
+              </a:spcBef>
+              <a:spcAft>
+                <a:spcPts val="1600"/>
+              </a:spcAft>
+              <a:buNone/>
+            </a:pPr>
+            <a:r>
+              <a:rPr lang="en" dirty="0">
+                <a:latin typeface="Courier New" panose="02070309020205020404" pitchFamily="49" charset="0"/>
+              </a:rPr>
+              <a:t>else if ( x &gt; b2 ) b2 = x;</a:t>
+            </a:r>
+            <a:endParaRPr dirty="0">
+              <a:latin typeface="Courier New" panose="02070309020205020404" pitchFamily="49" charset="0"/>
+            </a:endParaRPr>
+          </a:p>
+        </p:txBody>
+      </p:sp>
+      <p:sp>
+        <p:nvSpPr>
+          <p:cNvPr id="341" name="Google Shape;341;p21"/>
+          <p:cNvSpPr txBox="1">
+            <a:spLocks noGrp="1"/>
+          </p:cNvSpPr>
+          <p:nvPr>
+            <p:ph type="body" idx="2"/>
+          </p:nvPr>
+        </p:nvSpPr>
+        <p:spPr>
+          <a:xfrm>
+            <a:off x="7227794" y="1990050"/>
+            <a:ext cx="1106356" cy="2541600"/>
+          </a:xfrm>
+          <a:prstGeom prst="rect">
+            <a:avLst/>
+          </a:prstGeom>
+        </p:spPr>
+        <p:txBody>
+          <a:bodyPr spcFirstLastPara="1" wrap="square" lIns="91425" tIns="91425" rIns="91425" bIns="91425" anchor="t" anchorCtr="0">
+            <a:noAutofit/>
+          </a:bodyPr>
+          <a:lstStyle/>
+          <a:p>
+            <a:pPr marL="0" lvl="0" indent="0" algn="l" rtl="0">
+              <a:spcBef>
+                <a:spcPts val="0"/>
+              </a:spcBef>
+              <a:spcAft>
+                <a:spcPts val="1600"/>
+              </a:spcAft>
+              <a:buNone/>
+            </a:pPr>
+            <a:r>
+              <a:rPr lang="en" dirty="0"/>
+              <a:t>?</a:t>
+            </a:r>
+            <a:endParaRPr dirty="0"/>
+          </a:p>
+        </p:txBody>
+      </p:sp>
+      <p:sp>
+        <p:nvSpPr>
+          <p:cNvPr id="342" name="Google Shape;342;p21"/>
+          <p:cNvSpPr txBox="1">
+            <a:spLocks noGrp="1"/>
+          </p:cNvSpPr>
+          <p:nvPr>
+            <p:ph type="sldNum" idx="12"/>
+          </p:nvPr>
+        </p:nvSpPr>
+        <p:spPr>
+          <a:xfrm>
+            <a:off x="8451046" y="4736976"/>
+            <a:ext cx="548700" cy="393600"/>
+          </a:xfrm>
+          <a:prstGeom prst="rect">
+            <a:avLst/>
+          </a:prstGeom>
+        </p:spPr>
+        <p:txBody>
+          <a:bodyPr spcFirstLastPara="1" wrap="square" lIns="91425" tIns="91425" rIns="91425" bIns="91425" anchor="ctr" anchorCtr="0">
+            <a:noAutofit/>
+          </a:bodyPr>
+          <a:lstStyle/>
+          <a:p>
+            <a:pPr marL="0" lvl="0" indent="0" algn="r" rtl="0">
+              <a:spcBef>
+                <a:spcPts val="0"/>
+              </a:spcBef>
+              <a:spcAft>
+                <a:spcPts val="0"/>
+              </a:spcAft>
+              <a:buNone/>
+            </a:pPr>
+            <a:fld id="{00000000-1234-1234-1234-123412341234}" type="slidenum">
+              <a:rPr lang="en"/>
+              <a:t>13</a:t>
+            </a:fld>
+            <a:endParaRPr/>
+          </a:p>
+        </p:txBody>
+      </p:sp>
+    </p:spTree>
+  </p:cSld>
+  <p:clrMapOvr>
+    <a:masterClrMapping/>
+  </p:clrMapOvr>
+</p:sld>
+</file>
+
+<file path=ppt/slides/slide14.xml><?xml version="1.0" encoding="utf-8"?>
+<p:sld xmlns:a="http://schemas.openxmlformats.org/drawingml/2006/main" xmlns:r="http://schemas.openxmlformats.org/officeDocument/2006/relationships" xmlns:p="http://schemas.openxmlformats.org/presentationml/2006/main">
+  <p:cSld>
+    <p:spTree>
+      <p:nvGrpSpPr>
         <p:cNvPr id="1" name="Shape 346"/>
         <p:cNvGrpSpPr/>
         <p:nvPr/>
@@ -15751,8 +17317,8 @@
         </p:nvSpPr>
         <p:spPr>
           <a:xfrm>
-            <a:off x="1303800" y="1990050"/>
-            <a:ext cx="3430500" cy="2541600"/>
+            <a:off x="144254" y="2405508"/>
+            <a:ext cx="4612906" cy="2541600"/>
           </a:xfrm>
           <a:prstGeom prst="rect">
             <a:avLst/>
@@ -15774,10 +17340,14 @@
               <a:buNone/>
             </a:pPr>
             <a:r>
-              <a:rPr lang="en"/>
+              <a:rPr lang="en" dirty="0">
+                <a:latin typeface="Courier New" panose="02070309020205020404" pitchFamily="49" charset="0"/>
+              </a:rPr>
               <a:t>int a[10] = {...};</a:t>
             </a:r>
-            <a:endParaRPr/>
+            <a:endParaRPr dirty="0">
+              <a:latin typeface="Courier New" panose="02070309020205020404" pitchFamily="49" charset="0"/>
+            </a:endParaRPr>
           </a:p>
           <a:p>
             <a:pPr marL="0" lvl="0" indent="0" algn="l" rtl="0">
@@ -15790,10 +17360,14 @@
               <a:buNone/>
             </a:pPr>
             <a:r>
-              <a:rPr lang="en"/>
+              <a:rPr lang="en" dirty="0">
+                <a:latin typeface="Courier New" panose="02070309020205020404" pitchFamily="49" charset="0"/>
+              </a:rPr>
               <a:t>int b1 = MIN, b2=MIN;</a:t>
             </a:r>
-            <a:endParaRPr/>
+            <a:endParaRPr dirty="0">
+              <a:latin typeface="Courier New" panose="02070309020205020404" pitchFamily="49" charset="0"/>
+            </a:endParaRPr>
           </a:p>
           <a:p>
             <a:pPr marL="0" lvl="0" indent="0" algn="l" rtl="0">
@@ -15806,10 +17380,14 @@
               <a:buNone/>
             </a:pPr>
             <a:r>
-              <a:rPr lang="en"/>
+              <a:rPr lang="en" dirty="0">
+                <a:latin typeface="Courier New" panose="02070309020205020404" pitchFamily="49" charset="0"/>
+              </a:rPr>
               <a:t>for( int x : a) if( x&gt;=b1) { b1=x; b2=b1; }</a:t>
             </a:r>
-            <a:endParaRPr/>
+            <a:endParaRPr dirty="0">
+              <a:latin typeface="Courier New" panose="02070309020205020404" pitchFamily="49" charset="0"/>
+            </a:endParaRPr>
           </a:p>
           <a:p>
             <a:pPr marL="0" lvl="0" indent="0" algn="l" rtl="0">
@@ -15822,10 +17400,14 @@
               <a:buNone/>
             </a:pPr>
             <a:r>
-              <a:rPr lang="en"/>
+              <a:rPr lang="en" dirty="0">
+                <a:latin typeface="Courier New" panose="02070309020205020404" pitchFamily="49" charset="0"/>
+              </a:rPr>
               <a:t>else if (x&gt;b2) b2=x;</a:t>
             </a:r>
-            <a:endParaRPr/>
+            <a:endParaRPr dirty="0">
+              <a:latin typeface="Courier New" panose="02070309020205020404" pitchFamily="49" charset="0"/>
+            </a:endParaRPr>
           </a:p>
         </p:txBody>
       </p:sp>
@@ -15841,8 +17423,8 @@
         </p:nvSpPr>
         <p:spPr>
           <a:xfrm>
-            <a:off x="4903650" y="1990050"/>
-            <a:ext cx="3654600" cy="2541600"/>
+            <a:off x="4572000" y="2128141"/>
+            <a:ext cx="4712391" cy="2541600"/>
           </a:xfrm>
           <a:prstGeom prst="rect">
             <a:avLst/>
@@ -15864,15 +17446,16 @@
               <a:buNone/>
             </a:pPr>
             <a:r>
-              <a:rPr lang="en"/>
-              <a:t>for( sec x : a ){</a:t>
+              <a:rPr lang="en" dirty="0">
+                <a:latin typeface="Courier New" panose="02070309020205020404" pitchFamily="49" charset="0"/>
+              </a:rPr>
+              <a:t>for( sec x : a )</a:t>
             </a:r>
-            <a:endParaRPr/>
           </a:p>
           <a:p>
             <a:pPr marL="0" lvl="0" indent="0" algn="l" rtl="0">
               <a:spcBef>
-                <a:spcPts val="1600"/>
+                <a:spcPts val="0"/>
               </a:spcBef>
               <a:spcAft>
                 <a:spcPts val="0"/>
@@ -15880,10 +17463,14 @@
               <a:buNone/>
             </a:pPr>
             <a:r>
-              <a:rPr lang="en"/>
-              <a:t>	k1 = x&gt;b1; k2=x&gt;b2;</a:t>
+              <a:rPr lang="en" dirty="0">
+                <a:latin typeface="Courier New" panose="02070309020205020404" pitchFamily="49" charset="0"/>
+              </a:rPr>
+              <a:t>{</a:t>
             </a:r>
-            <a:endParaRPr/>
+            <a:endParaRPr dirty="0">
+              <a:latin typeface="Courier New" panose="02070309020205020404" pitchFamily="49" charset="0"/>
+            </a:endParaRPr>
           </a:p>
           <a:p>
             <a:pPr marL="0" lvl="0" indent="0" algn="l" rtl="0">
@@ -15896,10 +17483,14 @@
               <a:buNone/>
             </a:pPr>
             <a:r>
-              <a:rPr lang="en"/>
-              <a:t>	t1=k1*x+(1-k1)*b1</a:t>
+              <a:rPr lang="en" dirty="0">
+                <a:latin typeface="Courier New" panose="02070309020205020404" pitchFamily="49" charset="0"/>
+              </a:rPr>
+              <a:t>	k1 = x&gt;b1; k2=x&gt;b2;</a:t>
             </a:r>
-            <a:endParaRPr/>
+            <a:endParaRPr dirty="0">
+              <a:latin typeface="Courier New" panose="02070309020205020404" pitchFamily="49" charset="0"/>
+            </a:endParaRPr>
           </a:p>
           <a:p>
             <a:pPr marL="0" lvl="0" indent="0" algn="l" rtl="0">
@@ -15912,10 +17503,14 @@
               <a:buNone/>
             </a:pPr>
             <a:r>
-              <a:rPr lang="en"/>
-              <a:t>	t2=k1*k2*b1+k2*(1-k1)*x+(1-k2)*b2;</a:t>
+              <a:rPr lang="en" dirty="0">
+                <a:latin typeface="Courier New" panose="02070309020205020404" pitchFamily="49" charset="0"/>
+              </a:rPr>
+              <a:t>	t1=k1*x+(1-k1)*b1</a:t>
             </a:r>
-            <a:endParaRPr/>
+            <a:endParaRPr dirty="0">
+              <a:latin typeface="Courier New" panose="02070309020205020404" pitchFamily="49" charset="0"/>
+            </a:endParaRPr>
           </a:p>
           <a:p>
             <a:pPr marL="0" lvl="0" indent="0" algn="l" rtl="0">
@@ -15928,10 +17523,14 @@
               <a:buNone/>
             </a:pPr>
             <a:r>
-              <a:rPr lang="en"/>
-              <a:t>	b1=t1; b2=t2;</a:t>
+              <a:rPr lang="en" dirty="0">
+                <a:latin typeface="Courier New" panose="02070309020205020404" pitchFamily="49" charset="0"/>
+              </a:rPr>
+              <a:t>	t2=k1*k2*b1+k2*(1-k1)*x+(1-k2)*b2;</a:t>
             </a:r>
-            <a:endParaRPr/>
+            <a:endParaRPr dirty="0">
+              <a:latin typeface="Courier New" panose="02070309020205020404" pitchFamily="49" charset="0"/>
+            </a:endParaRPr>
           </a:p>
           <a:p>
             <a:pPr marL="0" lvl="0" indent="0" algn="l" rtl="0">
@@ -15939,15 +17538,39 @@
                 <a:spcPts val="1600"/>
               </a:spcBef>
               <a:spcAft>
-                <a:spcPts val="1600"/>
+                <a:spcPts val="0"/>
               </a:spcAft>
               <a:buNone/>
             </a:pPr>
             <a:r>
-              <a:rPr lang="en"/>
+              <a:rPr lang="en" dirty="0">
+                <a:latin typeface="Courier New" panose="02070309020205020404" pitchFamily="49" charset="0"/>
+              </a:rPr>
+              <a:t>	b1=t1; b2=t2;</a:t>
+            </a:r>
+            <a:endParaRPr dirty="0">
+              <a:latin typeface="Courier New" panose="02070309020205020404" pitchFamily="49" charset="0"/>
+            </a:endParaRPr>
+          </a:p>
+          <a:p>
+            <a:pPr marL="0" lvl="0" indent="0" algn="l" rtl="0">
+              <a:spcBef>
+                <a:spcPts val="1600"/>
+              </a:spcBef>
+              <a:spcAft>
+                <a:spcPts val="1600"/>
+              </a:spcAft>
+              <a:buNone/>
+            </a:pPr>
+            <a:r>
+              <a:rPr lang="en" dirty="0">
+                <a:latin typeface="Courier New" panose="02070309020205020404" pitchFamily="49" charset="0"/>
+              </a:rPr>
               <a:t>}</a:t>
             </a:r>
-            <a:endParaRPr/>
+            <a:endParaRPr dirty="0">
+              <a:latin typeface="Courier New" panose="02070309020205020404" pitchFamily="49" charset="0"/>
+            </a:endParaRPr>
           </a:p>
         </p:txBody>
       </p:sp>
@@ -15987,7 +17610,7 @@
             </a:pPr>
             <a:fld id="{00000000-1234-1234-1234-123412341234}" type="slidenum">
               <a:rPr lang="en"/>
-              <a:t>10</a:t>
+              <a:t>14</a:t>
             </a:fld>
             <a:endParaRPr/>
           </a:p>
@@ -15998,142 +17621,6 @@
   <p:clrMapOvr>
     <a:masterClrMapping/>
   </p:clrMapOvr>
-  <p:timing>
-    <p:tnLst>
-      <p:par>
-        <p:cTn id="1" dur="indefinite" restart="never" nodeType="tmRoot">
-          <p:childTnLst>
-            <p:seq concurrent="1" nextAc="seek">
-              <p:cTn id="2" dur="indefinite" nodeType="mainSeq">
-                <p:childTnLst>
-                  <p:par>
-                    <p:cTn id="3" fill="hold">
-                      <p:stCondLst>
-                        <p:cond delay="indefinite"/>
-                      </p:stCondLst>
-                      <p:childTnLst>
-                        <p:par>
-                          <p:cTn id="4" fill="hold">
-                            <p:stCondLst>
-                              <p:cond delay="0"/>
-                            </p:stCondLst>
-                            <p:childTnLst>
-                              <p:par>
-                                <p:cTn id="5" presetID="10" presetClass="entr" presetSubtype="0" fill="hold" nodeType="clickEffect">
-                                  <p:stCondLst>
-                                    <p:cond delay="0"/>
-                                  </p:stCondLst>
-                                  <p:childTnLst>
-                                    <p:set>
-                                      <p:cBhvr>
-                                        <p:cTn id="6" dur="1" fill="hold">
-                                          <p:stCondLst>
-                                            <p:cond delay="0"/>
-                                          </p:stCondLst>
-                                        </p:cTn>
-                                        <p:tgtEl>
-                                          <p:spTgt spid="348"/>
-                                        </p:tgtEl>
-                                        <p:attrNameLst>
-                                          <p:attrName>style.visibility</p:attrName>
-                                        </p:attrNameLst>
-                                      </p:cBhvr>
-                                      <p:to>
-                                        <p:strVal val="visible"/>
-                                      </p:to>
-                                    </p:set>
-                                    <p:animEffect transition="in" filter="fade">
-                                      <p:cBhvr>
-                                        <p:cTn id="7" dur="1"/>
-                                        <p:tgtEl>
-                                          <p:spTgt spid="348"/>
-                                        </p:tgtEl>
-                                      </p:cBhvr>
-                                    </p:animEffect>
-                                  </p:childTnLst>
-                                </p:cTn>
-                              </p:par>
-                            </p:childTnLst>
-                          </p:cTn>
-                        </p:par>
-                      </p:childTnLst>
-                    </p:cTn>
-                  </p:par>
-                  <p:par>
-                    <p:cTn id="8" fill="hold">
-                      <p:stCondLst>
-                        <p:cond delay="indefinite"/>
-                      </p:stCondLst>
-                      <p:childTnLst>
-                        <p:par>
-                          <p:cTn id="9" fill="hold">
-                            <p:stCondLst>
-                              <p:cond delay="0"/>
-                            </p:stCondLst>
-                            <p:childTnLst>
-                              <p:par>
-                                <p:cTn id="10" presetID="10" presetClass="entr" presetSubtype="0" fill="hold" nodeType="clickEffect">
-                                  <p:stCondLst>
-                                    <p:cond delay="0"/>
-                                  </p:stCondLst>
-                                  <p:childTnLst>
-                                    <p:set>
-                                      <p:cBhvr>
-                                        <p:cTn id="11" dur="1" fill="hold">
-                                          <p:stCondLst>
-                                            <p:cond delay="0"/>
-                                          </p:stCondLst>
-                                        </p:cTn>
-                                        <p:tgtEl>
-                                          <p:spTgt spid="349"/>
-                                        </p:tgtEl>
-                                        <p:attrNameLst>
-                                          <p:attrName>style.visibility</p:attrName>
-                                        </p:attrNameLst>
-                                      </p:cBhvr>
-                                      <p:to>
-                                        <p:strVal val="visible"/>
-                                      </p:to>
-                                    </p:set>
-                                    <p:animEffect transition="in" filter="fade">
-                                      <p:cBhvr>
-                                        <p:cTn id="12" dur="1"/>
-                                        <p:tgtEl>
-                                          <p:spTgt spid="349"/>
-                                        </p:tgtEl>
-                                      </p:cBhvr>
-                                    </p:animEffect>
-                                  </p:childTnLst>
-                                </p:cTn>
-                              </p:par>
-                            </p:childTnLst>
-                          </p:cTn>
-                        </p:par>
-                      </p:childTnLst>
-                    </p:cTn>
-                  </p:par>
-                </p:childTnLst>
-              </p:cTn>
-              <p:prevCondLst>
-                <p:cond evt="onPrev" delay="0">
-                  <p:tgtEl>
-                    <p:sldTgt/>
-                  </p:tgtEl>
-                </p:cond>
-              </p:prevCondLst>
-              <p:nextCondLst>
-                <p:cond evt="onNext" delay="0">
-                  <p:tgtEl>
-                    <p:sldTgt/>
-                  </p:tgtEl>
-                </p:cond>
-              </p:nextCondLst>
-            </p:seq>
-          </p:childTnLst>
-        </p:cTn>
-      </p:par>
-    </p:tnLst>
-  </p:timing>
 </p:sld>
 </file>
 
@@ -16189,10 +17676,10 @@
               <a:buNone/>
             </a:pPr>
             <a:r>
-              <a:rPr lang="en"/>
-              <a:t>What is it (Data Oblivious Programming)?</a:t>
+              <a:rPr lang="en" dirty="0"/>
+              <a:t>What is Data Oblivious Programming</a:t>
             </a:r>
-            <a:endParaRPr/>
+            <a:endParaRPr dirty="0"/>
           </a:p>
         </p:txBody>
       </p:sp>
@@ -16231,10 +17718,10 @@
               <a:buNone/>
             </a:pPr>
             <a:r>
-              <a:rPr lang="en"/>
+              <a:rPr lang="en" dirty="0"/>
               <a:t>Fancy name for no changing computation behaviour on sensitive data:</a:t>
             </a:r>
-            <a:endParaRPr/>
+            <a:endParaRPr dirty="0"/>
           </a:p>
           <a:p>
             <a:pPr marL="457200" lvl="0" indent="-311150" algn="l" rtl="0">
@@ -16248,10 +17735,10 @@
               <a:buChar char="●"/>
             </a:pPr>
             <a:r>
-              <a:rPr lang="en"/>
+              <a:rPr lang="en" dirty="0"/>
               <a:t>Branching (if-else)</a:t>
             </a:r>
-            <a:endParaRPr/>
+            <a:endParaRPr dirty="0"/>
           </a:p>
           <a:p>
             <a:pPr marL="457200" lvl="0" indent="-311150" algn="l" rtl="0">
@@ -16265,10 +17752,10 @@
               <a:buChar char="●"/>
             </a:pPr>
             <a:r>
-              <a:rPr lang="en"/>
+              <a:rPr lang="en" dirty="0"/>
               <a:t>Evaluating sensitive data resulting in access addresses</a:t>
             </a:r>
-            <a:endParaRPr/>
+            <a:endParaRPr dirty="0"/>
           </a:p>
         </p:txBody>
       </p:sp>
@@ -16324,89 +17811,6 @@
   <p:clrMapOvr>
     <a:masterClrMapping/>
   </p:clrMapOvr>
-  <p:timing>
-    <p:tnLst>
-      <p:par>
-        <p:cTn id="1" dur="indefinite" restart="never" nodeType="tmRoot">
-          <p:childTnLst>
-            <p:seq concurrent="1" nextAc="seek">
-              <p:cTn id="2" dur="indefinite" nodeType="mainSeq">
-                <p:childTnLst>
-                  <p:par>
-                    <p:cTn id="3" fill="hold">
-                      <p:stCondLst>
-                        <p:cond delay="indefinite"/>
-                      </p:stCondLst>
-                      <p:childTnLst>
-                        <p:par>
-                          <p:cTn id="4" fill="hold">
-                            <p:stCondLst>
-                              <p:cond delay="0"/>
-                            </p:stCondLst>
-                            <p:childTnLst>
-                              <p:par>
-                                <p:cTn id="5" presetID="10" presetClass="entr" presetSubtype="0" fill="hold" nodeType="clickEffect">
-                                  <p:stCondLst>
-                                    <p:cond delay="0"/>
-                                  </p:stCondLst>
-                                  <p:childTnLst>
-                                    <p:set>
-                                      <p:cBhvr>
-                                        <p:cTn id="6" dur="1" fill="hold">
-                                          <p:stCondLst>
-                                            <p:cond delay="0"/>
-                                          </p:stCondLst>
-                                        </p:cTn>
-                                        <p:tgtEl>
-                                          <p:spTgt spid="285"/>
-                                        </p:tgtEl>
-                                        <p:attrNameLst>
-                                          <p:attrName>style.visibility</p:attrName>
-                                        </p:attrNameLst>
-                                      </p:cBhvr>
-                                      <p:to>
-                                        <p:strVal val="visible"/>
-                                      </p:to>
-                                    </p:set>
-                                    <p:animEffect transition="in" filter="fade">
-                                      <p:cBhvr>
-                                        <p:cTn id="7" dur="1"/>
-                                        <p:tgtEl>
-                                          <p:spTgt spid="285"/>
-                                        </p:tgtEl>
-                                      </p:cBhvr>
-                                    </p:animEffect>
-                                  </p:childTnLst>
-                                </p:cTn>
-                              </p:par>
-                            </p:childTnLst>
-                          </p:cTn>
-                        </p:par>
-                      </p:childTnLst>
-                    </p:cTn>
-                  </p:par>
-                </p:childTnLst>
-              </p:cTn>
-              <p:prevCondLst>
-                <p:cond evt="onPrev" delay="0">
-                  <p:tgtEl>
-                    <p:sldTgt/>
-                  </p:tgtEl>
-                </p:cond>
-              </p:prevCondLst>
-              <p:nextCondLst>
-                <p:cond evt="onNext" delay="0">
-                  <p:tgtEl>
-                    <p:sldTgt/>
-                  </p:tgtEl>
-                </p:cond>
-              </p:nextCondLst>
-            </p:seq>
-          </p:childTnLst>
-        </p:cTn>
-      </p:par>
-    </p:tnLst>
-  </p:timing>
 </p:sld>
 </file>
 
@@ -16504,17 +17908,204 @@
               <a:buNone/>
             </a:pPr>
             <a:r>
-              <a:rPr lang="en"/>
+              <a:rPr lang="en" dirty="0">
+                <a:latin typeface="Courier New" panose="02070309020205020404" pitchFamily="49" charset="0"/>
+                <a:cs typeface="Courier New" panose="02070309020205020404" pitchFamily="49" charset="0"/>
+              </a:rPr>
               <a:t>if (x &gt; y) a = b;</a:t>
             </a:r>
             <a:br>
-              <a:rPr lang="en"/>
+              <a:rPr lang="en" dirty="0">
+                <a:latin typeface="Courier New" panose="02070309020205020404" pitchFamily="49" charset="0"/>
+                <a:cs typeface="Courier New" panose="02070309020205020404" pitchFamily="49" charset="0"/>
+              </a:rPr>
             </a:br>
             <a:r>
-              <a:rPr lang="en"/>
+              <a:rPr lang="en" dirty="0">
+                <a:latin typeface="Courier New" panose="02070309020205020404" pitchFamily="49" charset="0"/>
+                <a:cs typeface="Courier New" panose="02070309020205020404" pitchFamily="49" charset="0"/>
+              </a:rPr>
               <a:t>else a = c;</a:t>
             </a:r>
+            <a:endParaRPr dirty="0">
+              <a:latin typeface="Courier New" panose="02070309020205020404" pitchFamily="49" charset="0"/>
+              <a:cs typeface="Courier New" panose="02070309020205020404" pitchFamily="49" charset="0"/>
+            </a:endParaRPr>
+          </a:p>
+        </p:txBody>
+      </p:sp>
+      <p:sp>
+        <p:nvSpPr>
+          <p:cNvPr id="294" name="Google Shape;294;p15"/>
+          <p:cNvSpPr txBox="1">
+            <a:spLocks noGrp="1"/>
+          </p:cNvSpPr>
+          <p:nvPr>
+            <p:ph type="sldNum" idx="12"/>
+          </p:nvPr>
+        </p:nvSpPr>
+        <p:spPr>
+          <a:xfrm>
+            <a:off x="8451046" y="4736976"/>
+            <a:ext cx="548700" cy="393600"/>
+          </a:xfrm>
+          <a:prstGeom prst="rect">
+            <a:avLst/>
+          </a:prstGeom>
+        </p:spPr>
+        <p:txBody>
+          <a:bodyPr spcFirstLastPara="1" wrap="square" lIns="91425" tIns="91425" rIns="91425" bIns="91425" anchor="ctr" anchorCtr="0">
+            <a:noAutofit/>
+          </a:bodyPr>
+          <a:lstStyle/>
+          <a:p>
+            <a:pPr marL="0" lvl="0" indent="0" algn="r" rtl="0">
+              <a:spcBef>
+                <a:spcPts val="0"/>
+              </a:spcBef>
+              <a:spcAft>
+                <a:spcPts val="0"/>
+              </a:spcAft>
+              <a:buClr>
+                <a:srgbClr val="000000"/>
+              </a:buClr>
+              <a:buSzPts val="1100"/>
+              <a:buFont typeface="Arial"/>
+              <a:buNone/>
+            </a:pPr>
+            <a:fld id="{00000000-1234-1234-1234-123412341234}" type="slidenum">
+              <a:rPr lang="en"/>
+              <a:t>3</a:t>
+            </a:fld>
             <a:endParaRPr/>
+          </a:p>
+        </p:txBody>
+      </p:sp>
+    </p:spTree>
+  </p:cSld>
+  <p:clrMapOvr>
+    <a:masterClrMapping/>
+  </p:clrMapOvr>
+</p:sld>
+</file>
+
+<file path=ppt/slides/slide4.xml><?xml version="1.0" encoding="utf-8"?>
+<p:sld xmlns:a="http://schemas.openxmlformats.org/drawingml/2006/main" xmlns:r="http://schemas.openxmlformats.org/officeDocument/2006/relationships" xmlns:p="http://schemas.openxmlformats.org/presentationml/2006/main">
+  <p:cSld>
+    <p:spTree>
+      <p:nvGrpSpPr>
+        <p:cNvPr id="1" name="Shape 290"/>
+        <p:cNvGrpSpPr/>
+        <p:nvPr/>
+      </p:nvGrpSpPr>
+      <p:grpSpPr>
+        <a:xfrm>
+          <a:off x="0" y="0"/>
+          <a:ext cx="0" cy="0"/>
+          <a:chOff x="0" y="0"/>
+          <a:chExt cx="0" cy="0"/>
+        </a:xfrm>
+      </p:grpSpPr>
+      <p:sp>
+        <p:nvSpPr>
+          <p:cNvPr id="291" name="Google Shape;291;p15"/>
+          <p:cNvSpPr txBox="1">
+            <a:spLocks noGrp="1"/>
+          </p:cNvSpPr>
+          <p:nvPr>
+            <p:ph type="title"/>
+          </p:nvPr>
+        </p:nvSpPr>
+        <p:spPr>
+          <a:xfrm>
+            <a:off x="1303800" y="598575"/>
+            <a:ext cx="7030500" cy="999300"/>
+          </a:xfrm>
+          <a:prstGeom prst="rect">
+            <a:avLst/>
+          </a:prstGeom>
+        </p:spPr>
+        <p:txBody>
+          <a:bodyPr spcFirstLastPara="1" wrap="square" lIns="91425" tIns="91425" rIns="91425" bIns="91425" anchor="t" anchorCtr="0">
+            <a:noAutofit/>
+          </a:bodyPr>
+          <a:lstStyle/>
+          <a:p>
+            <a:pPr marL="0" lvl="0" indent="0" algn="l" rtl="0">
+              <a:spcBef>
+                <a:spcPts val="0"/>
+              </a:spcBef>
+              <a:spcAft>
+                <a:spcPts val="0"/>
+              </a:spcAft>
+              <a:buNone/>
+            </a:pPr>
+            <a:r>
+              <a:rPr lang="en"/>
+              <a:t>Example IF-ELSE</a:t>
+            </a:r>
+            <a:endParaRPr/>
+          </a:p>
+        </p:txBody>
+      </p:sp>
+      <p:sp>
+        <p:nvSpPr>
+          <p:cNvPr id="292" name="Google Shape;292;p15"/>
+          <p:cNvSpPr txBox="1">
+            <a:spLocks noGrp="1"/>
+          </p:cNvSpPr>
+          <p:nvPr>
+            <p:ph type="body" idx="1"/>
+          </p:nvPr>
+        </p:nvSpPr>
+        <p:spPr>
+          <a:xfrm>
+            <a:off x="1303800" y="1990050"/>
+            <a:ext cx="3430500" cy="2541600"/>
+          </a:xfrm>
+          <a:prstGeom prst="rect">
+            <a:avLst/>
+          </a:prstGeom>
+        </p:spPr>
+        <p:txBody>
+          <a:bodyPr spcFirstLastPara="1" wrap="square" lIns="91425" tIns="91425" rIns="91425" bIns="91425" anchor="t" anchorCtr="0">
+            <a:noAutofit/>
+          </a:bodyPr>
+          <a:lstStyle/>
+          <a:p>
+            <a:pPr marL="0" lvl="0" indent="0" algn="l" rtl="0">
+              <a:spcBef>
+                <a:spcPts val="0"/>
+              </a:spcBef>
+              <a:spcAft>
+                <a:spcPts val="1600"/>
+              </a:spcAft>
+              <a:buNone/>
+            </a:pPr>
+            <a:r>
+              <a:rPr lang="en" dirty="0">
+                <a:latin typeface="Courier New" panose="02070309020205020404" pitchFamily="49" charset="0"/>
+                <a:cs typeface="Courier New" panose="02070309020205020404" pitchFamily="49" charset="0"/>
+              </a:rPr>
+              <a:t>if (x &gt; y) a = b;</a:t>
+            </a:r>
+            <a:br>
+              <a:rPr lang="en" dirty="0">
+                <a:latin typeface="Courier New" panose="02070309020205020404" pitchFamily="49" charset="0"/>
+                <a:cs typeface="Courier New" panose="02070309020205020404" pitchFamily="49" charset="0"/>
+              </a:rPr>
+            </a:br>
+            <a:r>
+              <a:rPr lang="en" dirty="0">
+                <a:latin typeface="Courier New" panose="02070309020205020404" pitchFamily="49" charset="0"/>
+                <a:cs typeface="Courier New" panose="02070309020205020404" pitchFamily="49" charset="0"/>
+              </a:rPr>
+              <a:t>else a = c;</a:t>
+            </a:r>
+            <a:endParaRPr dirty="0">
+              <a:latin typeface="Courier New" panose="02070309020205020404" pitchFamily="49" charset="0"/>
+              <a:cs typeface="Courier New" panose="02070309020205020404" pitchFamily="49" charset="0"/>
+            </a:endParaRPr>
           </a:p>
         </p:txBody>
       </p:sp>
@@ -16553,17 +18144,29 @@
               <a:buNone/>
             </a:pPr>
             <a:r>
-              <a:rPr lang="en"/>
+              <a:rPr lang="en" dirty="0">
+                <a:latin typeface="Courier New" panose="02070309020205020404" pitchFamily="49" charset="0"/>
+                <a:cs typeface="Courier New" panose="02070309020205020404" pitchFamily="49" charset="0"/>
+              </a:rPr>
               <a:t>cond = x &gt; y;</a:t>
             </a:r>
             <a:br>
-              <a:rPr lang="en"/>
+              <a:rPr lang="en" dirty="0">
+                <a:latin typeface="Courier New" panose="02070309020205020404" pitchFamily="49" charset="0"/>
+                <a:cs typeface="Courier New" panose="02070309020205020404" pitchFamily="49" charset="0"/>
+              </a:rPr>
             </a:br>
             <a:r>
-              <a:rPr lang="en"/>
+              <a:rPr lang="en" dirty="0">
+                <a:latin typeface="Courier New" panose="02070309020205020404" pitchFamily="49" charset="0"/>
+                <a:cs typeface="Courier New" panose="02070309020205020404" pitchFamily="49" charset="0"/>
+              </a:rPr>
               <a:t>a = cond * b + !cond * c;</a:t>
             </a:r>
-            <a:endParaRPr/>
+            <a:endParaRPr dirty="0">
+              <a:latin typeface="Courier New" panose="02070309020205020404" pitchFamily="49" charset="0"/>
+              <a:cs typeface="Courier New" panose="02070309020205020404" pitchFamily="49" charset="0"/>
+            </a:endParaRPr>
           </a:p>
         </p:txBody>
       </p:sp>
@@ -16608,157 +18211,26 @@
             </a:pPr>
             <a:fld id="{00000000-1234-1234-1234-123412341234}" type="slidenum">
               <a:rPr lang="en"/>
-              <a:t>3</a:t>
+              <a:t>4</a:t>
             </a:fld>
             <a:endParaRPr/>
           </a:p>
         </p:txBody>
       </p:sp>
     </p:spTree>
+    <p:extLst>
+      <p:ext uri="{BB962C8B-B14F-4D97-AF65-F5344CB8AC3E}">
+        <p14:creationId xmlns:p14="http://schemas.microsoft.com/office/powerpoint/2010/main" val="4002690190"/>
+      </p:ext>
+    </p:extLst>
   </p:cSld>
   <p:clrMapOvr>
     <a:masterClrMapping/>
   </p:clrMapOvr>
-  <p:timing>
-    <p:tnLst>
-      <p:par>
-        <p:cTn id="1" dur="indefinite" restart="never" nodeType="tmRoot">
-          <p:childTnLst>
-            <p:seq concurrent="1" nextAc="seek">
-              <p:cTn id="2" dur="indefinite" nodeType="mainSeq">
-                <p:childTnLst>
-                  <p:par>
-                    <p:cTn id="3" fill="hold">
-                      <p:stCondLst>
-                        <p:cond delay="indefinite"/>
-                      </p:stCondLst>
-                      <p:childTnLst>
-                        <p:par>
-                          <p:cTn id="4" fill="hold">
-                            <p:stCondLst>
-                              <p:cond delay="0"/>
-                            </p:stCondLst>
-                            <p:childTnLst>
-                              <p:par>
-                                <p:cTn id="5" presetID="10" presetClass="entr" presetSubtype="0" fill="hold" nodeType="clickEffect">
-                                  <p:stCondLst>
-                                    <p:cond delay="0"/>
-                                  </p:stCondLst>
-                                  <p:childTnLst>
-                                    <p:set>
-                                      <p:cBhvr>
-                                        <p:cTn id="6" dur="1" fill="hold">
-                                          <p:stCondLst>
-                                            <p:cond delay="0"/>
-                                          </p:stCondLst>
-                                        </p:cTn>
-                                        <p:tgtEl>
-                                          <p:spTgt spid="292"/>
-                                        </p:tgtEl>
-                                        <p:attrNameLst>
-                                          <p:attrName>style.visibility</p:attrName>
-                                        </p:attrNameLst>
-                                      </p:cBhvr>
-                                      <p:to>
-                                        <p:strVal val="visible"/>
-                                      </p:to>
-                                    </p:set>
-                                    <p:animEffect transition="in" filter="fade">
-                                      <p:cBhvr>
-                                        <p:cTn id="7" dur="1"/>
-                                        <p:tgtEl>
-                                          <p:spTgt spid="292"/>
-                                        </p:tgtEl>
-                                      </p:cBhvr>
-                                    </p:animEffect>
-                                  </p:childTnLst>
-                                </p:cTn>
-                              </p:par>
-                            </p:childTnLst>
-                          </p:cTn>
-                        </p:par>
-                      </p:childTnLst>
-                    </p:cTn>
-                  </p:par>
-                  <p:par>
-                    <p:cTn id="8" fill="hold">
-                      <p:stCondLst>
-                        <p:cond delay="indefinite"/>
-                      </p:stCondLst>
-                      <p:childTnLst>
-                        <p:par>
-                          <p:cTn id="9" fill="hold">
-                            <p:stCondLst>
-                              <p:cond delay="0"/>
-                            </p:stCondLst>
-                            <p:childTnLst>
-                              <p:par>
-                                <p:cTn id="10" presetID="10" presetClass="entr" presetSubtype="0" fill="hold" nodeType="clickEffect">
-                                  <p:stCondLst>
-                                    <p:cond delay="0"/>
-                                  </p:stCondLst>
-                                  <p:childTnLst>
-                                    <p:set>
-                                      <p:cBhvr>
-                                        <p:cTn id="11" dur="1" fill="hold">
-                                          <p:stCondLst>
-                                            <p:cond delay="0"/>
-                                          </p:stCondLst>
-                                        </p:cTn>
-                                        <p:tgtEl>
-                                          <p:spTgt spid="293"/>
-                                        </p:tgtEl>
-                                        <p:attrNameLst>
-                                          <p:attrName>style.visibility</p:attrName>
-                                        </p:attrNameLst>
-                                      </p:cBhvr>
-                                      <p:to>
-                                        <p:strVal val="visible"/>
-                                      </p:to>
-                                    </p:set>
-                                    <p:animEffect transition="in" filter="fade">
-                                      <p:cBhvr>
-                                        <p:cTn id="12" dur="1"/>
-                                        <p:tgtEl>
-                                          <p:spTgt spid="293"/>
-                                        </p:tgtEl>
-                                      </p:cBhvr>
-                                    </p:animEffect>
-                                  </p:childTnLst>
-                                </p:cTn>
-                              </p:par>
-                            </p:childTnLst>
-                          </p:cTn>
-                        </p:par>
-                      </p:childTnLst>
-                    </p:cTn>
-                  </p:par>
-                </p:childTnLst>
-              </p:cTn>
-              <p:prevCondLst>
-                <p:cond evt="onPrev" delay="0">
-                  <p:tgtEl>
-                    <p:sldTgt/>
-                  </p:tgtEl>
-                </p:cond>
-              </p:prevCondLst>
-              <p:nextCondLst>
-                <p:cond evt="onNext" delay="0">
-                  <p:tgtEl>
-                    <p:sldTgt/>
-                  </p:tgtEl>
-                </p:cond>
-              </p:nextCondLst>
-            </p:seq>
-          </p:childTnLst>
-        </p:cTn>
-      </p:par>
-    </p:tnLst>
-  </p:timing>
 </p:sld>
 </file>
 
-<file path=ppt/slides/slide4.xml><?xml version="1.0" encoding="utf-8"?>
+<file path=ppt/slides/slide5.xml><?xml version="1.0" encoding="utf-8"?>
 <p:sld xmlns:a="http://schemas.openxmlformats.org/drawingml/2006/main" xmlns:r="http://schemas.openxmlformats.org/officeDocument/2006/relationships" xmlns:p="http://schemas.openxmlformats.org/presentationml/2006/main">
   <p:cSld>
     <p:spTree>
@@ -16852,10 +18324,178 @@
               <a:buNone/>
             </a:pPr>
             <a:r>
-              <a:rPr lang="en"/>
+              <a:rPr lang="en" dirty="0">
+                <a:latin typeface="Courier New" panose="02070309020205020404" pitchFamily="49" charset="0"/>
+                <a:cs typeface="Courier New" panose="02070309020205020404" pitchFamily="49" charset="0"/>
+              </a:rPr>
               <a:t>if (x &gt; y) a = b;</a:t>
             </a:r>
+            <a:endParaRPr dirty="0">
+              <a:latin typeface="Courier New" panose="02070309020205020404" pitchFamily="49" charset="0"/>
+              <a:cs typeface="Courier New" panose="02070309020205020404" pitchFamily="49" charset="0"/>
+            </a:endParaRPr>
+          </a:p>
+        </p:txBody>
+      </p:sp>
+      <p:sp>
+        <p:nvSpPr>
+          <p:cNvPr id="302" name="Google Shape;302;p16"/>
+          <p:cNvSpPr txBox="1">
+            <a:spLocks noGrp="1"/>
+          </p:cNvSpPr>
+          <p:nvPr>
+            <p:ph type="sldNum" idx="12"/>
+          </p:nvPr>
+        </p:nvSpPr>
+        <p:spPr>
+          <a:xfrm>
+            <a:off x="8451046" y="4736976"/>
+            <a:ext cx="548700" cy="393600"/>
+          </a:xfrm>
+          <a:prstGeom prst="rect">
+            <a:avLst/>
+          </a:prstGeom>
+        </p:spPr>
+        <p:txBody>
+          <a:bodyPr spcFirstLastPara="1" wrap="square" lIns="91425" tIns="91425" rIns="91425" bIns="91425" anchor="ctr" anchorCtr="0">
+            <a:noAutofit/>
+          </a:bodyPr>
+          <a:lstStyle/>
+          <a:p>
+            <a:pPr marL="0" lvl="0" indent="0" algn="r" rtl="0">
+              <a:spcBef>
+                <a:spcPts val="0"/>
+              </a:spcBef>
+              <a:spcAft>
+                <a:spcPts val="0"/>
+              </a:spcAft>
+              <a:buClr>
+                <a:srgbClr val="000000"/>
+              </a:buClr>
+              <a:buSzPts val="1100"/>
+              <a:buFont typeface="Arial"/>
+              <a:buNone/>
+            </a:pPr>
+            <a:fld id="{00000000-1234-1234-1234-123412341234}" type="slidenum">
+              <a:rPr lang="en"/>
+              <a:t>5</a:t>
+            </a:fld>
             <a:endParaRPr/>
+          </a:p>
+        </p:txBody>
+      </p:sp>
+    </p:spTree>
+  </p:cSld>
+  <p:clrMapOvr>
+    <a:masterClrMapping/>
+  </p:clrMapOvr>
+</p:sld>
+</file>
+
+<file path=ppt/slides/slide6.xml><?xml version="1.0" encoding="utf-8"?>
+<p:sld xmlns:a="http://schemas.openxmlformats.org/drawingml/2006/main" xmlns:r="http://schemas.openxmlformats.org/officeDocument/2006/relationships" xmlns:p="http://schemas.openxmlformats.org/presentationml/2006/main">
+  <p:cSld>
+    <p:spTree>
+      <p:nvGrpSpPr>
+        <p:cNvPr id="1" name="Shape 298"/>
+        <p:cNvGrpSpPr/>
+        <p:nvPr/>
+      </p:nvGrpSpPr>
+      <p:grpSpPr>
+        <a:xfrm>
+          <a:off x="0" y="0"/>
+          <a:ext cx="0" cy="0"/>
+          <a:chOff x="0" y="0"/>
+          <a:chExt cx="0" cy="0"/>
+        </a:xfrm>
+      </p:grpSpPr>
+      <p:sp>
+        <p:nvSpPr>
+          <p:cNvPr id="299" name="Google Shape;299;p16"/>
+          <p:cNvSpPr txBox="1">
+            <a:spLocks noGrp="1"/>
+          </p:cNvSpPr>
+          <p:nvPr>
+            <p:ph type="title"/>
+          </p:nvPr>
+        </p:nvSpPr>
+        <p:spPr>
+          <a:xfrm>
+            <a:off x="1303800" y="598575"/>
+            <a:ext cx="7030500" cy="999300"/>
+          </a:xfrm>
+          <a:prstGeom prst="rect">
+            <a:avLst/>
+          </a:prstGeom>
+        </p:spPr>
+        <p:txBody>
+          <a:bodyPr spcFirstLastPara="1" wrap="square" lIns="91425" tIns="91425" rIns="91425" bIns="91425" anchor="t" anchorCtr="0">
+            <a:noAutofit/>
+          </a:bodyPr>
+          <a:lstStyle/>
+          <a:p>
+            <a:pPr marL="0" lvl="0" indent="0" algn="l" rtl="0">
+              <a:spcBef>
+                <a:spcPts val="0"/>
+              </a:spcBef>
+              <a:spcAft>
+                <a:spcPts val="0"/>
+              </a:spcAft>
+              <a:buNone/>
+            </a:pPr>
+            <a:r>
+              <a:rPr lang="en"/>
+              <a:t>Example IF</a:t>
+            </a:r>
+            <a:endParaRPr/>
+          </a:p>
+        </p:txBody>
+      </p:sp>
+      <p:sp>
+        <p:nvSpPr>
+          <p:cNvPr id="300" name="Google Shape;300;p16"/>
+          <p:cNvSpPr txBox="1">
+            <a:spLocks noGrp="1"/>
+          </p:cNvSpPr>
+          <p:nvPr>
+            <p:ph type="body" idx="1"/>
+          </p:nvPr>
+        </p:nvSpPr>
+        <p:spPr>
+          <a:xfrm>
+            <a:off x="1303800" y="1990050"/>
+            <a:ext cx="3430500" cy="2541600"/>
+          </a:xfrm>
+          <a:prstGeom prst="rect">
+            <a:avLst/>
+          </a:prstGeom>
+        </p:spPr>
+        <p:txBody>
+          <a:bodyPr spcFirstLastPara="1" wrap="square" lIns="91425" tIns="91425" rIns="91425" bIns="91425" anchor="t" anchorCtr="0">
+            <a:noAutofit/>
+          </a:bodyPr>
+          <a:lstStyle/>
+          <a:p>
+            <a:pPr marL="0" lvl="0" indent="0" algn="l" rtl="0">
+              <a:spcBef>
+                <a:spcPts val="0"/>
+              </a:spcBef>
+              <a:spcAft>
+                <a:spcPts val="1600"/>
+              </a:spcAft>
+              <a:buNone/>
+            </a:pPr>
+            <a:r>
+              <a:rPr lang="en" dirty="0">
+                <a:latin typeface="Courier New" panose="02070309020205020404" pitchFamily="49" charset="0"/>
+                <a:cs typeface="Courier New" panose="02070309020205020404" pitchFamily="49" charset="0"/>
+              </a:rPr>
+              <a:t>if (x &gt; y) a = b;</a:t>
+            </a:r>
+            <a:endParaRPr dirty="0">
+              <a:latin typeface="Courier New" panose="02070309020205020404" pitchFamily="49" charset="0"/>
+              <a:cs typeface="Courier New" panose="02070309020205020404" pitchFamily="49" charset="0"/>
+            </a:endParaRPr>
           </a:p>
         </p:txBody>
       </p:sp>
@@ -16894,17 +18534,29 @@
               <a:buNone/>
             </a:pPr>
             <a:r>
-              <a:rPr lang="en"/>
+              <a:rPr lang="en" dirty="0">
+                <a:latin typeface="Courier New" panose="02070309020205020404" pitchFamily="49" charset="0"/>
+                <a:cs typeface="Courier New" panose="02070309020205020404" pitchFamily="49" charset="0"/>
+              </a:rPr>
               <a:t>cond = x &gt; y;</a:t>
             </a:r>
             <a:br>
-              <a:rPr lang="en"/>
+              <a:rPr lang="en" dirty="0">
+                <a:latin typeface="Courier New" panose="02070309020205020404" pitchFamily="49" charset="0"/>
+                <a:cs typeface="Courier New" panose="02070309020205020404" pitchFamily="49" charset="0"/>
+              </a:rPr>
             </a:br>
             <a:r>
-              <a:rPr lang="en"/>
+              <a:rPr lang="en" dirty="0">
+                <a:latin typeface="Courier New" panose="02070309020205020404" pitchFamily="49" charset="0"/>
+                <a:cs typeface="Courier New" panose="02070309020205020404" pitchFamily="49" charset="0"/>
+              </a:rPr>
               <a:t>a = cond * b + !cond * a;</a:t>
             </a:r>
-            <a:endParaRPr/>
+            <a:endParaRPr dirty="0">
+              <a:latin typeface="Courier New" panose="02070309020205020404" pitchFamily="49" charset="0"/>
+              <a:cs typeface="Courier New" panose="02070309020205020404" pitchFamily="49" charset="0"/>
+            </a:endParaRPr>
           </a:p>
         </p:txBody>
       </p:sp>
@@ -16949,157 +18601,26 @@
             </a:pPr>
             <a:fld id="{00000000-1234-1234-1234-123412341234}" type="slidenum">
               <a:rPr lang="en"/>
-              <a:t>4</a:t>
+              <a:t>6</a:t>
             </a:fld>
             <a:endParaRPr/>
           </a:p>
         </p:txBody>
       </p:sp>
     </p:spTree>
+    <p:extLst>
+      <p:ext uri="{BB962C8B-B14F-4D97-AF65-F5344CB8AC3E}">
+        <p14:creationId xmlns:p14="http://schemas.microsoft.com/office/powerpoint/2010/main" val="1141394141"/>
+      </p:ext>
+    </p:extLst>
   </p:cSld>
   <p:clrMapOvr>
     <a:masterClrMapping/>
   </p:clrMapOvr>
-  <p:timing>
-    <p:tnLst>
-      <p:par>
-        <p:cTn id="1" dur="indefinite" restart="never" nodeType="tmRoot">
-          <p:childTnLst>
-            <p:seq concurrent="1" nextAc="seek">
-              <p:cTn id="2" dur="indefinite" nodeType="mainSeq">
-                <p:childTnLst>
-                  <p:par>
-                    <p:cTn id="3" fill="hold">
-                      <p:stCondLst>
-                        <p:cond delay="indefinite"/>
-                      </p:stCondLst>
-                      <p:childTnLst>
-                        <p:par>
-                          <p:cTn id="4" fill="hold">
-                            <p:stCondLst>
-                              <p:cond delay="0"/>
-                            </p:stCondLst>
-                            <p:childTnLst>
-                              <p:par>
-                                <p:cTn id="5" presetID="10" presetClass="entr" presetSubtype="0" fill="hold" nodeType="clickEffect">
-                                  <p:stCondLst>
-                                    <p:cond delay="0"/>
-                                  </p:stCondLst>
-                                  <p:childTnLst>
-                                    <p:set>
-                                      <p:cBhvr>
-                                        <p:cTn id="6" dur="1" fill="hold">
-                                          <p:stCondLst>
-                                            <p:cond delay="0"/>
-                                          </p:stCondLst>
-                                        </p:cTn>
-                                        <p:tgtEl>
-                                          <p:spTgt spid="300"/>
-                                        </p:tgtEl>
-                                        <p:attrNameLst>
-                                          <p:attrName>style.visibility</p:attrName>
-                                        </p:attrNameLst>
-                                      </p:cBhvr>
-                                      <p:to>
-                                        <p:strVal val="visible"/>
-                                      </p:to>
-                                    </p:set>
-                                    <p:animEffect transition="in" filter="fade">
-                                      <p:cBhvr>
-                                        <p:cTn id="7" dur="1"/>
-                                        <p:tgtEl>
-                                          <p:spTgt spid="300"/>
-                                        </p:tgtEl>
-                                      </p:cBhvr>
-                                    </p:animEffect>
-                                  </p:childTnLst>
-                                </p:cTn>
-                              </p:par>
-                            </p:childTnLst>
-                          </p:cTn>
-                        </p:par>
-                      </p:childTnLst>
-                    </p:cTn>
-                  </p:par>
-                  <p:par>
-                    <p:cTn id="8" fill="hold">
-                      <p:stCondLst>
-                        <p:cond delay="indefinite"/>
-                      </p:stCondLst>
-                      <p:childTnLst>
-                        <p:par>
-                          <p:cTn id="9" fill="hold">
-                            <p:stCondLst>
-                              <p:cond delay="0"/>
-                            </p:stCondLst>
-                            <p:childTnLst>
-                              <p:par>
-                                <p:cTn id="10" presetID="10" presetClass="entr" presetSubtype="0" fill="hold" nodeType="clickEffect">
-                                  <p:stCondLst>
-                                    <p:cond delay="0"/>
-                                  </p:stCondLst>
-                                  <p:childTnLst>
-                                    <p:set>
-                                      <p:cBhvr>
-                                        <p:cTn id="11" dur="1" fill="hold">
-                                          <p:stCondLst>
-                                            <p:cond delay="0"/>
-                                          </p:stCondLst>
-                                        </p:cTn>
-                                        <p:tgtEl>
-                                          <p:spTgt spid="301"/>
-                                        </p:tgtEl>
-                                        <p:attrNameLst>
-                                          <p:attrName>style.visibility</p:attrName>
-                                        </p:attrNameLst>
-                                      </p:cBhvr>
-                                      <p:to>
-                                        <p:strVal val="visible"/>
-                                      </p:to>
-                                    </p:set>
-                                    <p:animEffect transition="in" filter="fade">
-                                      <p:cBhvr>
-                                        <p:cTn id="12" dur="1"/>
-                                        <p:tgtEl>
-                                          <p:spTgt spid="301"/>
-                                        </p:tgtEl>
-                                      </p:cBhvr>
-                                    </p:animEffect>
-                                  </p:childTnLst>
-                                </p:cTn>
-                              </p:par>
-                            </p:childTnLst>
-                          </p:cTn>
-                        </p:par>
-                      </p:childTnLst>
-                    </p:cTn>
-                  </p:par>
-                </p:childTnLst>
-              </p:cTn>
-              <p:prevCondLst>
-                <p:cond evt="onPrev" delay="0">
-                  <p:tgtEl>
-                    <p:sldTgt/>
-                  </p:tgtEl>
-                </p:cond>
-              </p:prevCondLst>
-              <p:nextCondLst>
-                <p:cond evt="onNext" delay="0">
-                  <p:tgtEl>
-                    <p:sldTgt/>
-                  </p:tgtEl>
-                </p:cond>
-              </p:nextCondLst>
-            </p:seq>
-          </p:childTnLst>
-        </p:cTn>
-      </p:par>
-    </p:tnLst>
-  </p:timing>
 </p:sld>
 </file>
 
-<file path=ppt/slides/slide5.xml><?xml version="1.0" encoding="utf-8"?>
+<file path=ppt/slides/slide7.xml><?xml version="1.0" encoding="utf-8"?>
 <p:sld xmlns:a="http://schemas.openxmlformats.org/drawingml/2006/main" xmlns:r="http://schemas.openxmlformats.org/officeDocument/2006/relationships" xmlns:p="http://schemas.openxmlformats.org/presentationml/2006/main">
   <p:cSld>
     <p:spTree>
@@ -17151,10 +18672,10 @@
               <a:buNone/>
             </a:pPr>
             <a:r>
-              <a:rPr lang="en"/>
+              <a:rPr lang="en" dirty="0"/>
               <a:t>Example WHILE</a:t>
             </a:r>
-            <a:endParaRPr/>
+            <a:endParaRPr dirty="0"/>
           </a:p>
         </p:txBody>
       </p:sp>
@@ -17193,69 +18714,25 @@
               <a:buNone/>
             </a:pPr>
             <a:r>
-              <a:rPr lang="en"/>
+              <a:rPr lang="en" dirty="0">
+                <a:latin typeface="Courier New" panose="02070309020205020404" pitchFamily="49" charset="0"/>
+              </a:rPr>
               <a:t>sum = i = 0;</a:t>
             </a:r>
             <a:br>
-              <a:rPr lang="en"/>
+              <a:rPr lang="en" dirty="0">
+                <a:latin typeface="Courier New" panose="02070309020205020404" pitchFamily="49" charset="0"/>
+              </a:rPr>
             </a:br>
             <a:r>
-              <a:rPr lang="en"/>
+              <a:rPr lang="en" dirty="0">
+                <a:latin typeface="Courier New" panose="02070309020205020404" pitchFamily="49" charset="0"/>
+              </a:rPr>
               <a:t>while (i &lt; n) sum += arr[i++];</a:t>
             </a:r>
-            <a:endParaRPr/>
-          </a:p>
-        </p:txBody>
-      </p:sp>
-      <p:sp>
-        <p:nvSpPr>
-          <p:cNvPr id="309" name="Google Shape;309;p17"/>
-          <p:cNvSpPr txBox="1">
-            <a:spLocks noGrp="1"/>
-          </p:cNvSpPr>
-          <p:nvPr>
-            <p:ph type="body" idx="2"/>
-          </p:nvPr>
-        </p:nvSpPr>
-        <p:spPr>
-          <a:xfrm>
-            <a:off x="4903650" y="1990050"/>
-            <a:ext cx="3430500" cy="2541600"/>
-          </a:xfrm>
-          <a:prstGeom prst="rect">
-            <a:avLst/>
-          </a:prstGeom>
-        </p:spPr>
-        <p:txBody>
-          <a:bodyPr spcFirstLastPara="1" wrap="square" lIns="91425" tIns="91425" rIns="91425" bIns="91425" anchor="t" anchorCtr="0">
-            <a:noAutofit/>
-          </a:bodyPr>
-          <a:lstStyle/>
-          <a:p>
-            <a:pPr marL="0" lvl="0" indent="0" algn="l" rtl="0">
-              <a:spcBef>
-                <a:spcPts val="0"/>
-              </a:spcBef>
-              <a:spcAft>
-                <a:spcPts val="1600"/>
-              </a:spcAft>
-              <a:buNone/>
-            </a:pPr>
-            <a:r>
-              <a:rPr lang="en"/>
-              <a:t>sum = i = 0;</a:t>
-            </a:r>
-            <a:br>
-              <a:rPr lang="en"/>
-            </a:br>
-            <a:r>
-              <a:rPr lang="en"/>
-              <a:t>while (i &lt; maxIter) sum += (i &lt; n) * arr[i++];</a:t>
-            </a:r>
-            <a:br>
-              <a:rPr lang="en"/>
-            </a:br>
-            <a:endParaRPr/>
+            <a:endParaRPr dirty="0">
+              <a:latin typeface="Courier New" panose="02070309020205020404" pitchFamily="49" charset="0"/>
+            </a:endParaRPr>
           </a:p>
         </p:txBody>
       </p:sp>
@@ -17300,7 +18777,7 @@
             </a:pPr>
             <a:fld id="{00000000-1234-1234-1234-123412341234}" type="slidenum">
               <a:rPr lang="en"/>
-              <a:t>5</a:t>
+              <a:t>7</a:t>
             </a:fld>
             <a:endParaRPr/>
           </a:p>
@@ -17311,146 +18788,248 @@
   <p:clrMapOvr>
     <a:masterClrMapping/>
   </p:clrMapOvr>
-  <p:timing>
-    <p:tnLst>
-      <p:par>
-        <p:cTn id="1" dur="indefinite" restart="never" nodeType="tmRoot">
-          <p:childTnLst>
-            <p:seq concurrent="1" nextAc="seek">
-              <p:cTn id="2" dur="indefinite" nodeType="mainSeq">
-                <p:childTnLst>
-                  <p:par>
-                    <p:cTn id="3" fill="hold">
-                      <p:stCondLst>
-                        <p:cond delay="indefinite"/>
-                      </p:stCondLst>
-                      <p:childTnLst>
-                        <p:par>
-                          <p:cTn id="4" fill="hold">
-                            <p:stCondLst>
-                              <p:cond delay="0"/>
-                            </p:stCondLst>
-                            <p:childTnLst>
-                              <p:par>
-                                <p:cTn id="5" presetID="10" presetClass="entr" presetSubtype="0" fill="hold" nodeType="clickEffect">
-                                  <p:stCondLst>
-                                    <p:cond delay="0"/>
-                                  </p:stCondLst>
-                                  <p:childTnLst>
-                                    <p:set>
-                                      <p:cBhvr>
-                                        <p:cTn id="6" dur="1" fill="hold">
-                                          <p:stCondLst>
-                                            <p:cond delay="0"/>
-                                          </p:stCondLst>
-                                        </p:cTn>
-                                        <p:tgtEl>
-                                          <p:spTgt spid="308"/>
-                                        </p:tgtEl>
-                                        <p:attrNameLst>
-                                          <p:attrName>style.visibility</p:attrName>
-                                        </p:attrNameLst>
-                                      </p:cBhvr>
-                                      <p:to>
-                                        <p:strVal val="visible"/>
-                                      </p:to>
-                                    </p:set>
-                                    <p:animEffect transition="in" filter="fade">
-                                      <p:cBhvr>
-                                        <p:cTn id="7" dur="1"/>
-                                        <p:tgtEl>
-                                          <p:spTgt spid="308"/>
-                                        </p:tgtEl>
-                                      </p:cBhvr>
-                                    </p:animEffect>
-                                  </p:childTnLst>
-                                </p:cTn>
-                              </p:par>
-                            </p:childTnLst>
-                          </p:cTn>
-                        </p:par>
-                      </p:childTnLst>
-                    </p:cTn>
-                  </p:par>
-                  <p:par>
-                    <p:cTn id="8" fill="hold">
-                      <p:stCondLst>
-                        <p:cond delay="indefinite"/>
-                      </p:stCondLst>
-                      <p:childTnLst>
-                        <p:par>
-                          <p:cTn id="9" fill="hold">
-                            <p:stCondLst>
-                              <p:cond delay="0"/>
-                            </p:stCondLst>
-                            <p:childTnLst>
-                              <p:par>
-                                <p:cTn id="10" presetID="10" presetClass="entr" presetSubtype="0" fill="hold" nodeType="clickEffect">
-                                  <p:stCondLst>
-                                    <p:cond delay="0"/>
-                                  </p:stCondLst>
-                                  <p:childTnLst>
-                                    <p:set>
-                                      <p:cBhvr>
-                                        <p:cTn id="11" dur="1" fill="hold">
-                                          <p:stCondLst>
-                                            <p:cond delay="0"/>
-                                          </p:stCondLst>
-                                        </p:cTn>
-                                        <p:tgtEl>
-                                          <p:spTgt spid="309"/>
-                                        </p:tgtEl>
-                                        <p:attrNameLst>
-                                          <p:attrName>style.visibility</p:attrName>
-                                        </p:attrNameLst>
-                                      </p:cBhvr>
-                                      <p:to>
-                                        <p:strVal val="visible"/>
-                                      </p:to>
-                                    </p:set>
-                                    <p:animEffect transition="in" filter="fade">
-                                      <p:cBhvr>
-                                        <p:cTn id="12" dur="1"/>
-                                        <p:tgtEl>
-                                          <p:spTgt spid="309"/>
-                                        </p:tgtEl>
-                                      </p:cBhvr>
-                                    </p:animEffect>
-                                  </p:childTnLst>
-                                </p:cTn>
-                              </p:par>
-                            </p:childTnLst>
-                          </p:cTn>
-                        </p:par>
-                      </p:childTnLst>
-                    </p:cTn>
-                  </p:par>
-                </p:childTnLst>
-              </p:cTn>
-              <p:prevCondLst>
-                <p:cond evt="onPrev" delay="0">
-                  <p:tgtEl>
-                    <p:sldTgt/>
-                  </p:tgtEl>
-                </p:cond>
-              </p:prevCondLst>
-              <p:nextCondLst>
-                <p:cond evt="onNext" delay="0">
-                  <p:tgtEl>
-                    <p:sldTgt/>
-                  </p:tgtEl>
-                </p:cond>
-              </p:nextCondLst>
-            </p:seq>
-          </p:childTnLst>
-        </p:cTn>
-      </p:par>
-    </p:tnLst>
-  </p:timing>
 </p:sld>
 </file>
 
-<file path=ppt/slides/slide6.xml><?xml version="1.0" encoding="utf-8"?>
+<file path=ppt/slides/slide8.xml><?xml version="1.0" encoding="utf-8"?>
+<p:sld xmlns:a="http://schemas.openxmlformats.org/drawingml/2006/main" xmlns:r="http://schemas.openxmlformats.org/officeDocument/2006/relationships" xmlns:p="http://schemas.openxmlformats.org/presentationml/2006/main">
+  <p:cSld>
+    <p:spTree>
+      <p:nvGrpSpPr>
+        <p:cNvPr id="1" name="Shape 306"/>
+        <p:cNvGrpSpPr/>
+        <p:nvPr/>
+      </p:nvGrpSpPr>
+      <p:grpSpPr>
+        <a:xfrm>
+          <a:off x="0" y="0"/>
+          <a:ext cx="0" cy="0"/>
+          <a:chOff x="0" y="0"/>
+          <a:chExt cx="0" cy="0"/>
+        </a:xfrm>
+      </p:grpSpPr>
+      <p:sp>
+        <p:nvSpPr>
+          <p:cNvPr id="307" name="Google Shape;307;p17"/>
+          <p:cNvSpPr txBox="1">
+            <a:spLocks noGrp="1"/>
+          </p:cNvSpPr>
+          <p:nvPr>
+            <p:ph type="title"/>
+          </p:nvPr>
+        </p:nvSpPr>
+        <p:spPr>
+          <a:xfrm>
+            <a:off x="1303800" y="598575"/>
+            <a:ext cx="7030500" cy="999300"/>
+          </a:xfrm>
+          <a:prstGeom prst="rect">
+            <a:avLst/>
+          </a:prstGeom>
+        </p:spPr>
+        <p:txBody>
+          <a:bodyPr spcFirstLastPara="1" wrap="square" lIns="91425" tIns="91425" rIns="91425" bIns="91425" anchor="t" anchorCtr="0">
+            <a:noAutofit/>
+          </a:bodyPr>
+          <a:lstStyle/>
+          <a:p>
+            <a:pPr marL="0" lvl="0" indent="0" algn="l" rtl="0">
+              <a:spcBef>
+                <a:spcPts val="0"/>
+              </a:spcBef>
+              <a:spcAft>
+                <a:spcPts val="0"/>
+              </a:spcAft>
+              <a:buNone/>
+            </a:pPr>
+            <a:r>
+              <a:rPr lang="en" dirty="0"/>
+              <a:t>Example WHILE</a:t>
+            </a:r>
+            <a:endParaRPr dirty="0"/>
+          </a:p>
+        </p:txBody>
+      </p:sp>
+      <p:sp>
+        <p:nvSpPr>
+          <p:cNvPr id="308" name="Google Shape;308;p17"/>
+          <p:cNvSpPr txBox="1">
+            <a:spLocks noGrp="1"/>
+          </p:cNvSpPr>
+          <p:nvPr>
+            <p:ph type="body" idx="1"/>
+          </p:nvPr>
+        </p:nvSpPr>
+        <p:spPr>
+          <a:xfrm>
+            <a:off x="1303800" y="1990050"/>
+            <a:ext cx="3430500" cy="2541600"/>
+          </a:xfrm>
+          <a:prstGeom prst="rect">
+            <a:avLst/>
+          </a:prstGeom>
+        </p:spPr>
+        <p:txBody>
+          <a:bodyPr spcFirstLastPara="1" wrap="square" lIns="91425" tIns="91425" rIns="91425" bIns="91425" anchor="t" anchorCtr="0">
+            <a:noAutofit/>
+          </a:bodyPr>
+          <a:lstStyle/>
+          <a:p>
+            <a:pPr marL="0" lvl="0" indent="0" algn="l" rtl="0">
+              <a:spcBef>
+                <a:spcPts val="0"/>
+              </a:spcBef>
+              <a:spcAft>
+                <a:spcPts val="1600"/>
+              </a:spcAft>
+              <a:buNone/>
+            </a:pPr>
+            <a:r>
+              <a:rPr lang="en" dirty="0">
+                <a:latin typeface="Courier New" panose="02070309020205020404" pitchFamily="49" charset="0"/>
+              </a:rPr>
+              <a:t>sum = i = 0;</a:t>
+            </a:r>
+            <a:br>
+              <a:rPr lang="en" dirty="0">
+                <a:latin typeface="Courier New" panose="02070309020205020404" pitchFamily="49" charset="0"/>
+              </a:rPr>
+            </a:br>
+            <a:r>
+              <a:rPr lang="en" dirty="0">
+                <a:latin typeface="Courier New" panose="02070309020205020404" pitchFamily="49" charset="0"/>
+              </a:rPr>
+              <a:t>while (i &lt; n) sum += arr[i++];</a:t>
+            </a:r>
+            <a:endParaRPr dirty="0">
+              <a:latin typeface="Courier New" panose="02070309020205020404" pitchFamily="49" charset="0"/>
+            </a:endParaRPr>
+          </a:p>
+        </p:txBody>
+      </p:sp>
+      <p:sp>
+        <p:nvSpPr>
+          <p:cNvPr id="309" name="Google Shape;309;p17"/>
+          <p:cNvSpPr txBox="1">
+            <a:spLocks noGrp="1"/>
+          </p:cNvSpPr>
+          <p:nvPr>
+            <p:ph type="body" idx="2"/>
+          </p:nvPr>
+        </p:nvSpPr>
+        <p:spPr>
+          <a:xfrm>
+            <a:off x="3146762" y="3146497"/>
+            <a:ext cx="5187538" cy="2541600"/>
+          </a:xfrm>
+          <a:prstGeom prst="rect">
+            <a:avLst/>
+          </a:prstGeom>
+        </p:spPr>
+        <p:txBody>
+          <a:bodyPr spcFirstLastPara="1" wrap="square" lIns="91425" tIns="91425" rIns="91425" bIns="91425" anchor="t" anchorCtr="0">
+            <a:noAutofit/>
+          </a:bodyPr>
+          <a:lstStyle/>
+          <a:p>
+            <a:pPr marL="0" lvl="0" indent="0" algn="l" rtl="0">
+              <a:spcBef>
+                <a:spcPts val="0"/>
+              </a:spcBef>
+              <a:spcAft>
+                <a:spcPts val="1600"/>
+              </a:spcAft>
+              <a:buNone/>
+            </a:pPr>
+            <a:r>
+              <a:rPr lang="en" dirty="0">
+                <a:latin typeface="Courier New" panose="02070309020205020404" pitchFamily="49" charset="0"/>
+              </a:rPr>
+              <a:t>sum = i = 0;</a:t>
+            </a:r>
+            <a:br>
+              <a:rPr lang="en" dirty="0">
+                <a:latin typeface="Courier New" panose="02070309020205020404" pitchFamily="49" charset="0"/>
+              </a:rPr>
+            </a:br>
+            <a:r>
+              <a:rPr lang="en" dirty="0">
+                <a:latin typeface="Courier New" panose="02070309020205020404" pitchFamily="49" charset="0"/>
+              </a:rPr>
+              <a:t>while (i &lt; maxIter) sum += (i &lt; n) * arr[i++];</a:t>
+            </a:r>
+            <a:br>
+              <a:rPr lang="en" dirty="0">
+                <a:latin typeface="Courier New" panose="02070309020205020404" pitchFamily="49" charset="0"/>
+              </a:rPr>
+            </a:br>
+            <a:endParaRPr dirty="0">
+              <a:latin typeface="Courier New" panose="02070309020205020404" pitchFamily="49" charset="0"/>
+            </a:endParaRPr>
+          </a:p>
+        </p:txBody>
+      </p:sp>
+      <p:sp>
+        <p:nvSpPr>
+          <p:cNvPr id="310" name="Google Shape;310;p17"/>
+          <p:cNvSpPr txBox="1">
+            <a:spLocks noGrp="1"/>
+          </p:cNvSpPr>
+          <p:nvPr>
+            <p:ph type="sldNum" idx="12"/>
+          </p:nvPr>
+        </p:nvSpPr>
+        <p:spPr>
+          <a:xfrm>
+            <a:off x="8451046" y="4736976"/>
+            <a:ext cx="548700" cy="393600"/>
+          </a:xfrm>
+          <a:prstGeom prst="rect">
+            <a:avLst/>
+          </a:prstGeom>
+        </p:spPr>
+        <p:txBody>
+          <a:bodyPr spcFirstLastPara="1" wrap="square" lIns="91425" tIns="91425" rIns="91425" bIns="91425" anchor="ctr" anchorCtr="0">
+            <a:noAutofit/>
+          </a:bodyPr>
+          <a:lstStyle/>
+          <a:p>
+            <a:pPr marL="0" lvl="0" indent="0" algn="r" rtl="0">
+              <a:spcBef>
+                <a:spcPts val="0"/>
+              </a:spcBef>
+              <a:spcAft>
+                <a:spcPts val="0"/>
+              </a:spcAft>
+              <a:buClr>
+                <a:srgbClr val="000000"/>
+              </a:buClr>
+              <a:buSzPts val="1100"/>
+              <a:buFont typeface="Arial"/>
+              <a:buNone/>
+            </a:pPr>
+            <a:fld id="{00000000-1234-1234-1234-123412341234}" type="slidenum">
+              <a:rPr lang="en"/>
+              <a:t>8</a:t>
+            </a:fld>
+            <a:endParaRPr/>
+          </a:p>
+        </p:txBody>
+      </p:sp>
+    </p:spTree>
+    <p:extLst>
+      <p:ext uri="{BB962C8B-B14F-4D97-AF65-F5344CB8AC3E}">
+        <p14:creationId xmlns:p14="http://schemas.microsoft.com/office/powerpoint/2010/main" val="3239845766"/>
+      </p:ext>
+    </p:extLst>
+  </p:cSld>
+  <p:clrMapOvr>
+    <a:masterClrMapping/>
+  </p:clrMapOvr>
+</p:sld>
+</file>
+
+<file path=ppt/slides/slide9.xml><?xml version="1.0" encoding="utf-8"?>
 <p:sld xmlns:a="http://schemas.openxmlformats.org/drawingml/2006/main" xmlns:r="http://schemas.openxmlformats.org/officeDocument/2006/relationships" xmlns:p="http://schemas.openxmlformats.org/presentationml/2006/main">
   <p:cSld>
     <p:spTree>
@@ -17544,10 +19123,14 @@
               <a:buNone/>
             </a:pPr>
             <a:r>
-              <a:rPr lang="en"/>
+              <a:rPr lang="en" dirty="0">
+                <a:latin typeface="Courier New" panose="02070309020205020404" pitchFamily="49" charset="0"/>
+              </a:rPr>
               <a:t>int a[10];</a:t>
             </a:r>
-            <a:endParaRPr/>
+            <a:endParaRPr dirty="0">
+              <a:latin typeface="Courier New" panose="02070309020205020404" pitchFamily="49" charset="0"/>
+            </a:endParaRPr>
           </a:p>
           <a:p>
             <a:pPr marL="0" lvl="0" indent="0" algn="l" rtl="0">
@@ -17560,10 +19143,14 @@
               <a:buNone/>
             </a:pPr>
             <a:r>
-              <a:rPr lang="en"/>
+              <a:rPr lang="en" dirty="0">
+                <a:latin typeface="Courier New" panose="02070309020205020404" pitchFamily="49" charset="0"/>
+              </a:rPr>
               <a:t>int i=3;</a:t>
             </a:r>
-            <a:endParaRPr/>
+            <a:endParaRPr dirty="0">
+              <a:latin typeface="Courier New" panose="02070309020205020404" pitchFamily="49" charset="0"/>
+            </a:endParaRPr>
           </a:p>
           <a:p>
             <a:pPr marL="0" lvl="0" indent="0" algn="l" rtl="0">
@@ -17576,87 +19163,14 @@
               <a:buNone/>
             </a:pPr>
             <a:r>
-              <a:rPr lang="en"/>
+              <a:rPr lang="en" dirty="0">
+                <a:latin typeface="Courier New" panose="02070309020205020404" pitchFamily="49" charset="0"/>
+              </a:rPr>
               <a:t>int b = a[i];</a:t>
             </a:r>
-            <a:endParaRPr/>
-          </a:p>
-        </p:txBody>
-      </p:sp>
-      <p:sp>
-        <p:nvSpPr>
-          <p:cNvPr id="317" name="Google Shape;317;p18"/>
-          <p:cNvSpPr txBox="1">
-            <a:spLocks noGrp="1"/>
-          </p:cNvSpPr>
-          <p:nvPr>
-            <p:ph type="body" idx="2"/>
-          </p:nvPr>
-        </p:nvSpPr>
-        <p:spPr>
-          <a:xfrm>
-            <a:off x="4903650" y="1990050"/>
-            <a:ext cx="3430500" cy="2541600"/>
-          </a:xfrm>
-          <a:prstGeom prst="rect">
-            <a:avLst/>
-          </a:prstGeom>
-        </p:spPr>
-        <p:txBody>
-          <a:bodyPr spcFirstLastPara="1" wrap="square" lIns="91425" tIns="91425" rIns="91425" bIns="91425" anchor="t" anchorCtr="0">
-            <a:noAutofit/>
-          </a:bodyPr>
-          <a:lstStyle/>
-          <a:p>
-            <a:pPr marL="0" lvl="0" indent="0" algn="l" rtl="0">
-              <a:spcBef>
-                <a:spcPts val="0"/>
-              </a:spcBef>
-              <a:spcAft>
-                <a:spcPts val="0"/>
-              </a:spcAft>
-              <a:buNone/>
-            </a:pPr>
-            <a:r>
-              <a:rPr lang="en"/>
-              <a:t>Secure b = 0;</a:t>
-            </a:r>
-            <a:endParaRPr/>
-          </a:p>
-          <a:p>
-            <a:pPr marL="0" lvl="0" indent="0" algn="l" rtl="0">
-              <a:spcBef>
-                <a:spcPts val="1600"/>
-              </a:spcBef>
-              <a:spcAft>
-                <a:spcPts val="0"/>
-              </a:spcAft>
-              <a:buNone/>
-            </a:pPr>
-            <a:r>
-              <a:rPr lang="en"/>
-              <a:t>Secure i = 3;</a:t>
-            </a:r>
-            <a:endParaRPr/>
-          </a:p>
-          <a:p>
-            <a:pPr marL="0" lvl="0" indent="0" algn="l" rtl="0">
-              <a:spcBef>
-                <a:spcPts val="1600"/>
-              </a:spcBef>
-              <a:spcAft>
-                <a:spcPts val="1600"/>
-              </a:spcAft>
-              <a:buNone/>
-            </a:pPr>
-            <a:r>
-              <a:rPr lang="en"/>
-              <a:t>for( int j=0; j&lt;10; j++ ) b += a[j]*(i==j);</a:t>
-            </a:r>
-            <a:br>
-              <a:rPr lang="en"/>
-            </a:br>
-            <a:endParaRPr/>
+            <a:endParaRPr dirty="0">
+              <a:latin typeface="Courier New" panose="02070309020205020404" pitchFamily="49" charset="0"/>
+            </a:endParaRPr>
           </a:p>
         </p:txBody>
       </p:sp>
@@ -17701,1179 +19215,6 @@
             </a:pPr>
             <a:fld id="{00000000-1234-1234-1234-123412341234}" type="slidenum">
               <a:rPr lang="en"/>
-              <a:t>6</a:t>
-            </a:fld>
-            <a:endParaRPr/>
-          </a:p>
-        </p:txBody>
-      </p:sp>
-    </p:spTree>
-  </p:cSld>
-  <p:clrMapOvr>
-    <a:masterClrMapping/>
-  </p:clrMapOvr>
-  <p:timing>
-    <p:tnLst>
-      <p:par>
-        <p:cTn id="1" dur="indefinite" restart="never" nodeType="tmRoot">
-          <p:childTnLst>
-            <p:seq concurrent="1" nextAc="seek">
-              <p:cTn id="2" dur="indefinite" nodeType="mainSeq">
-                <p:childTnLst>
-                  <p:par>
-                    <p:cTn id="3" fill="hold">
-                      <p:stCondLst>
-                        <p:cond delay="indefinite"/>
-                      </p:stCondLst>
-                      <p:childTnLst>
-                        <p:par>
-                          <p:cTn id="4" fill="hold">
-                            <p:stCondLst>
-                              <p:cond delay="0"/>
-                            </p:stCondLst>
-                            <p:childTnLst>
-                              <p:par>
-                                <p:cTn id="5" presetID="10" presetClass="entr" presetSubtype="0" fill="hold" nodeType="clickEffect">
-                                  <p:stCondLst>
-                                    <p:cond delay="0"/>
-                                  </p:stCondLst>
-                                  <p:childTnLst>
-                                    <p:set>
-                                      <p:cBhvr>
-                                        <p:cTn id="6" dur="1" fill="hold">
-                                          <p:stCondLst>
-                                            <p:cond delay="0"/>
-                                          </p:stCondLst>
-                                        </p:cTn>
-                                        <p:tgtEl>
-                                          <p:spTgt spid="316"/>
-                                        </p:tgtEl>
-                                        <p:attrNameLst>
-                                          <p:attrName>style.visibility</p:attrName>
-                                        </p:attrNameLst>
-                                      </p:cBhvr>
-                                      <p:to>
-                                        <p:strVal val="visible"/>
-                                      </p:to>
-                                    </p:set>
-                                    <p:animEffect transition="in" filter="fade">
-                                      <p:cBhvr>
-                                        <p:cTn id="7" dur="1"/>
-                                        <p:tgtEl>
-                                          <p:spTgt spid="316"/>
-                                        </p:tgtEl>
-                                      </p:cBhvr>
-                                    </p:animEffect>
-                                  </p:childTnLst>
-                                </p:cTn>
-                              </p:par>
-                            </p:childTnLst>
-                          </p:cTn>
-                        </p:par>
-                      </p:childTnLst>
-                    </p:cTn>
-                  </p:par>
-                  <p:par>
-                    <p:cTn id="8" fill="hold">
-                      <p:stCondLst>
-                        <p:cond delay="indefinite"/>
-                      </p:stCondLst>
-                      <p:childTnLst>
-                        <p:par>
-                          <p:cTn id="9" fill="hold">
-                            <p:stCondLst>
-                              <p:cond delay="0"/>
-                            </p:stCondLst>
-                            <p:childTnLst>
-                              <p:par>
-                                <p:cTn id="10" presetID="10" presetClass="entr" presetSubtype="0" fill="hold" nodeType="clickEffect">
-                                  <p:stCondLst>
-                                    <p:cond delay="0"/>
-                                  </p:stCondLst>
-                                  <p:childTnLst>
-                                    <p:set>
-                                      <p:cBhvr>
-                                        <p:cTn id="11" dur="1" fill="hold">
-                                          <p:stCondLst>
-                                            <p:cond delay="0"/>
-                                          </p:stCondLst>
-                                        </p:cTn>
-                                        <p:tgtEl>
-                                          <p:spTgt spid="317"/>
-                                        </p:tgtEl>
-                                        <p:attrNameLst>
-                                          <p:attrName>style.visibility</p:attrName>
-                                        </p:attrNameLst>
-                                      </p:cBhvr>
-                                      <p:to>
-                                        <p:strVal val="visible"/>
-                                      </p:to>
-                                    </p:set>
-                                    <p:animEffect transition="in" filter="fade">
-                                      <p:cBhvr>
-                                        <p:cTn id="12" dur="1"/>
-                                        <p:tgtEl>
-                                          <p:spTgt spid="317"/>
-                                        </p:tgtEl>
-                                      </p:cBhvr>
-                                    </p:animEffect>
-                                  </p:childTnLst>
-                                </p:cTn>
-                              </p:par>
-                            </p:childTnLst>
-                          </p:cTn>
-                        </p:par>
-                      </p:childTnLst>
-                    </p:cTn>
-                  </p:par>
-                </p:childTnLst>
-              </p:cTn>
-              <p:prevCondLst>
-                <p:cond evt="onPrev" delay="0">
-                  <p:tgtEl>
-                    <p:sldTgt/>
-                  </p:tgtEl>
-                </p:cond>
-              </p:prevCondLst>
-              <p:nextCondLst>
-                <p:cond evt="onNext" delay="0">
-                  <p:tgtEl>
-                    <p:sldTgt/>
-                  </p:tgtEl>
-                </p:cond>
-              </p:nextCondLst>
-            </p:seq>
-          </p:childTnLst>
-        </p:cTn>
-      </p:par>
-    </p:tnLst>
-  </p:timing>
-</p:sld>
-</file>
-
-<file path=ppt/slides/slide7.xml><?xml version="1.0" encoding="utf-8"?>
-<p:sld xmlns:a="http://schemas.openxmlformats.org/drawingml/2006/main" xmlns:r="http://schemas.openxmlformats.org/officeDocument/2006/relationships" xmlns:p="http://schemas.openxmlformats.org/presentationml/2006/main">
-  <p:cSld>
-    <p:spTree>
-      <p:nvGrpSpPr>
-        <p:cNvPr id="1" name="Shape 322"/>
-        <p:cNvGrpSpPr/>
-        <p:nvPr/>
-      </p:nvGrpSpPr>
-      <p:grpSpPr>
-        <a:xfrm>
-          <a:off x="0" y="0"/>
-          <a:ext cx="0" cy="0"/>
-          <a:chOff x="0" y="0"/>
-          <a:chExt cx="0" cy="0"/>
-        </a:xfrm>
-      </p:grpSpPr>
-      <p:sp>
-        <p:nvSpPr>
-          <p:cNvPr id="323" name="Google Shape;323;p19"/>
-          <p:cNvSpPr txBox="1">
-            <a:spLocks noGrp="1"/>
-          </p:cNvSpPr>
-          <p:nvPr>
-            <p:ph type="title"/>
-          </p:nvPr>
-        </p:nvSpPr>
-        <p:spPr>
-          <a:xfrm>
-            <a:off x="1303800" y="598575"/>
-            <a:ext cx="7030500" cy="999300"/>
-          </a:xfrm>
-          <a:prstGeom prst="rect">
-            <a:avLst/>
-          </a:prstGeom>
-        </p:spPr>
-        <p:txBody>
-          <a:bodyPr spcFirstLastPara="1" wrap="square" lIns="91425" tIns="91425" rIns="91425" bIns="91425" anchor="t" anchorCtr="0">
-            <a:noAutofit/>
-          </a:bodyPr>
-          <a:lstStyle/>
-          <a:p>
-            <a:pPr marL="0" lvl="0" indent="0" algn="l" rtl="0">
-              <a:spcBef>
-                <a:spcPts val="0"/>
-              </a:spcBef>
-              <a:spcAft>
-                <a:spcPts val="0"/>
-              </a:spcAft>
-              <a:buNone/>
-            </a:pPr>
-            <a:r>
-              <a:rPr lang="en"/>
-              <a:t>Problem 1</a:t>
-            </a:r>
-            <a:endParaRPr/>
-          </a:p>
-        </p:txBody>
-      </p:sp>
-      <p:sp>
-        <p:nvSpPr>
-          <p:cNvPr id="324" name="Google Shape;324;p19"/>
-          <p:cNvSpPr txBox="1">
-            <a:spLocks noGrp="1"/>
-          </p:cNvSpPr>
-          <p:nvPr>
-            <p:ph type="body" idx="1"/>
-          </p:nvPr>
-        </p:nvSpPr>
-        <p:spPr>
-          <a:xfrm>
-            <a:off x="1303800" y="1990050"/>
-            <a:ext cx="3430500" cy="2541600"/>
-          </a:xfrm>
-          <a:prstGeom prst="rect">
-            <a:avLst/>
-          </a:prstGeom>
-        </p:spPr>
-        <p:txBody>
-          <a:bodyPr spcFirstLastPara="1" wrap="square" lIns="91425" tIns="91425" rIns="91425" bIns="91425" anchor="t" anchorCtr="0">
-            <a:noAutofit/>
-          </a:bodyPr>
-          <a:lstStyle/>
-          <a:p>
-            <a:pPr marL="0" lvl="0" indent="0" algn="l" rtl="0">
-              <a:spcBef>
-                <a:spcPts val="0"/>
-              </a:spcBef>
-              <a:spcAft>
-                <a:spcPts val="0"/>
-              </a:spcAft>
-              <a:buNone/>
-            </a:pPr>
-            <a:r>
-              <a:rPr lang="en"/>
-              <a:t>int a[10] = {...};</a:t>
-            </a:r>
-            <a:endParaRPr/>
-          </a:p>
-          <a:p>
-            <a:pPr marL="0" lvl="0" indent="0" algn="l" rtl="0">
-              <a:spcBef>
-                <a:spcPts val="1600"/>
-              </a:spcBef>
-              <a:spcAft>
-                <a:spcPts val="0"/>
-              </a:spcAft>
-              <a:buNone/>
-            </a:pPr>
-            <a:r>
-              <a:rPr lang="en"/>
-              <a:t>int b = MIN;</a:t>
-            </a:r>
-            <a:endParaRPr/>
-          </a:p>
-          <a:p>
-            <a:pPr marL="0" lvl="0" indent="0" algn="l" rtl="0">
-              <a:spcBef>
-                <a:spcPts val="1600"/>
-              </a:spcBef>
-              <a:spcAft>
-                <a:spcPts val="1600"/>
-              </a:spcAft>
-              <a:buNone/>
-            </a:pPr>
-            <a:r>
-              <a:rPr lang="en"/>
-              <a:t>for( int x : a) if( x&gt;b) b=x;</a:t>
-            </a:r>
-            <a:endParaRPr/>
-          </a:p>
-        </p:txBody>
-      </p:sp>
-      <p:sp>
-        <p:nvSpPr>
-          <p:cNvPr id="325" name="Google Shape;325;p19"/>
-          <p:cNvSpPr txBox="1">
-            <a:spLocks noGrp="1"/>
-          </p:cNvSpPr>
-          <p:nvPr>
-            <p:ph type="body" idx="2"/>
-          </p:nvPr>
-        </p:nvSpPr>
-        <p:spPr>
-          <a:xfrm>
-            <a:off x="4903650" y="1990050"/>
-            <a:ext cx="3430500" cy="2541600"/>
-          </a:xfrm>
-          <a:prstGeom prst="rect">
-            <a:avLst/>
-          </a:prstGeom>
-        </p:spPr>
-        <p:txBody>
-          <a:bodyPr spcFirstLastPara="1" wrap="square" lIns="91425" tIns="91425" rIns="91425" bIns="91425" anchor="t" anchorCtr="0">
-            <a:noAutofit/>
-          </a:bodyPr>
-          <a:lstStyle/>
-          <a:p>
-            <a:pPr marL="0" lvl="0" indent="0" algn="l" rtl="0">
-              <a:spcBef>
-                <a:spcPts val="0"/>
-              </a:spcBef>
-              <a:spcAft>
-                <a:spcPts val="1600"/>
-              </a:spcAft>
-              <a:buNone/>
-            </a:pPr>
-            <a:r>
-              <a:rPr lang="en"/>
-              <a:t>?</a:t>
-            </a:r>
-            <a:endParaRPr/>
-          </a:p>
-        </p:txBody>
-      </p:sp>
-      <p:sp>
-        <p:nvSpPr>
-          <p:cNvPr id="326" name="Google Shape;326;p19"/>
-          <p:cNvSpPr txBox="1">
-            <a:spLocks noGrp="1"/>
-          </p:cNvSpPr>
-          <p:nvPr>
-            <p:ph type="sldNum" idx="12"/>
-          </p:nvPr>
-        </p:nvSpPr>
-        <p:spPr>
-          <a:xfrm>
-            <a:off x="8451046" y="4736976"/>
-            <a:ext cx="548700" cy="393600"/>
-          </a:xfrm>
-          <a:prstGeom prst="rect">
-            <a:avLst/>
-          </a:prstGeom>
-        </p:spPr>
-        <p:txBody>
-          <a:bodyPr spcFirstLastPara="1" wrap="square" lIns="91425" tIns="91425" rIns="91425" bIns="91425" anchor="ctr" anchorCtr="0">
-            <a:noAutofit/>
-          </a:bodyPr>
-          <a:lstStyle/>
-          <a:p>
-            <a:pPr marL="0" lvl="0" indent="0" algn="r" rtl="0">
-              <a:spcBef>
-                <a:spcPts val="0"/>
-              </a:spcBef>
-              <a:spcAft>
-                <a:spcPts val="0"/>
-              </a:spcAft>
-              <a:buClr>
-                <a:srgbClr val="000000"/>
-              </a:buClr>
-              <a:buSzPts val="1100"/>
-              <a:buFont typeface="Arial"/>
-              <a:buNone/>
-            </a:pPr>
-            <a:fld id="{00000000-1234-1234-1234-123412341234}" type="slidenum">
-              <a:rPr lang="en"/>
-              <a:t>7</a:t>
-            </a:fld>
-            <a:endParaRPr/>
-          </a:p>
-        </p:txBody>
-      </p:sp>
-    </p:spTree>
-  </p:cSld>
-  <p:clrMapOvr>
-    <a:masterClrMapping/>
-  </p:clrMapOvr>
-  <p:timing>
-    <p:tnLst>
-      <p:par>
-        <p:cTn id="1" dur="indefinite" restart="never" nodeType="tmRoot">
-          <p:childTnLst>
-            <p:seq concurrent="1" nextAc="seek">
-              <p:cTn id="2" dur="indefinite" nodeType="mainSeq">
-                <p:childTnLst>
-                  <p:par>
-                    <p:cTn id="3" fill="hold">
-                      <p:stCondLst>
-                        <p:cond delay="indefinite"/>
-                      </p:stCondLst>
-                      <p:childTnLst>
-                        <p:par>
-                          <p:cTn id="4" fill="hold">
-                            <p:stCondLst>
-                              <p:cond delay="0"/>
-                            </p:stCondLst>
-                            <p:childTnLst>
-                              <p:par>
-                                <p:cTn id="5" presetID="10" presetClass="entr" presetSubtype="0" fill="hold" nodeType="clickEffect">
-                                  <p:stCondLst>
-                                    <p:cond delay="0"/>
-                                  </p:stCondLst>
-                                  <p:childTnLst>
-                                    <p:set>
-                                      <p:cBhvr>
-                                        <p:cTn id="6" dur="1" fill="hold">
-                                          <p:stCondLst>
-                                            <p:cond delay="0"/>
-                                          </p:stCondLst>
-                                        </p:cTn>
-                                        <p:tgtEl>
-                                          <p:spTgt spid="324"/>
-                                        </p:tgtEl>
-                                        <p:attrNameLst>
-                                          <p:attrName>style.visibility</p:attrName>
-                                        </p:attrNameLst>
-                                      </p:cBhvr>
-                                      <p:to>
-                                        <p:strVal val="visible"/>
-                                      </p:to>
-                                    </p:set>
-                                    <p:animEffect transition="in" filter="fade">
-                                      <p:cBhvr>
-                                        <p:cTn id="7" dur="1"/>
-                                        <p:tgtEl>
-                                          <p:spTgt spid="324"/>
-                                        </p:tgtEl>
-                                      </p:cBhvr>
-                                    </p:animEffect>
-                                  </p:childTnLst>
-                                </p:cTn>
-                              </p:par>
-                            </p:childTnLst>
-                          </p:cTn>
-                        </p:par>
-                      </p:childTnLst>
-                    </p:cTn>
-                  </p:par>
-                  <p:par>
-                    <p:cTn id="8" fill="hold">
-                      <p:stCondLst>
-                        <p:cond delay="indefinite"/>
-                      </p:stCondLst>
-                      <p:childTnLst>
-                        <p:par>
-                          <p:cTn id="9" fill="hold">
-                            <p:stCondLst>
-                              <p:cond delay="0"/>
-                            </p:stCondLst>
-                            <p:childTnLst>
-                              <p:par>
-                                <p:cTn id="10" presetID="10" presetClass="entr" presetSubtype="0" fill="hold" nodeType="clickEffect">
-                                  <p:stCondLst>
-                                    <p:cond delay="0"/>
-                                  </p:stCondLst>
-                                  <p:childTnLst>
-                                    <p:set>
-                                      <p:cBhvr>
-                                        <p:cTn id="11" dur="1" fill="hold">
-                                          <p:stCondLst>
-                                            <p:cond delay="0"/>
-                                          </p:stCondLst>
-                                        </p:cTn>
-                                        <p:tgtEl>
-                                          <p:spTgt spid="325"/>
-                                        </p:tgtEl>
-                                        <p:attrNameLst>
-                                          <p:attrName>style.visibility</p:attrName>
-                                        </p:attrNameLst>
-                                      </p:cBhvr>
-                                      <p:to>
-                                        <p:strVal val="visible"/>
-                                      </p:to>
-                                    </p:set>
-                                    <p:animEffect transition="in" filter="fade">
-                                      <p:cBhvr>
-                                        <p:cTn id="12" dur="1"/>
-                                        <p:tgtEl>
-                                          <p:spTgt spid="325"/>
-                                        </p:tgtEl>
-                                      </p:cBhvr>
-                                    </p:animEffect>
-                                  </p:childTnLst>
-                                </p:cTn>
-                              </p:par>
-                            </p:childTnLst>
-                          </p:cTn>
-                        </p:par>
-                      </p:childTnLst>
-                    </p:cTn>
-                  </p:par>
-                </p:childTnLst>
-              </p:cTn>
-              <p:prevCondLst>
-                <p:cond evt="onPrev" delay="0">
-                  <p:tgtEl>
-                    <p:sldTgt/>
-                  </p:tgtEl>
-                </p:cond>
-              </p:prevCondLst>
-              <p:nextCondLst>
-                <p:cond evt="onNext" delay="0">
-                  <p:tgtEl>
-                    <p:sldTgt/>
-                  </p:tgtEl>
-                </p:cond>
-              </p:nextCondLst>
-            </p:seq>
-          </p:childTnLst>
-        </p:cTn>
-      </p:par>
-    </p:tnLst>
-  </p:timing>
-</p:sld>
-</file>
-
-<file path=ppt/slides/slide8.xml><?xml version="1.0" encoding="utf-8"?>
-<p:sld xmlns:a="http://schemas.openxmlformats.org/drawingml/2006/main" xmlns:r="http://schemas.openxmlformats.org/officeDocument/2006/relationships" xmlns:p="http://schemas.openxmlformats.org/presentationml/2006/main">
-  <p:cSld>
-    <p:spTree>
-      <p:nvGrpSpPr>
-        <p:cNvPr id="1" name="Shape 330"/>
-        <p:cNvGrpSpPr/>
-        <p:nvPr/>
-      </p:nvGrpSpPr>
-      <p:grpSpPr>
-        <a:xfrm>
-          <a:off x="0" y="0"/>
-          <a:ext cx="0" cy="0"/>
-          <a:chOff x="0" y="0"/>
-          <a:chExt cx="0" cy="0"/>
-        </a:xfrm>
-      </p:grpSpPr>
-      <p:sp>
-        <p:nvSpPr>
-          <p:cNvPr id="331" name="Google Shape;331;p20"/>
-          <p:cNvSpPr txBox="1">
-            <a:spLocks noGrp="1"/>
-          </p:cNvSpPr>
-          <p:nvPr>
-            <p:ph type="title"/>
-          </p:nvPr>
-        </p:nvSpPr>
-        <p:spPr>
-          <a:xfrm>
-            <a:off x="1303800" y="598575"/>
-            <a:ext cx="7030500" cy="999300"/>
-          </a:xfrm>
-          <a:prstGeom prst="rect">
-            <a:avLst/>
-          </a:prstGeom>
-        </p:spPr>
-        <p:txBody>
-          <a:bodyPr spcFirstLastPara="1" wrap="square" lIns="91425" tIns="91425" rIns="91425" bIns="91425" anchor="t" anchorCtr="0">
-            <a:noAutofit/>
-          </a:bodyPr>
-          <a:lstStyle/>
-          <a:p>
-            <a:pPr marL="0" lvl="0" indent="0" algn="l" rtl="0">
-              <a:spcBef>
-                <a:spcPts val="0"/>
-              </a:spcBef>
-              <a:spcAft>
-                <a:spcPts val="0"/>
-              </a:spcAft>
-              <a:buNone/>
-            </a:pPr>
-            <a:r>
-              <a:rPr lang="en"/>
-              <a:t>Problem 1 solution</a:t>
-            </a:r>
-            <a:endParaRPr/>
-          </a:p>
-        </p:txBody>
-      </p:sp>
-      <p:sp>
-        <p:nvSpPr>
-          <p:cNvPr id="332" name="Google Shape;332;p20"/>
-          <p:cNvSpPr txBox="1">
-            <a:spLocks noGrp="1"/>
-          </p:cNvSpPr>
-          <p:nvPr>
-            <p:ph type="body" idx="1"/>
-          </p:nvPr>
-        </p:nvSpPr>
-        <p:spPr>
-          <a:xfrm>
-            <a:off x="1303800" y="1990050"/>
-            <a:ext cx="3430500" cy="2541600"/>
-          </a:xfrm>
-          <a:prstGeom prst="rect">
-            <a:avLst/>
-          </a:prstGeom>
-        </p:spPr>
-        <p:txBody>
-          <a:bodyPr spcFirstLastPara="1" wrap="square" lIns="91425" tIns="91425" rIns="91425" bIns="91425" anchor="t" anchorCtr="0">
-            <a:noAutofit/>
-          </a:bodyPr>
-          <a:lstStyle/>
-          <a:p>
-            <a:pPr marL="0" lvl="0" indent="0" algn="l" rtl="0">
-              <a:spcBef>
-                <a:spcPts val="0"/>
-              </a:spcBef>
-              <a:spcAft>
-                <a:spcPts val="0"/>
-              </a:spcAft>
-              <a:buNone/>
-            </a:pPr>
-            <a:r>
-              <a:rPr lang="en"/>
-              <a:t>int a[10] = {...};</a:t>
-            </a:r>
-            <a:endParaRPr/>
-          </a:p>
-          <a:p>
-            <a:pPr marL="0" lvl="0" indent="0" algn="l" rtl="0">
-              <a:spcBef>
-                <a:spcPts val="1600"/>
-              </a:spcBef>
-              <a:spcAft>
-                <a:spcPts val="0"/>
-              </a:spcAft>
-              <a:buNone/>
-            </a:pPr>
-            <a:r>
-              <a:rPr lang="en"/>
-              <a:t>int b = MIN;</a:t>
-            </a:r>
-            <a:endParaRPr/>
-          </a:p>
-          <a:p>
-            <a:pPr marL="0" lvl="0" indent="0" algn="l" rtl="0">
-              <a:spcBef>
-                <a:spcPts val="1600"/>
-              </a:spcBef>
-              <a:spcAft>
-                <a:spcPts val="1600"/>
-              </a:spcAft>
-              <a:buNone/>
-            </a:pPr>
-            <a:r>
-              <a:rPr lang="en"/>
-              <a:t>for( int x : a) if( x&gt;b) b=x;</a:t>
-            </a:r>
-            <a:endParaRPr/>
-          </a:p>
-        </p:txBody>
-      </p:sp>
-      <p:sp>
-        <p:nvSpPr>
-          <p:cNvPr id="333" name="Google Shape;333;p20"/>
-          <p:cNvSpPr txBox="1">
-            <a:spLocks noGrp="1"/>
-          </p:cNvSpPr>
-          <p:nvPr>
-            <p:ph type="body" idx="2"/>
-          </p:nvPr>
-        </p:nvSpPr>
-        <p:spPr>
-          <a:xfrm>
-            <a:off x="4903650" y="1990050"/>
-            <a:ext cx="3430500" cy="2541600"/>
-          </a:xfrm>
-          <a:prstGeom prst="rect">
-            <a:avLst/>
-          </a:prstGeom>
-        </p:spPr>
-        <p:txBody>
-          <a:bodyPr spcFirstLastPara="1" wrap="square" lIns="91425" tIns="91425" rIns="91425" bIns="91425" anchor="t" anchorCtr="0">
-            <a:noAutofit/>
-          </a:bodyPr>
-          <a:lstStyle/>
-          <a:p>
-            <a:pPr marL="0" lvl="0" indent="0" algn="l" rtl="0">
-              <a:spcBef>
-                <a:spcPts val="0"/>
-              </a:spcBef>
-              <a:spcAft>
-                <a:spcPts val="0"/>
-              </a:spcAft>
-              <a:buNone/>
-            </a:pPr>
-            <a:r>
-              <a:rPr lang="en"/>
-              <a:t>for( sec x : a )</a:t>
-            </a:r>
-            <a:endParaRPr/>
-          </a:p>
-          <a:p>
-            <a:pPr marL="0" lvl="0" indent="0" algn="l" rtl="0">
-              <a:spcBef>
-                <a:spcPts val="1600"/>
-              </a:spcBef>
-              <a:spcAft>
-                <a:spcPts val="0"/>
-              </a:spcAft>
-              <a:buNone/>
-            </a:pPr>
-            <a:r>
-              <a:rPr lang="en"/>
-              <a:t>{</a:t>
-            </a:r>
-            <a:endParaRPr/>
-          </a:p>
-          <a:p>
-            <a:pPr marL="0" lvl="0" indent="0" algn="l" rtl="0">
-              <a:spcBef>
-                <a:spcPts val="1600"/>
-              </a:spcBef>
-              <a:spcAft>
-                <a:spcPts val="0"/>
-              </a:spcAft>
-              <a:buNone/>
-            </a:pPr>
-            <a:r>
-              <a:rPr lang="en"/>
-              <a:t>	k=x&gt;b;</a:t>
-            </a:r>
-            <a:endParaRPr/>
-          </a:p>
-          <a:p>
-            <a:pPr marL="0" lvl="0" indent="0" algn="l" rtl="0">
-              <a:spcBef>
-                <a:spcPts val="1600"/>
-              </a:spcBef>
-              <a:spcAft>
-                <a:spcPts val="0"/>
-              </a:spcAft>
-              <a:buNone/>
-            </a:pPr>
-            <a:r>
-              <a:rPr lang="en"/>
-              <a:t>	b=k*x+(1-k)*b</a:t>
-            </a:r>
-            <a:endParaRPr/>
-          </a:p>
-          <a:p>
-            <a:pPr marL="0" lvl="0" indent="0" algn="l" rtl="0">
-              <a:spcBef>
-                <a:spcPts val="1600"/>
-              </a:spcBef>
-              <a:spcAft>
-                <a:spcPts val="1600"/>
-              </a:spcAft>
-              <a:buNone/>
-            </a:pPr>
-            <a:r>
-              <a:rPr lang="en"/>
-              <a:t>}</a:t>
-            </a:r>
-            <a:endParaRPr/>
-          </a:p>
-        </p:txBody>
-      </p:sp>
-      <p:sp>
-        <p:nvSpPr>
-          <p:cNvPr id="334" name="Google Shape;334;p20"/>
-          <p:cNvSpPr txBox="1">
-            <a:spLocks noGrp="1"/>
-          </p:cNvSpPr>
-          <p:nvPr>
-            <p:ph type="sldNum" idx="12"/>
-          </p:nvPr>
-        </p:nvSpPr>
-        <p:spPr>
-          <a:xfrm>
-            <a:off x="8451046" y="4736976"/>
-            <a:ext cx="548700" cy="393600"/>
-          </a:xfrm>
-          <a:prstGeom prst="rect">
-            <a:avLst/>
-          </a:prstGeom>
-        </p:spPr>
-        <p:txBody>
-          <a:bodyPr spcFirstLastPara="1" wrap="square" lIns="91425" tIns="91425" rIns="91425" bIns="91425" anchor="ctr" anchorCtr="0">
-            <a:noAutofit/>
-          </a:bodyPr>
-          <a:lstStyle/>
-          <a:p>
-            <a:pPr marL="0" lvl="0" indent="0" algn="r" rtl="0">
-              <a:spcBef>
-                <a:spcPts val="0"/>
-              </a:spcBef>
-              <a:spcAft>
-                <a:spcPts val="0"/>
-              </a:spcAft>
-              <a:buClr>
-                <a:srgbClr val="000000"/>
-              </a:buClr>
-              <a:buSzPts val="1100"/>
-              <a:buFont typeface="Arial"/>
-              <a:buNone/>
-            </a:pPr>
-            <a:fld id="{00000000-1234-1234-1234-123412341234}" type="slidenum">
-              <a:rPr lang="en"/>
-              <a:t>8</a:t>
-            </a:fld>
-            <a:endParaRPr/>
-          </a:p>
-        </p:txBody>
-      </p:sp>
-    </p:spTree>
-  </p:cSld>
-  <p:clrMapOvr>
-    <a:masterClrMapping/>
-  </p:clrMapOvr>
-  <p:timing>
-    <p:tnLst>
-      <p:par>
-        <p:cTn id="1" dur="indefinite" restart="never" nodeType="tmRoot">
-          <p:childTnLst>
-            <p:seq concurrent="1" nextAc="seek">
-              <p:cTn id="2" dur="indefinite" nodeType="mainSeq">
-                <p:childTnLst>
-                  <p:par>
-                    <p:cTn id="3" fill="hold">
-                      <p:stCondLst>
-                        <p:cond delay="indefinite"/>
-                      </p:stCondLst>
-                      <p:childTnLst>
-                        <p:par>
-                          <p:cTn id="4" fill="hold">
-                            <p:stCondLst>
-                              <p:cond delay="0"/>
-                            </p:stCondLst>
-                            <p:childTnLst>
-                              <p:par>
-                                <p:cTn id="5" presetID="10" presetClass="entr" presetSubtype="0" fill="hold" nodeType="clickEffect">
-                                  <p:stCondLst>
-                                    <p:cond delay="0"/>
-                                  </p:stCondLst>
-                                  <p:childTnLst>
-                                    <p:set>
-                                      <p:cBhvr>
-                                        <p:cTn id="6" dur="1" fill="hold">
-                                          <p:stCondLst>
-                                            <p:cond delay="0"/>
-                                          </p:stCondLst>
-                                        </p:cTn>
-                                        <p:tgtEl>
-                                          <p:spTgt spid="332"/>
-                                        </p:tgtEl>
-                                        <p:attrNameLst>
-                                          <p:attrName>style.visibility</p:attrName>
-                                        </p:attrNameLst>
-                                      </p:cBhvr>
-                                      <p:to>
-                                        <p:strVal val="visible"/>
-                                      </p:to>
-                                    </p:set>
-                                    <p:animEffect transition="in" filter="fade">
-                                      <p:cBhvr>
-                                        <p:cTn id="7" dur="1"/>
-                                        <p:tgtEl>
-                                          <p:spTgt spid="332"/>
-                                        </p:tgtEl>
-                                      </p:cBhvr>
-                                    </p:animEffect>
-                                  </p:childTnLst>
-                                </p:cTn>
-                              </p:par>
-                            </p:childTnLst>
-                          </p:cTn>
-                        </p:par>
-                      </p:childTnLst>
-                    </p:cTn>
-                  </p:par>
-                  <p:par>
-                    <p:cTn id="8" fill="hold">
-                      <p:stCondLst>
-                        <p:cond delay="indefinite"/>
-                      </p:stCondLst>
-                      <p:childTnLst>
-                        <p:par>
-                          <p:cTn id="9" fill="hold">
-                            <p:stCondLst>
-                              <p:cond delay="0"/>
-                            </p:stCondLst>
-                            <p:childTnLst>
-                              <p:par>
-                                <p:cTn id="10" presetID="10" presetClass="entr" presetSubtype="0" fill="hold" nodeType="clickEffect">
-                                  <p:stCondLst>
-                                    <p:cond delay="0"/>
-                                  </p:stCondLst>
-                                  <p:childTnLst>
-                                    <p:set>
-                                      <p:cBhvr>
-                                        <p:cTn id="11" dur="1" fill="hold">
-                                          <p:stCondLst>
-                                            <p:cond delay="0"/>
-                                          </p:stCondLst>
-                                        </p:cTn>
-                                        <p:tgtEl>
-                                          <p:spTgt spid="333"/>
-                                        </p:tgtEl>
-                                        <p:attrNameLst>
-                                          <p:attrName>style.visibility</p:attrName>
-                                        </p:attrNameLst>
-                                      </p:cBhvr>
-                                      <p:to>
-                                        <p:strVal val="visible"/>
-                                      </p:to>
-                                    </p:set>
-                                    <p:animEffect transition="in" filter="fade">
-                                      <p:cBhvr>
-                                        <p:cTn id="12" dur="1"/>
-                                        <p:tgtEl>
-                                          <p:spTgt spid="333"/>
-                                        </p:tgtEl>
-                                      </p:cBhvr>
-                                    </p:animEffect>
-                                  </p:childTnLst>
-                                </p:cTn>
-                              </p:par>
-                            </p:childTnLst>
-                          </p:cTn>
-                        </p:par>
-                      </p:childTnLst>
-                    </p:cTn>
-                  </p:par>
-                </p:childTnLst>
-              </p:cTn>
-              <p:prevCondLst>
-                <p:cond evt="onPrev" delay="0">
-                  <p:tgtEl>
-                    <p:sldTgt/>
-                  </p:tgtEl>
-                </p:cond>
-              </p:prevCondLst>
-              <p:nextCondLst>
-                <p:cond evt="onNext" delay="0">
-                  <p:tgtEl>
-                    <p:sldTgt/>
-                  </p:tgtEl>
-                </p:cond>
-              </p:nextCondLst>
-            </p:seq>
-          </p:childTnLst>
-        </p:cTn>
-      </p:par>
-    </p:tnLst>
-  </p:timing>
-</p:sld>
-</file>
-
-<file path=ppt/slides/slide9.xml><?xml version="1.0" encoding="utf-8"?>
-<p:sld xmlns:a="http://schemas.openxmlformats.org/drawingml/2006/main" xmlns:r="http://schemas.openxmlformats.org/officeDocument/2006/relationships" xmlns:p="http://schemas.openxmlformats.org/presentationml/2006/main">
-  <p:cSld>
-    <p:spTree>
-      <p:nvGrpSpPr>
-        <p:cNvPr id="1" name="Shape 338"/>
-        <p:cNvGrpSpPr/>
-        <p:nvPr/>
-      </p:nvGrpSpPr>
-      <p:grpSpPr>
-        <a:xfrm>
-          <a:off x="0" y="0"/>
-          <a:ext cx="0" cy="0"/>
-          <a:chOff x="0" y="0"/>
-          <a:chExt cx="0" cy="0"/>
-        </a:xfrm>
-      </p:grpSpPr>
-      <p:sp>
-        <p:nvSpPr>
-          <p:cNvPr id="339" name="Google Shape;339;p21"/>
-          <p:cNvSpPr txBox="1">
-            <a:spLocks noGrp="1"/>
-          </p:cNvSpPr>
-          <p:nvPr>
-            <p:ph type="title"/>
-          </p:nvPr>
-        </p:nvSpPr>
-        <p:spPr>
-          <a:xfrm>
-            <a:off x="1303800" y="598575"/>
-            <a:ext cx="7030500" cy="999300"/>
-          </a:xfrm>
-          <a:prstGeom prst="rect">
-            <a:avLst/>
-          </a:prstGeom>
-        </p:spPr>
-        <p:txBody>
-          <a:bodyPr spcFirstLastPara="1" wrap="square" lIns="91425" tIns="91425" rIns="91425" bIns="91425" anchor="t" anchorCtr="0">
-            <a:noAutofit/>
-          </a:bodyPr>
-          <a:lstStyle/>
-          <a:p>
-            <a:pPr marL="0" lvl="0" indent="0" algn="l" rtl="0">
-              <a:spcBef>
-                <a:spcPts val="0"/>
-              </a:spcBef>
-              <a:spcAft>
-                <a:spcPts val="0"/>
-              </a:spcAft>
-              <a:buNone/>
-            </a:pPr>
-            <a:r>
-              <a:rPr lang="en"/>
-              <a:t>Problem 2</a:t>
-            </a:r>
-            <a:endParaRPr/>
-          </a:p>
-        </p:txBody>
-      </p:sp>
-      <p:sp>
-        <p:nvSpPr>
-          <p:cNvPr id="340" name="Google Shape;340;p21"/>
-          <p:cNvSpPr txBox="1">
-            <a:spLocks noGrp="1"/>
-          </p:cNvSpPr>
-          <p:nvPr>
-            <p:ph type="body" idx="1"/>
-          </p:nvPr>
-        </p:nvSpPr>
-        <p:spPr>
-          <a:xfrm>
-            <a:off x="1303800" y="1990050"/>
-            <a:ext cx="3430500" cy="2541600"/>
-          </a:xfrm>
-          <a:prstGeom prst="rect">
-            <a:avLst/>
-          </a:prstGeom>
-        </p:spPr>
-        <p:txBody>
-          <a:bodyPr spcFirstLastPara="1" wrap="square" lIns="91425" tIns="91425" rIns="91425" bIns="91425" anchor="t" anchorCtr="0">
-            <a:noAutofit/>
-          </a:bodyPr>
-          <a:lstStyle/>
-          <a:p>
-            <a:pPr marL="0" lvl="0" indent="0" algn="l" rtl="0">
-              <a:spcBef>
-                <a:spcPts val="0"/>
-              </a:spcBef>
-              <a:spcAft>
-                <a:spcPts val="0"/>
-              </a:spcAft>
-              <a:buNone/>
-            </a:pPr>
-            <a:r>
-              <a:rPr lang="en"/>
-              <a:t>int a[10] = {...};</a:t>
-            </a:r>
-            <a:endParaRPr/>
-          </a:p>
-          <a:p>
-            <a:pPr marL="0" lvl="0" indent="0" algn="l" rtl="0">
-              <a:spcBef>
-                <a:spcPts val="1600"/>
-              </a:spcBef>
-              <a:spcAft>
-                <a:spcPts val="0"/>
-              </a:spcAft>
-              <a:buNone/>
-            </a:pPr>
-            <a:r>
-              <a:rPr lang="en"/>
-              <a:t>int b1 = MIN, b2=MIN;</a:t>
-            </a:r>
-            <a:endParaRPr/>
-          </a:p>
-          <a:p>
-            <a:pPr marL="0" lvl="0" indent="0" algn="l" rtl="0">
-              <a:spcBef>
-                <a:spcPts val="1600"/>
-              </a:spcBef>
-              <a:spcAft>
-                <a:spcPts val="0"/>
-              </a:spcAft>
-              <a:buNone/>
-            </a:pPr>
-            <a:r>
-              <a:rPr lang="en"/>
-              <a:t>for( int x : a) if( x&gt;=b1) { b1=x; b2=b1; }</a:t>
-            </a:r>
-            <a:endParaRPr/>
-          </a:p>
-          <a:p>
-            <a:pPr marL="0" lvl="0" indent="0" algn="l" rtl="0">
-              <a:spcBef>
-                <a:spcPts val="1600"/>
-              </a:spcBef>
-              <a:spcAft>
-                <a:spcPts val="1600"/>
-              </a:spcAft>
-              <a:buNone/>
-            </a:pPr>
-            <a:r>
-              <a:rPr lang="en"/>
-              <a:t>else if (x&gt;b2) b2=x;</a:t>
-            </a:r>
-            <a:endParaRPr/>
-          </a:p>
-        </p:txBody>
-      </p:sp>
-      <p:sp>
-        <p:nvSpPr>
-          <p:cNvPr id="341" name="Google Shape;341;p21"/>
-          <p:cNvSpPr txBox="1">
-            <a:spLocks noGrp="1"/>
-          </p:cNvSpPr>
-          <p:nvPr>
-            <p:ph type="body" idx="2"/>
-          </p:nvPr>
-        </p:nvSpPr>
-        <p:spPr>
-          <a:xfrm>
-            <a:off x="4903650" y="1990050"/>
-            <a:ext cx="3430500" cy="2541600"/>
-          </a:xfrm>
-          <a:prstGeom prst="rect">
-            <a:avLst/>
-          </a:prstGeom>
-        </p:spPr>
-        <p:txBody>
-          <a:bodyPr spcFirstLastPara="1" wrap="square" lIns="91425" tIns="91425" rIns="91425" bIns="91425" anchor="t" anchorCtr="0">
-            <a:noAutofit/>
-          </a:bodyPr>
-          <a:lstStyle/>
-          <a:p>
-            <a:pPr marL="0" lvl="0" indent="0" algn="l" rtl="0">
-              <a:spcBef>
-                <a:spcPts val="0"/>
-              </a:spcBef>
-              <a:spcAft>
-                <a:spcPts val="1600"/>
-              </a:spcAft>
-              <a:buNone/>
-            </a:pPr>
-            <a:r>
-              <a:rPr lang="en"/>
-              <a:t>?</a:t>
-            </a:r>
-            <a:endParaRPr/>
-          </a:p>
-        </p:txBody>
-      </p:sp>
-      <p:sp>
-        <p:nvSpPr>
-          <p:cNvPr id="342" name="Google Shape;342;p21"/>
-          <p:cNvSpPr txBox="1">
-            <a:spLocks noGrp="1"/>
-          </p:cNvSpPr>
-          <p:nvPr>
-            <p:ph type="sldNum" idx="12"/>
-          </p:nvPr>
-        </p:nvSpPr>
-        <p:spPr>
-          <a:xfrm>
-            <a:off x="8451046" y="4736976"/>
-            <a:ext cx="548700" cy="393600"/>
-          </a:xfrm>
-          <a:prstGeom prst="rect">
-            <a:avLst/>
-          </a:prstGeom>
-        </p:spPr>
-        <p:txBody>
-          <a:bodyPr spcFirstLastPara="1" wrap="square" lIns="91425" tIns="91425" rIns="91425" bIns="91425" anchor="ctr" anchorCtr="0">
-            <a:noAutofit/>
-          </a:bodyPr>
-          <a:lstStyle/>
-          <a:p>
-            <a:pPr marL="0" lvl="0" indent="0" algn="r" rtl="0">
-              <a:spcBef>
-                <a:spcPts val="0"/>
-              </a:spcBef>
-              <a:spcAft>
-                <a:spcPts val="0"/>
-              </a:spcAft>
-              <a:buNone/>
-            </a:pPr>
-            <a:fld id="{00000000-1234-1234-1234-123412341234}" type="slidenum">
-              <a:rPr lang="en"/>
               <a:t>9</a:t>
             </a:fld>
             <a:endParaRPr/>
@@ -18885,142 +19226,6 @@
   <p:clrMapOvr>
     <a:masterClrMapping/>
   </p:clrMapOvr>
-  <p:timing>
-    <p:tnLst>
-      <p:par>
-        <p:cTn id="1" dur="indefinite" restart="never" nodeType="tmRoot">
-          <p:childTnLst>
-            <p:seq concurrent="1" nextAc="seek">
-              <p:cTn id="2" dur="indefinite" nodeType="mainSeq">
-                <p:childTnLst>
-                  <p:par>
-                    <p:cTn id="3" fill="hold">
-                      <p:stCondLst>
-                        <p:cond delay="indefinite"/>
-                      </p:stCondLst>
-                      <p:childTnLst>
-                        <p:par>
-                          <p:cTn id="4" fill="hold">
-                            <p:stCondLst>
-                              <p:cond delay="0"/>
-                            </p:stCondLst>
-                            <p:childTnLst>
-                              <p:par>
-                                <p:cTn id="5" presetID="10" presetClass="entr" presetSubtype="0" fill="hold" nodeType="clickEffect">
-                                  <p:stCondLst>
-                                    <p:cond delay="0"/>
-                                  </p:stCondLst>
-                                  <p:childTnLst>
-                                    <p:set>
-                                      <p:cBhvr>
-                                        <p:cTn id="6" dur="1" fill="hold">
-                                          <p:stCondLst>
-                                            <p:cond delay="0"/>
-                                          </p:stCondLst>
-                                        </p:cTn>
-                                        <p:tgtEl>
-                                          <p:spTgt spid="340"/>
-                                        </p:tgtEl>
-                                        <p:attrNameLst>
-                                          <p:attrName>style.visibility</p:attrName>
-                                        </p:attrNameLst>
-                                      </p:cBhvr>
-                                      <p:to>
-                                        <p:strVal val="visible"/>
-                                      </p:to>
-                                    </p:set>
-                                    <p:animEffect transition="in" filter="fade">
-                                      <p:cBhvr>
-                                        <p:cTn id="7" dur="1"/>
-                                        <p:tgtEl>
-                                          <p:spTgt spid="340"/>
-                                        </p:tgtEl>
-                                      </p:cBhvr>
-                                    </p:animEffect>
-                                  </p:childTnLst>
-                                </p:cTn>
-                              </p:par>
-                            </p:childTnLst>
-                          </p:cTn>
-                        </p:par>
-                      </p:childTnLst>
-                    </p:cTn>
-                  </p:par>
-                  <p:par>
-                    <p:cTn id="8" fill="hold">
-                      <p:stCondLst>
-                        <p:cond delay="indefinite"/>
-                      </p:stCondLst>
-                      <p:childTnLst>
-                        <p:par>
-                          <p:cTn id="9" fill="hold">
-                            <p:stCondLst>
-                              <p:cond delay="0"/>
-                            </p:stCondLst>
-                            <p:childTnLst>
-                              <p:par>
-                                <p:cTn id="10" presetID="10" presetClass="entr" presetSubtype="0" fill="hold" nodeType="clickEffect">
-                                  <p:stCondLst>
-                                    <p:cond delay="0"/>
-                                  </p:stCondLst>
-                                  <p:childTnLst>
-                                    <p:set>
-                                      <p:cBhvr>
-                                        <p:cTn id="11" dur="1" fill="hold">
-                                          <p:stCondLst>
-                                            <p:cond delay="0"/>
-                                          </p:stCondLst>
-                                        </p:cTn>
-                                        <p:tgtEl>
-                                          <p:spTgt spid="341"/>
-                                        </p:tgtEl>
-                                        <p:attrNameLst>
-                                          <p:attrName>style.visibility</p:attrName>
-                                        </p:attrNameLst>
-                                      </p:cBhvr>
-                                      <p:to>
-                                        <p:strVal val="visible"/>
-                                      </p:to>
-                                    </p:set>
-                                    <p:animEffect transition="in" filter="fade">
-                                      <p:cBhvr>
-                                        <p:cTn id="12" dur="1"/>
-                                        <p:tgtEl>
-                                          <p:spTgt spid="341"/>
-                                        </p:tgtEl>
-                                      </p:cBhvr>
-                                    </p:animEffect>
-                                  </p:childTnLst>
-                                </p:cTn>
-                              </p:par>
-                            </p:childTnLst>
-                          </p:cTn>
-                        </p:par>
-                      </p:childTnLst>
-                    </p:cTn>
-                  </p:par>
-                </p:childTnLst>
-              </p:cTn>
-              <p:prevCondLst>
-                <p:cond evt="onPrev" delay="0">
-                  <p:tgtEl>
-                    <p:sldTgt/>
-                  </p:tgtEl>
-                </p:cond>
-              </p:prevCondLst>
-              <p:nextCondLst>
-                <p:cond evt="onNext" delay="0">
-                  <p:tgtEl>
-                    <p:sldTgt/>
-                  </p:tgtEl>
-                </p:cond>
-              </p:nextCondLst>
-            </p:seq>
-          </p:childTnLst>
-        </p:cTn>
-      </p:par>
-    </p:tnLst>
-  </p:timing>
 </p:sld>
 </file>
 

--- a/tutorials/dop/Data_Oblivious_Programming.pptx
+++ b/tutorials/dop/Data_Oblivious_Programming.pptx
@@ -17041,10 +17041,10 @@
               <a:buNone/>
             </a:pPr>
             <a:r>
-              <a:rPr lang="en"/>
+              <a:rPr lang="en" dirty="0"/>
               <a:t>Problem 2</a:t>
             </a:r>
-            <a:endParaRPr/>
+            <a:endParaRPr dirty="0"/>
           </a:p>
         </p:txBody>
       </p:sp>
@@ -17126,7 +17126,24 @@
               <a:rPr lang="en" dirty="0">
                 <a:latin typeface="Courier New" panose="02070309020205020404" pitchFamily="49" charset="0"/>
               </a:rPr>
-              <a:t>for( int x : a) if( x &gt;= b1 ) { b1 = x; b2 = b1; }</a:t>
+              <a:t>for( int x : a) </a:t>
+            </a:r>
+          </a:p>
+          <a:p>
+            <a:pPr marL="0" lvl="0" indent="0" algn="l" rtl="0">
+              <a:spcBef>
+                <a:spcPts val="1600"/>
+              </a:spcBef>
+              <a:spcAft>
+                <a:spcPts val="0"/>
+              </a:spcAft>
+              <a:buNone/>
+            </a:pPr>
+            <a:r>
+              <a:rPr lang="en" dirty="0">
+                <a:latin typeface="Courier New" panose="02070309020205020404" pitchFamily="49" charset="0"/>
+              </a:rPr>
+              <a:t>  if( x &gt;= b1 ) { b1 = x; b2 = b1; }</a:t>
             </a:r>
             <a:endParaRPr dirty="0">
               <a:latin typeface="Courier New" panose="02070309020205020404" pitchFamily="49" charset="0"/>
@@ -17146,7 +17163,7 @@
               <a:rPr lang="en" dirty="0">
                 <a:latin typeface="Courier New" panose="02070309020205020404" pitchFamily="49" charset="0"/>
               </a:rPr>
-              <a:t>else if ( x &gt; b2 ) b2 = x;</a:t>
+              <a:t>  else if ( x &gt; b2 ) b2 = x;</a:t>
             </a:r>
             <a:endParaRPr dirty="0">
               <a:latin typeface="Courier New" panose="02070309020205020404" pitchFamily="49" charset="0"/>
